--- a/Allgemeines/praesentation.pptx
+++ b/Allgemeines/praesentation.pptx
@@ -14,8 +14,10 @@
     <p:sldId id="265" r:id="rId8"/>
     <p:sldId id="262" r:id="rId9"/>
     <p:sldId id="266" r:id="rId10"/>
-    <p:sldId id="263" r:id="rId11"/>
-    <p:sldId id="264" r:id="rId12"/>
+    <p:sldId id="267" r:id="rId11"/>
+    <p:sldId id="268" r:id="rId12"/>
+    <p:sldId id="263" r:id="rId13"/>
+    <p:sldId id="264" r:id="rId14"/>
   </p:sldIdLst>
   <p:sldSz cx="12192000" cy="6858000"/>
   <p:notesSz cx="6858000" cy="9144000"/>
@@ -114,6 +116,11 @@
       </a:defRPr>
     </a:lvl9pPr>
   </p:defaultTextStyle>
+  <p:extLst>
+    <p:ext uri="{EFAFB233-063F-42B5-8137-9DF3F51BA10A}">
+      <p15:sldGuideLst xmlns:p15="http://schemas.microsoft.com/office/powerpoint/2012/main"/>
+    </p:ext>
+  </p:extLst>
 </p:presentation>
 </file>
 
@@ -3157,6 +3164,570 @@
             <p:ph type="title"/>
           </p:nvPr>
         </p:nvSpPr>
+        <p:spPr/>
+        <p:txBody>
+          <a:bodyPr/>
+          <a:lstStyle/>
+          <a:p>
+            <a:r>
+              <a:rPr lang="de-AT" b="1" dirty="0" err="1" smtClean="0">
+                <a:latin typeface="Aharoni" panose="02010803020104030203" pitchFamily="2" charset="-79"/>
+                <a:cs typeface="Aharoni" panose="02010803020104030203" pitchFamily="2" charset="-79"/>
+              </a:rPr>
+              <a:t>Arduino</a:t>
+            </a:r>
+            <a:endParaRPr lang="de-AT" b="1" dirty="0">
+              <a:latin typeface="Aharoni" panose="02010803020104030203" pitchFamily="2" charset="-79"/>
+              <a:cs typeface="Aharoni" panose="02010803020104030203" pitchFamily="2" charset="-79"/>
+            </a:endParaRPr>
+          </a:p>
+        </p:txBody>
+      </p:sp>
+      <p:sp>
+        <p:nvSpPr>
+          <p:cNvPr id="3" name="Inhaltsplatzhalter 2"/>
+          <p:cNvSpPr>
+            <a:spLocks noGrp="1"/>
+          </p:cNvSpPr>
+          <p:nvPr>
+            <p:ph idx="1"/>
+          </p:nvPr>
+        </p:nvSpPr>
+        <p:spPr/>
+        <p:txBody>
+          <a:bodyPr/>
+          <a:lstStyle/>
+          <a:p>
+            <a:r>
+              <a:rPr lang="de-AT" dirty="0" smtClean="0"/>
+              <a:t>Ist ein Mikrocontroller</a:t>
+            </a:r>
+          </a:p>
+          <a:p>
+            <a:r>
+              <a:rPr lang="de-AT" dirty="0" smtClean="0"/>
+              <a:t>Bildet die Steuerungseinheit des Roboters</a:t>
+            </a:r>
+          </a:p>
+          <a:p>
+            <a:r>
+              <a:rPr lang="de-AT" dirty="0" smtClean="0"/>
+              <a:t>An </a:t>
+            </a:r>
+            <a:r>
+              <a:rPr lang="de-AT" dirty="0" err="1" smtClean="0"/>
+              <a:t>Arduino</a:t>
+            </a:r>
+            <a:r>
+              <a:rPr lang="de-AT" dirty="0" smtClean="0"/>
+              <a:t> werden Bewegungsdaten der Hand gesendet</a:t>
+            </a:r>
+            <a:endParaRPr lang="de-AT" dirty="0"/>
+          </a:p>
+          <a:p>
+            <a:pPr lvl="1"/>
+            <a:r>
+              <a:rPr lang="de-AT" dirty="0" smtClean="0"/>
+              <a:t>Eingelesen von </a:t>
+            </a:r>
+            <a:r>
+              <a:rPr lang="de-AT" dirty="0" err="1" smtClean="0"/>
+              <a:t>LeapMotion</a:t>
+            </a:r>
+            <a:endParaRPr lang="de-AT" dirty="0" smtClean="0"/>
+          </a:p>
+          <a:p>
+            <a:pPr lvl="1"/>
+            <a:r>
+              <a:rPr lang="de-AT" dirty="0" smtClean="0"/>
+              <a:t>Gesendet über Bluetooth</a:t>
+            </a:r>
+          </a:p>
+          <a:p>
+            <a:r>
+              <a:rPr lang="de-AT" dirty="0" smtClean="0"/>
+              <a:t>Wandelt Daten in Steuersignale für Motoren um</a:t>
+            </a:r>
+          </a:p>
+          <a:p>
+            <a:r>
+              <a:rPr lang="de-AT" dirty="0" smtClean="0"/>
+              <a:t>Gibt Steuersignale an </a:t>
+            </a:r>
+            <a:r>
+              <a:rPr lang="de-AT" dirty="0" err="1" smtClean="0"/>
+              <a:t>Motorshield</a:t>
+            </a:r>
+            <a:r>
+              <a:rPr lang="de-AT" dirty="0" smtClean="0"/>
+              <a:t> weiter </a:t>
+            </a:r>
+          </a:p>
+        </p:txBody>
+      </p:sp>
+    </p:spTree>
+    <p:extLst>
+      <p:ext uri="{BB962C8B-B14F-4D97-AF65-F5344CB8AC3E}">
+        <p14:creationId xmlns:p14="http://schemas.microsoft.com/office/powerpoint/2010/main" val="573615163"/>
+      </p:ext>
+    </p:extLst>
+  </p:cSld>
+  <p:clrMapOvr>
+    <a:masterClrMapping/>
+  </p:clrMapOvr>
+  <p:timing>
+    <p:tnLst>
+      <p:par>
+        <p:cTn id="1" dur="indefinite" restart="never" nodeType="tmRoot"/>
+      </p:par>
+    </p:tnLst>
+  </p:timing>
+</p:sld>
+</file>
+
+<file path=ppt/slides/slide11.xml><?xml version="1.0" encoding="utf-8"?>
+<p:sld xmlns:a="http://schemas.openxmlformats.org/drawingml/2006/main" xmlns:r="http://schemas.openxmlformats.org/officeDocument/2006/relationships" xmlns:p="http://schemas.openxmlformats.org/presentationml/2006/main">
+  <p:cSld>
+    <p:spTree>
+      <p:nvGrpSpPr>
+        <p:cNvPr id="1" name=""/>
+        <p:cNvGrpSpPr/>
+        <p:nvPr/>
+      </p:nvGrpSpPr>
+      <p:grpSpPr>
+        <a:xfrm>
+          <a:off x="0" y="0"/>
+          <a:ext cx="0" cy="0"/>
+          <a:chOff x="0" y="0"/>
+          <a:chExt cx="0" cy="0"/>
+        </a:xfrm>
+      </p:grpSpPr>
+      <p:sp>
+        <p:nvSpPr>
+          <p:cNvPr id="2" name="Titel 1"/>
+          <p:cNvSpPr>
+            <a:spLocks noGrp="1"/>
+          </p:cNvSpPr>
+          <p:nvPr>
+            <p:ph type="title"/>
+          </p:nvPr>
+        </p:nvSpPr>
+        <p:spPr/>
+        <p:txBody>
+          <a:bodyPr/>
+          <a:lstStyle/>
+          <a:p>
+            <a:r>
+              <a:rPr lang="de-AT" b="1" dirty="0" err="1" smtClean="0">
+                <a:latin typeface="Aharoni" panose="02010803020104030203" pitchFamily="2" charset="-79"/>
+                <a:cs typeface="Aharoni" panose="02010803020104030203" pitchFamily="2" charset="-79"/>
+              </a:rPr>
+              <a:t>Arduino</a:t>
+            </a:r>
+            <a:r>
+              <a:rPr lang="de-AT" b="1" dirty="0" smtClean="0">
+                <a:latin typeface="Aharoni" panose="02010803020104030203" pitchFamily="2" charset="-79"/>
+                <a:cs typeface="Aharoni" panose="02010803020104030203" pitchFamily="2" charset="-79"/>
+              </a:rPr>
+              <a:t> – </a:t>
+            </a:r>
+            <a:r>
+              <a:rPr lang="de-AT" b="1" dirty="0" err="1" smtClean="0">
+                <a:latin typeface="Aharoni" panose="02010803020104030203" pitchFamily="2" charset="-79"/>
+                <a:cs typeface="Aharoni" panose="02010803020104030203" pitchFamily="2" charset="-79"/>
+              </a:rPr>
+              <a:t>Motorshield</a:t>
+            </a:r>
+            <a:endParaRPr lang="de-AT" b="1" dirty="0">
+              <a:latin typeface="Aharoni" panose="02010803020104030203" pitchFamily="2" charset="-79"/>
+              <a:cs typeface="Aharoni" panose="02010803020104030203" pitchFamily="2" charset="-79"/>
+            </a:endParaRPr>
+          </a:p>
+        </p:txBody>
+      </p:sp>
+      <p:sp>
+        <p:nvSpPr>
+          <p:cNvPr id="3" name="Inhaltsplatzhalter 2"/>
+          <p:cNvSpPr>
+            <a:spLocks noGrp="1"/>
+          </p:cNvSpPr>
+          <p:nvPr>
+            <p:ph idx="1"/>
+          </p:nvPr>
+        </p:nvSpPr>
+        <p:spPr>
+          <a:xfrm>
+            <a:off x="838200" y="1666081"/>
+            <a:ext cx="10515600" cy="1763395"/>
+          </a:xfrm>
+        </p:spPr>
+        <p:txBody>
+          <a:bodyPr/>
+          <a:lstStyle/>
+          <a:p>
+            <a:r>
+              <a:rPr lang="de-AT" dirty="0" smtClean="0"/>
+              <a:t>Spezielle Hardware zum Ansteuern der Motoren</a:t>
+            </a:r>
+          </a:p>
+          <a:p>
+            <a:r>
+              <a:rPr lang="de-AT" dirty="0" smtClean="0"/>
+              <a:t>Verarbeitet Steuersignale von </a:t>
+            </a:r>
+            <a:r>
+              <a:rPr lang="de-AT" dirty="0" err="1" smtClean="0"/>
+              <a:t>Arduino</a:t>
+            </a:r>
+            <a:endParaRPr lang="de-AT" dirty="0" smtClean="0"/>
+          </a:p>
+          <a:p>
+            <a:r>
+              <a:rPr lang="de-AT" dirty="0" smtClean="0"/>
+              <a:t>Leitet Signale an Motoren weiter</a:t>
+            </a:r>
+          </a:p>
+        </p:txBody>
+      </p:sp>
+      <p:sp>
+        <p:nvSpPr>
+          <p:cNvPr id="4" name="Titel 1"/>
+          <p:cNvSpPr txBox="1">
+            <a:spLocks/>
+          </p:cNvSpPr>
+          <p:nvPr/>
+        </p:nvSpPr>
+        <p:spPr>
+          <a:xfrm>
+            <a:off x="678180" y="3794125"/>
+            <a:ext cx="10515600" cy="1325563"/>
+          </a:xfrm>
+          <a:prstGeom prst="rect">
+            <a:avLst/>
+          </a:prstGeom>
+        </p:spPr>
+        <p:txBody>
+          <a:bodyPr vert="horz" lIns="91440" tIns="45720" rIns="91440" bIns="45720" rtlCol="0" anchor="ctr">
+            <a:normAutofit/>
+          </a:bodyPr>
+          <a:lstStyle>
+            <a:lvl1pPr algn="l" defTabSz="914400" rtl="0" eaLnBrk="1" latinLnBrk="0" hangingPunct="1">
+              <a:lnSpc>
+                <a:spcPct val="90000"/>
+              </a:lnSpc>
+              <a:spcBef>
+                <a:spcPct val="0"/>
+              </a:spcBef>
+              <a:buNone/>
+              <a:defRPr sz="4400" kern="1200">
+                <a:solidFill>
+                  <a:schemeClr val="tx1"/>
+                </a:solidFill>
+                <a:latin typeface="+mj-lt"/>
+                <a:ea typeface="+mj-ea"/>
+                <a:cs typeface="+mj-cs"/>
+              </a:defRPr>
+            </a:lvl1pPr>
+          </a:lstStyle>
+          <a:p>
+            <a:r>
+              <a:rPr lang="de-AT" b="1" dirty="0" err="1" smtClean="0">
+                <a:latin typeface="Aharoni" panose="02010803020104030203" pitchFamily="2" charset="-79"/>
+                <a:cs typeface="Aharoni" panose="02010803020104030203" pitchFamily="2" charset="-79"/>
+              </a:rPr>
+              <a:t>Arduino</a:t>
+            </a:r>
+            <a:r>
+              <a:rPr lang="de-AT" b="1" dirty="0" smtClean="0">
+                <a:latin typeface="Aharoni" panose="02010803020104030203" pitchFamily="2" charset="-79"/>
+                <a:cs typeface="Aharoni" panose="02010803020104030203" pitchFamily="2" charset="-79"/>
+              </a:rPr>
+              <a:t> – </a:t>
+            </a:r>
+            <a:r>
+              <a:rPr lang="de-AT" b="1" dirty="0" err="1" smtClean="0">
+                <a:latin typeface="Aharoni" panose="02010803020104030203" pitchFamily="2" charset="-79"/>
+                <a:cs typeface="Aharoni" panose="02010803020104030203" pitchFamily="2" charset="-79"/>
+              </a:rPr>
+              <a:t>Bluetoothshield</a:t>
+            </a:r>
+            <a:endParaRPr lang="de-AT" b="1" dirty="0">
+              <a:latin typeface="Aharoni" panose="02010803020104030203" pitchFamily="2" charset="-79"/>
+              <a:cs typeface="Aharoni" panose="02010803020104030203" pitchFamily="2" charset="-79"/>
+            </a:endParaRPr>
+          </a:p>
+        </p:txBody>
+      </p:sp>
+      <p:sp>
+        <p:nvSpPr>
+          <p:cNvPr id="6" name="Inhaltsplatzhalter 2"/>
+          <p:cNvSpPr txBox="1">
+            <a:spLocks/>
+          </p:cNvSpPr>
+          <p:nvPr/>
+        </p:nvSpPr>
+        <p:spPr>
+          <a:xfrm>
+            <a:off x="678180" y="5093655"/>
+            <a:ext cx="10515600" cy="1421446"/>
+          </a:xfrm>
+          <a:prstGeom prst="rect">
+            <a:avLst/>
+          </a:prstGeom>
+        </p:spPr>
+        <p:txBody>
+          <a:bodyPr vert="horz" lIns="91440" tIns="45720" rIns="91440" bIns="45720" rtlCol="0">
+            <a:normAutofit/>
+          </a:bodyPr>
+          <a:lstStyle>
+            <a:lvl1pPr marL="228600" indent="-228600" algn="l" defTabSz="914400" rtl="0" eaLnBrk="1" latinLnBrk="0" hangingPunct="1">
+              <a:lnSpc>
+                <a:spcPct val="90000"/>
+              </a:lnSpc>
+              <a:spcBef>
+                <a:spcPts val="1000"/>
+              </a:spcBef>
+              <a:buFont typeface="Arial" panose="020B0604020202020204" pitchFamily="34" charset="0"/>
+              <a:buChar char="•"/>
+              <a:defRPr sz="2800" kern="1200">
+                <a:solidFill>
+                  <a:schemeClr val="tx1"/>
+                </a:solidFill>
+                <a:latin typeface="+mn-lt"/>
+                <a:ea typeface="+mn-ea"/>
+                <a:cs typeface="+mn-cs"/>
+              </a:defRPr>
+            </a:lvl1pPr>
+            <a:lvl2pPr marL="685800" indent="-228600" algn="l" defTabSz="914400" rtl="0" eaLnBrk="1" latinLnBrk="0" hangingPunct="1">
+              <a:lnSpc>
+                <a:spcPct val="90000"/>
+              </a:lnSpc>
+              <a:spcBef>
+                <a:spcPts val="500"/>
+              </a:spcBef>
+              <a:buFont typeface="Arial" panose="020B0604020202020204" pitchFamily="34" charset="0"/>
+              <a:buChar char="•"/>
+              <a:defRPr sz="2400" kern="1200">
+                <a:solidFill>
+                  <a:schemeClr val="tx1"/>
+                </a:solidFill>
+                <a:latin typeface="+mn-lt"/>
+                <a:ea typeface="+mn-ea"/>
+                <a:cs typeface="+mn-cs"/>
+              </a:defRPr>
+            </a:lvl2pPr>
+            <a:lvl3pPr marL="1143000" indent="-228600" algn="l" defTabSz="914400" rtl="0" eaLnBrk="1" latinLnBrk="0" hangingPunct="1">
+              <a:lnSpc>
+                <a:spcPct val="90000"/>
+              </a:lnSpc>
+              <a:spcBef>
+                <a:spcPts val="500"/>
+              </a:spcBef>
+              <a:buFont typeface="Arial" panose="020B0604020202020204" pitchFamily="34" charset="0"/>
+              <a:buChar char="•"/>
+              <a:defRPr sz="2000" kern="1200">
+                <a:solidFill>
+                  <a:schemeClr val="tx1"/>
+                </a:solidFill>
+                <a:latin typeface="+mn-lt"/>
+                <a:ea typeface="+mn-ea"/>
+                <a:cs typeface="+mn-cs"/>
+              </a:defRPr>
+            </a:lvl3pPr>
+            <a:lvl4pPr marL="1600200" indent="-228600" algn="l" defTabSz="914400" rtl="0" eaLnBrk="1" latinLnBrk="0" hangingPunct="1">
+              <a:lnSpc>
+                <a:spcPct val="90000"/>
+              </a:lnSpc>
+              <a:spcBef>
+                <a:spcPts val="500"/>
+              </a:spcBef>
+              <a:buFont typeface="Arial" panose="020B0604020202020204" pitchFamily="34" charset="0"/>
+              <a:buChar char="•"/>
+              <a:defRPr sz="1800" kern="1200">
+                <a:solidFill>
+                  <a:schemeClr val="tx1"/>
+                </a:solidFill>
+                <a:latin typeface="+mn-lt"/>
+                <a:ea typeface="+mn-ea"/>
+                <a:cs typeface="+mn-cs"/>
+              </a:defRPr>
+            </a:lvl4pPr>
+            <a:lvl5pPr marL="2057400" indent="-228600" algn="l" defTabSz="914400" rtl="0" eaLnBrk="1" latinLnBrk="0" hangingPunct="1">
+              <a:lnSpc>
+                <a:spcPct val="90000"/>
+              </a:lnSpc>
+              <a:spcBef>
+                <a:spcPts val="500"/>
+              </a:spcBef>
+              <a:buFont typeface="Arial" panose="020B0604020202020204" pitchFamily="34" charset="0"/>
+              <a:buChar char="•"/>
+              <a:defRPr sz="1800" kern="1200">
+                <a:solidFill>
+                  <a:schemeClr val="tx1"/>
+                </a:solidFill>
+                <a:latin typeface="+mn-lt"/>
+                <a:ea typeface="+mn-ea"/>
+                <a:cs typeface="+mn-cs"/>
+              </a:defRPr>
+            </a:lvl5pPr>
+            <a:lvl6pPr marL="2514600" indent="-228600" algn="l" defTabSz="914400" rtl="0" eaLnBrk="1" latinLnBrk="0" hangingPunct="1">
+              <a:lnSpc>
+                <a:spcPct val="90000"/>
+              </a:lnSpc>
+              <a:spcBef>
+                <a:spcPts val="500"/>
+              </a:spcBef>
+              <a:buFont typeface="Arial" panose="020B0604020202020204" pitchFamily="34" charset="0"/>
+              <a:buChar char="•"/>
+              <a:defRPr sz="1800" kern="1200">
+                <a:solidFill>
+                  <a:schemeClr val="tx1"/>
+                </a:solidFill>
+                <a:latin typeface="+mn-lt"/>
+                <a:ea typeface="+mn-ea"/>
+                <a:cs typeface="+mn-cs"/>
+              </a:defRPr>
+            </a:lvl6pPr>
+            <a:lvl7pPr marL="2971800" indent="-228600" algn="l" defTabSz="914400" rtl="0" eaLnBrk="1" latinLnBrk="0" hangingPunct="1">
+              <a:lnSpc>
+                <a:spcPct val="90000"/>
+              </a:lnSpc>
+              <a:spcBef>
+                <a:spcPts val="500"/>
+              </a:spcBef>
+              <a:buFont typeface="Arial" panose="020B0604020202020204" pitchFamily="34" charset="0"/>
+              <a:buChar char="•"/>
+              <a:defRPr sz="1800" kern="1200">
+                <a:solidFill>
+                  <a:schemeClr val="tx1"/>
+                </a:solidFill>
+                <a:latin typeface="+mn-lt"/>
+                <a:ea typeface="+mn-ea"/>
+                <a:cs typeface="+mn-cs"/>
+              </a:defRPr>
+            </a:lvl7pPr>
+            <a:lvl8pPr marL="3429000" indent="-228600" algn="l" defTabSz="914400" rtl="0" eaLnBrk="1" latinLnBrk="0" hangingPunct="1">
+              <a:lnSpc>
+                <a:spcPct val="90000"/>
+              </a:lnSpc>
+              <a:spcBef>
+                <a:spcPts val="500"/>
+              </a:spcBef>
+              <a:buFont typeface="Arial" panose="020B0604020202020204" pitchFamily="34" charset="0"/>
+              <a:buChar char="•"/>
+              <a:defRPr sz="1800" kern="1200">
+                <a:solidFill>
+                  <a:schemeClr val="tx1"/>
+                </a:solidFill>
+                <a:latin typeface="+mn-lt"/>
+                <a:ea typeface="+mn-ea"/>
+                <a:cs typeface="+mn-cs"/>
+              </a:defRPr>
+            </a:lvl8pPr>
+            <a:lvl9pPr marL="3886200" indent="-228600" algn="l" defTabSz="914400" rtl="0" eaLnBrk="1" latinLnBrk="0" hangingPunct="1">
+              <a:lnSpc>
+                <a:spcPct val="90000"/>
+              </a:lnSpc>
+              <a:spcBef>
+                <a:spcPts val="500"/>
+              </a:spcBef>
+              <a:buFont typeface="Arial" panose="020B0604020202020204" pitchFamily="34" charset="0"/>
+              <a:buChar char="•"/>
+              <a:defRPr sz="1800" kern="1200">
+                <a:solidFill>
+                  <a:schemeClr val="tx1"/>
+                </a:solidFill>
+                <a:latin typeface="+mn-lt"/>
+                <a:ea typeface="+mn-ea"/>
+                <a:cs typeface="+mn-cs"/>
+              </a:defRPr>
+            </a:lvl9pPr>
+          </a:lstStyle>
+          <a:p>
+            <a:r>
+              <a:rPr lang="de-AT" dirty="0" smtClean="0"/>
+              <a:t>Schnittstelle zwischen </a:t>
+            </a:r>
+            <a:r>
+              <a:rPr lang="de-AT" dirty="0" err="1" smtClean="0"/>
+              <a:t>Arduino</a:t>
+            </a:r>
+            <a:r>
+              <a:rPr lang="de-AT" dirty="0" smtClean="0"/>
+              <a:t> und PC</a:t>
+            </a:r>
+          </a:p>
+          <a:p>
+            <a:r>
+              <a:rPr lang="de-AT" dirty="0" smtClean="0"/>
+              <a:t> Nimmt Daten von PC entgegen</a:t>
+            </a:r>
+            <a:r>
+              <a:rPr lang="de-AT" dirty="0"/>
+              <a:t> </a:t>
+            </a:r>
+            <a:r>
+              <a:rPr lang="de-AT" dirty="0" smtClean="0"/>
+              <a:t>und gibt sie an </a:t>
+            </a:r>
+            <a:r>
+              <a:rPr lang="de-AT" dirty="0" err="1" smtClean="0"/>
+              <a:t>Arduino</a:t>
+            </a:r>
+            <a:r>
+              <a:rPr lang="de-AT" dirty="0" smtClean="0"/>
+              <a:t> weiter</a:t>
+            </a:r>
+          </a:p>
+        </p:txBody>
+      </p:sp>
+    </p:spTree>
+    <p:extLst>
+      <p:ext uri="{BB962C8B-B14F-4D97-AF65-F5344CB8AC3E}">
+        <p14:creationId xmlns:p14="http://schemas.microsoft.com/office/powerpoint/2010/main" val="2198162006"/>
+      </p:ext>
+    </p:extLst>
+  </p:cSld>
+  <p:clrMapOvr>
+    <a:masterClrMapping/>
+  </p:clrMapOvr>
+  <p:timing>
+    <p:tnLst>
+      <p:par>
+        <p:cTn id="1" dur="indefinite" restart="never" nodeType="tmRoot"/>
+      </p:par>
+    </p:tnLst>
+  </p:timing>
+</p:sld>
+</file>
+
+<file path=ppt/slides/slide12.xml><?xml version="1.0" encoding="utf-8"?>
+<p:sld xmlns:a="http://schemas.openxmlformats.org/drawingml/2006/main" xmlns:r="http://schemas.openxmlformats.org/officeDocument/2006/relationships" xmlns:p="http://schemas.openxmlformats.org/presentationml/2006/main">
+  <p:cSld>
+    <p:spTree>
+      <p:nvGrpSpPr>
+        <p:cNvPr id="1" name=""/>
+        <p:cNvGrpSpPr/>
+        <p:nvPr/>
+      </p:nvGrpSpPr>
+      <p:grpSpPr>
+        <a:xfrm>
+          <a:off x="0" y="0"/>
+          <a:ext cx="0" cy="0"/>
+          <a:chOff x="0" y="0"/>
+          <a:chExt cx="0" cy="0"/>
+        </a:xfrm>
+      </p:grpSpPr>
+      <p:sp>
+        <p:nvSpPr>
+          <p:cNvPr id="2" name="Titel 1"/>
+          <p:cNvSpPr>
+            <a:spLocks noGrp="1"/>
+          </p:cNvSpPr>
+          <p:nvPr>
+            <p:ph type="title"/>
+          </p:nvPr>
+        </p:nvSpPr>
         <p:spPr>
           <a:xfrm>
             <a:off x="0" y="0"/>
@@ -3202,7 +3773,7 @@
 </p:sld>
 </file>
 
-<file path=ppt/slides/slide11.xml><?xml version="1.0" encoding="utf-8"?>
+<file path=ppt/slides/slide13.xml><?xml version="1.0" encoding="utf-8"?>
 <p:sld xmlns:a="http://schemas.openxmlformats.org/drawingml/2006/main" xmlns:r="http://schemas.openxmlformats.org/officeDocument/2006/relationships" xmlns:p="http://schemas.openxmlformats.org/presentationml/2006/main">
   <p:cSld>
     <p:spTree>
@@ -4089,18 +4660,65 @@
           <a:lstStyle/>
           <a:p>
             <a:r>
-              <a:rPr lang="de-AT" smtClean="0"/>
+              <a:rPr lang="de-AT" dirty="0" smtClean="0"/>
               <a:t>Sensor</a:t>
             </a:r>
           </a:p>
           <a:p>
             <a:r>
-              <a:rPr lang="de-AT" smtClean="0"/>
-              <a:t>Entwickelt von gleichnamiger Firma</a:t>
-            </a:r>
-          </a:p>
-          <a:p>
-            <a:endParaRPr lang="de-AT" dirty="0"/>
+              <a:rPr lang="de-AT" dirty="0" smtClean="0"/>
+              <a:t>Entwickelt von gleichnamiger </a:t>
+            </a:r>
+            <a:r>
+              <a:rPr lang="de-AT" dirty="0" smtClean="0"/>
+              <a:t>Firma </a:t>
+            </a:r>
+            <a:r>
+              <a:rPr lang="de-AT" dirty="0" err="1" smtClean="0"/>
+              <a:t>LeapMotion</a:t>
+            </a:r>
+            <a:endParaRPr lang="de-AT" dirty="0" smtClean="0"/>
+          </a:p>
+          <a:p>
+            <a:r>
+              <a:rPr lang="de-AT" dirty="0" smtClean="0"/>
+              <a:t>Erkennt</a:t>
+            </a:r>
+          </a:p>
+          <a:p>
+            <a:pPr lvl="1"/>
+            <a:r>
+              <a:rPr lang="de-AT" dirty="0" smtClean="0"/>
+              <a:t>Neigung,</a:t>
+            </a:r>
+          </a:p>
+          <a:p>
+            <a:pPr lvl="1"/>
+            <a:r>
+              <a:rPr lang="de-AT" dirty="0" smtClean="0"/>
+              <a:t>Position,</a:t>
+            </a:r>
+          </a:p>
+          <a:p>
+            <a:pPr lvl="1"/>
+            <a:r>
+              <a:rPr lang="de-AT" dirty="0" smtClean="0"/>
+              <a:t>Konturen,</a:t>
+            </a:r>
+          </a:p>
+          <a:p>
+            <a:pPr lvl="1"/>
+            <a:r>
+              <a:rPr lang="de-AT" dirty="0" smtClean="0"/>
+              <a:t>Bewegungen der menschlichen Hand</a:t>
+            </a:r>
+          </a:p>
+          <a:p>
+            <a:r>
+              <a:rPr lang="de-AT" dirty="0" smtClean="0"/>
+              <a:t>Anschaulicher Vergleich: Kinect-Steuerung (Xbox) </a:t>
+            </a:r>
+            <a:endParaRPr lang="de-AT" dirty="0" smtClean="0"/>
           </a:p>
         </p:txBody>
       </p:sp>

--- a/Allgemeines/praesentation.pptx
+++ b/Allgemeines/praesentation.pptx
@@ -18,6 +18,7 @@
     <p:sldId id="268" r:id="rId12"/>
     <p:sldId id="263" r:id="rId13"/>
     <p:sldId id="264" r:id="rId14"/>
+    <p:sldId id="269" r:id="rId15"/>
   </p:sldIdLst>
   <p:sldSz cx="12192000" cy="6858000"/>
   <p:notesSz cx="6858000" cy="9144000"/>
@@ -118,7 +119,7 @@
   </p:defaultTextStyle>
   <p:extLst>
     <p:ext uri="{EFAFB233-063F-42B5-8137-9DF3F51BA10A}">
-      <p15:sldGuideLst xmlns:p15="http://schemas.microsoft.com/office/powerpoint/2012/main"/>
+      <p15:sldGuideLst xmlns:p15="http://schemas.microsoft.com/office/powerpoint/2012/main" xmlns=""/>
     </p:ext>
   </p:extLst>
 </p:presentation>
@@ -3845,6 +3846,103 @@
 </p:sld>
 </file>
 
+<file path=ppt/slides/slide14.xml><?xml version="1.0" encoding="utf-8"?>
+<p:sld xmlns:a="http://schemas.openxmlformats.org/drawingml/2006/main" xmlns:r="http://schemas.openxmlformats.org/officeDocument/2006/relationships" xmlns:p="http://schemas.openxmlformats.org/presentationml/2006/main">
+  <p:cSld>
+    <p:spTree>
+      <p:nvGrpSpPr>
+        <p:cNvPr id="1" name=""/>
+        <p:cNvGrpSpPr/>
+        <p:nvPr/>
+      </p:nvGrpSpPr>
+      <p:grpSpPr>
+        <a:xfrm>
+          <a:off x="0" y="0"/>
+          <a:ext cx="0" cy="0"/>
+          <a:chOff x="0" y="0"/>
+          <a:chExt cx="0" cy="0"/>
+        </a:xfrm>
+      </p:grpSpPr>
+      <p:sp>
+        <p:nvSpPr>
+          <p:cNvPr id="2" name="Titel 1"/>
+          <p:cNvSpPr>
+            <a:spLocks noGrp="1"/>
+          </p:cNvSpPr>
+          <p:nvPr>
+            <p:ph type="title"/>
+          </p:nvPr>
+        </p:nvSpPr>
+        <p:spPr/>
+        <p:txBody>
+          <a:bodyPr/>
+          <a:lstStyle/>
+          <a:p>
+            <a:r>
+              <a:rPr lang="de-AT" dirty="0" smtClean="0"/>
+              <a:t>Erste Testläufe</a:t>
+            </a:r>
+            <a:endParaRPr lang="de-AT" dirty="0"/>
+          </a:p>
+        </p:txBody>
+      </p:sp>
+      <p:sp>
+        <p:nvSpPr>
+          <p:cNvPr id="3" name="Inhaltsplatzhalter 2"/>
+          <p:cNvSpPr>
+            <a:spLocks noGrp="1"/>
+          </p:cNvSpPr>
+          <p:nvPr>
+            <p:ph idx="1"/>
+          </p:nvPr>
+        </p:nvSpPr>
+        <p:spPr/>
+        <p:txBody>
+          <a:bodyPr/>
+          <a:lstStyle/>
+          <a:p>
+            <a:r>
+              <a:rPr lang="de-AT" dirty="0" smtClean="0"/>
+              <a:t>Erstellung eines ersten Testprogrammes für den </a:t>
+            </a:r>
+            <a:r>
+              <a:rPr lang="de-AT" dirty="0" err="1" smtClean="0"/>
+              <a:t>Arduino</a:t>
+            </a:r>
+            <a:endParaRPr lang="de-AT" dirty="0" smtClean="0"/>
+          </a:p>
+          <a:p>
+            <a:r>
+              <a:rPr lang="de-AT" dirty="0" smtClean="0"/>
+              <a:t>Noch ohne Roboter</a:t>
+            </a:r>
+          </a:p>
+          <a:p>
+            <a:r>
+              <a:rPr lang="de-AT" dirty="0" smtClean="0"/>
+              <a:t>Test über </a:t>
+            </a:r>
+            <a:r>
+              <a:rPr lang="de-AT" smtClean="0"/>
+              <a:t>Serial Monitor</a:t>
+            </a:r>
+            <a:endParaRPr lang="de-AT"/>
+          </a:p>
+        </p:txBody>
+      </p:sp>
+    </p:spTree>
+    <p:extLst>
+      <p:ext uri="{BB962C8B-B14F-4D97-AF65-F5344CB8AC3E}">
+        <p14:creationId xmlns:p14="http://schemas.microsoft.com/office/powerpoint/2010/main" val="2049834791"/>
+      </p:ext>
+    </p:extLst>
+  </p:cSld>
+  <p:clrMapOvr>
+    <a:masterClrMapping/>
+  </p:clrMapOvr>
+</p:sld>
+</file>
+
 <file path=ppt/slides/slide2.xml><?xml version="1.0" encoding="utf-8"?>
 <p:sld xmlns:a="http://schemas.openxmlformats.org/drawingml/2006/main" xmlns:r="http://schemas.openxmlformats.org/officeDocument/2006/relationships" xmlns:p="http://schemas.openxmlformats.org/presentationml/2006/main">
   <p:cSld>
@@ -4667,11 +4765,7 @@
           <a:p>
             <a:r>
               <a:rPr lang="de-AT" dirty="0" smtClean="0"/>
-              <a:t>Entwickelt von gleichnamiger </a:t>
-            </a:r>
-            <a:r>
-              <a:rPr lang="de-AT" dirty="0" smtClean="0"/>
-              <a:t>Firma </a:t>
+              <a:t>Entwickelt von gleichnamiger Firma </a:t>
             </a:r>
             <a:r>
               <a:rPr lang="de-AT" dirty="0" err="1" smtClean="0"/>
@@ -4718,7 +4812,6 @@
               <a:rPr lang="de-AT" dirty="0" smtClean="0"/>
               <a:t>Anschaulicher Vergleich: Kinect-Steuerung (Xbox) </a:t>
             </a:r>
-            <a:endParaRPr lang="de-AT" dirty="0" smtClean="0"/>
           </a:p>
         </p:txBody>
       </p:sp>
@@ -4997,7 +5090,7 @@
   <a:extraClrSchemeLst/>
   <a:extLst>
     <a:ext uri="{05A4C25C-085E-4340-85A3-A5531E510DB2}">
-      <thm15:themeFamily xmlns:thm15="http://schemas.microsoft.com/office/thememl/2012/main" name="Office Theme" id="{62F939B6-93AF-4DB8-9C6B-D6C7DFDC589F}" vid="{4A3C46E8-61CC-4603-A589-7422A47A8E4A}"/>
+      <thm15:themeFamily xmlns:thm15="http://schemas.microsoft.com/office/thememl/2012/main" xmlns="" name="Office Theme" id="{62F939B6-93AF-4DB8-9C6B-D6C7DFDC589F}" vid="{4A3C46E8-61CC-4603-A589-7422A47A8E4A}"/>
     </a:ext>
   </a:extLst>
 </a:theme>

--- a/Allgemeines/praesentation.pptx
+++ b/Allgemeines/praesentation.pptx
@@ -119,7 +119,7 @@
   </p:defaultTextStyle>
   <p:extLst>
     <p:ext uri="{EFAFB233-063F-42B5-8137-9DF3F51BA10A}">
-      <p15:sldGuideLst xmlns:p15="http://schemas.microsoft.com/office/powerpoint/2012/main" xmlns=""/>
+      <p15:sldGuideLst xmlns="" xmlns:p15="http://schemas.microsoft.com/office/powerpoint/2012/main"/>
     </p:ext>
   </p:extLst>
 </p:presentation>
@@ -256,7 +256,7 @@
           <a:p>
             <a:fld id="{77707964-7BC6-4715-8FEF-751851A67DFC}" type="datetimeFigureOut">
               <a:rPr lang="de-AT" smtClean="0"/>
-              <a:t>04.03.2015</a:t>
+              <a:t>18.03.2015</a:t>
             </a:fld>
             <a:endParaRPr lang="de-AT"/>
           </a:p>
@@ -426,7 +426,7 @@
           <a:p>
             <a:fld id="{77707964-7BC6-4715-8FEF-751851A67DFC}" type="datetimeFigureOut">
               <a:rPr lang="de-AT" smtClean="0"/>
-              <a:t>04.03.2015</a:t>
+              <a:t>18.03.2015</a:t>
             </a:fld>
             <a:endParaRPr lang="de-AT"/>
           </a:p>
@@ -606,7 +606,7 @@
           <a:p>
             <a:fld id="{77707964-7BC6-4715-8FEF-751851A67DFC}" type="datetimeFigureOut">
               <a:rPr lang="de-AT" smtClean="0"/>
-              <a:t>04.03.2015</a:t>
+              <a:t>18.03.2015</a:t>
             </a:fld>
             <a:endParaRPr lang="de-AT"/>
           </a:p>
@@ -776,7 +776,7 @@
           <a:p>
             <a:fld id="{77707964-7BC6-4715-8FEF-751851A67DFC}" type="datetimeFigureOut">
               <a:rPr lang="de-AT" smtClean="0"/>
-              <a:t>04.03.2015</a:t>
+              <a:t>18.03.2015</a:t>
             </a:fld>
             <a:endParaRPr lang="de-AT"/>
           </a:p>
@@ -1022,7 +1022,7 @@
           <a:p>
             <a:fld id="{77707964-7BC6-4715-8FEF-751851A67DFC}" type="datetimeFigureOut">
               <a:rPr lang="de-AT" smtClean="0"/>
-              <a:t>04.03.2015</a:t>
+              <a:t>18.03.2015</a:t>
             </a:fld>
             <a:endParaRPr lang="de-AT"/>
           </a:p>
@@ -1254,7 +1254,7 @@
           <a:p>
             <a:fld id="{77707964-7BC6-4715-8FEF-751851A67DFC}" type="datetimeFigureOut">
               <a:rPr lang="de-AT" smtClean="0"/>
-              <a:t>04.03.2015</a:t>
+              <a:t>18.03.2015</a:t>
             </a:fld>
             <a:endParaRPr lang="de-AT"/>
           </a:p>
@@ -1621,7 +1621,7 @@
           <a:p>
             <a:fld id="{77707964-7BC6-4715-8FEF-751851A67DFC}" type="datetimeFigureOut">
               <a:rPr lang="de-AT" smtClean="0"/>
-              <a:t>04.03.2015</a:t>
+              <a:t>18.03.2015</a:t>
             </a:fld>
             <a:endParaRPr lang="de-AT"/>
           </a:p>
@@ -1739,7 +1739,7 @@
           <a:p>
             <a:fld id="{77707964-7BC6-4715-8FEF-751851A67DFC}" type="datetimeFigureOut">
               <a:rPr lang="de-AT" smtClean="0"/>
-              <a:t>04.03.2015</a:t>
+              <a:t>18.03.2015</a:t>
             </a:fld>
             <a:endParaRPr lang="de-AT"/>
           </a:p>
@@ -1834,7 +1834,7 @@
           <a:p>
             <a:fld id="{77707964-7BC6-4715-8FEF-751851A67DFC}" type="datetimeFigureOut">
               <a:rPr lang="de-AT" smtClean="0"/>
-              <a:t>04.03.2015</a:t>
+              <a:t>18.03.2015</a:t>
             </a:fld>
             <a:endParaRPr lang="de-AT"/>
           </a:p>
@@ -2111,7 +2111,7 @@
           <a:p>
             <a:fld id="{77707964-7BC6-4715-8FEF-751851A67DFC}" type="datetimeFigureOut">
               <a:rPr lang="de-AT" smtClean="0"/>
-              <a:t>04.03.2015</a:t>
+              <a:t>18.03.2015</a:t>
             </a:fld>
             <a:endParaRPr lang="de-AT"/>
           </a:p>
@@ -2364,7 +2364,7 @@
           <a:p>
             <a:fld id="{77707964-7BC6-4715-8FEF-751851A67DFC}" type="datetimeFigureOut">
               <a:rPr lang="de-AT" smtClean="0"/>
-              <a:t>04.03.2015</a:t>
+              <a:t>18.03.2015</a:t>
             </a:fld>
             <a:endParaRPr lang="de-AT"/>
           </a:p>
@@ -2607,7 +2607,7 @@
           <a:p>
             <a:fld id="{77707964-7BC6-4715-8FEF-751851A67DFC}" type="datetimeFigureOut">
               <a:rPr lang="de-AT" smtClean="0"/>
-              <a:t>04.03.2015</a:t>
+              <a:t>18.03.2015</a:t>
             </a:fld>
             <a:endParaRPr lang="de-AT"/>
           </a:p>
@@ -4139,22 +4139,32 @@
             <a:pPr lvl="1"/>
             <a:r>
               <a:rPr lang="de-AT" dirty="0" smtClean="0"/>
-              <a:t>Geschwindigkeit über Stellung der Hand steuern</a:t>
-            </a:r>
+              <a:t>Geschwindigkeit </a:t>
+            </a:r>
+            <a:r>
+              <a:rPr lang="de-AT" dirty="0" smtClean="0"/>
+              <a:t>proportional zur Hand</a:t>
+            </a:r>
+            <a:endParaRPr lang="de-AT" dirty="0" smtClean="0"/>
           </a:p>
           <a:p>
             <a:pPr lvl="1"/>
             <a:r>
               <a:rPr lang="de-AT" dirty="0" smtClean="0"/>
-              <a:t>Auffahren verhindern durch Infrarotsensor</a:t>
+              <a:t>Auffahren </a:t>
+            </a:r>
+            <a:r>
+              <a:rPr lang="de-AT" dirty="0" smtClean="0"/>
+              <a:t>verhindern</a:t>
             </a:r>
           </a:p>
           <a:p>
             <a:pPr lvl="1"/>
             <a:r>
               <a:rPr lang="de-AT" dirty="0" smtClean="0"/>
-              <a:t>Bei geringer Distanz zu Hindernis Leuchten bzw. Blinken eines Warn-Leds </a:t>
-            </a:r>
+              <a:t>Bei Hindernis LED blinken lassen</a:t>
+            </a:r>
+            <a:endParaRPr lang="de-AT" dirty="0" smtClean="0"/>
           </a:p>
         </p:txBody>
       </p:sp>
@@ -4237,23 +4247,35 @@
         <p:spPr>
           <a:xfrm>
             <a:off x="838200" y="1825625"/>
-            <a:ext cx="10515600" cy="1557655"/>
+            <a:ext cx="10515600" cy="3286702"/>
           </a:xfrm>
         </p:spPr>
         <p:txBody>
           <a:bodyPr/>
           <a:lstStyle/>
           <a:p>
+            <a:pPr marL="0" indent="0">
+              <a:buNone/>
+            </a:pPr>
+            <a:endParaRPr lang="de-AT" dirty="0"/>
+          </a:p>
+          <a:p>
             <a:r>
               <a:rPr lang="de-AT" dirty="0" smtClean="0"/>
               <a:t>Jugendliche</a:t>
             </a:r>
           </a:p>
           <a:p>
+            <a:endParaRPr lang="de-AT" dirty="0" smtClean="0"/>
+          </a:p>
+          <a:p>
             <a:r>
               <a:rPr lang="de-AT" dirty="0" smtClean="0"/>
               <a:t>Erwachsene</a:t>
             </a:r>
+          </a:p>
+          <a:p>
+            <a:endParaRPr lang="de-AT" dirty="0" smtClean="0"/>
           </a:p>
           <a:p>
             <a:r>
@@ -4342,37 +4364,57 @@
         </p:nvSpPr>
         <p:spPr/>
         <p:txBody>
-          <a:bodyPr/>
-          <a:lstStyle/>
-          <a:p>
-            <a:r>
-              <a:rPr lang="de-AT" dirty="0" smtClean="0"/>
-              <a:t>Kein bauliches Hindernis zwischen Roboter und Steuerung</a:t>
-            </a:r>
-          </a:p>
-          <a:p>
-            <a:r>
-              <a:rPr lang="de-AT" dirty="0" smtClean="0"/>
-              <a:t>Abstand Steuerungs-PC – Roboter max. 50 Meter</a:t>
-            </a:r>
-          </a:p>
-          <a:p>
-            <a:r>
-              <a:rPr lang="de-AT" dirty="0" smtClean="0"/>
-              <a:t>Stromversorgung Roboter mit Batterien </a:t>
-            </a:r>
-            <a:r>
-              <a:rPr lang="de-AT" dirty="0" smtClean="0">
-                <a:sym typeface="Wingdings" panose="05000000000000000000" pitchFamily="2" charset="2"/>
-              </a:rPr>
-              <a:t> Betrieb zeitlich begrenzt</a:t>
-            </a:r>
-          </a:p>
-          <a:p>
-            <a:r>
-              <a:rPr lang="de-AT" dirty="0" smtClean="0"/>
-              <a:t>Steuerhand nicht 90° zur Seite neigen</a:t>
-            </a:r>
+          <a:bodyPr>
+            <a:normAutofit lnSpcReduction="10000"/>
+          </a:bodyPr>
+          <a:lstStyle/>
+          <a:p>
+            <a:r>
+              <a:rPr lang="de-AT" dirty="0" smtClean="0"/>
+              <a:t>Sichtkontakt mit dem Roboter</a:t>
+            </a:r>
+          </a:p>
+          <a:p>
+            <a:endParaRPr lang="de-AT" dirty="0" smtClean="0"/>
+          </a:p>
+          <a:p>
+            <a:r>
+              <a:rPr lang="de-AT" dirty="0" smtClean="0"/>
+              <a:t>Entfernung Steuerung – Roboter max. 10m</a:t>
+            </a:r>
+          </a:p>
+          <a:p>
+            <a:endParaRPr lang="de-AT" dirty="0" smtClean="0"/>
+          </a:p>
+          <a:p>
+            <a:r>
+              <a:rPr lang="de-AT" dirty="0" smtClean="0"/>
+              <a:t>Stromversorgung Roboter mit </a:t>
+            </a:r>
+            <a:r>
+              <a:rPr lang="de-AT" dirty="0" smtClean="0"/>
+              <a:t>Batterien</a:t>
+            </a:r>
+          </a:p>
+          <a:p>
+            <a:endParaRPr lang="de-AT" dirty="0" smtClean="0"/>
+          </a:p>
+          <a:p>
+            <a:r>
+              <a:rPr lang="de-AT" dirty="0" smtClean="0"/>
+              <a:t>Steuerhand </a:t>
+            </a:r>
+            <a:r>
+              <a:rPr lang="de-AT" dirty="0" smtClean="0"/>
+              <a:t>nicht 90° zur Seite </a:t>
+            </a:r>
+            <a:r>
+              <a:rPr lang="de-AT" dirty="0" smtClean="0"/>
+              <a:t>neigen</a:t>
+            </a:r>
+          </a:p>
+          <a:p>
+            <a:endParaRPr lang="de-AT" dirty="0" smtClean="0"/>
           </a:p>
           <a:p>
             <a:r>
@@ -4948,7 +4990,7 @@
         <a:font script="Geor" typeface="Sylfaen"/>
       </a:minorFont>
     </a:fontScheme>
-    <a:fmtScheme name="Office">
+    <a:fmtScheme name="Larissa">
       <a:fillStyleLst>
         <a:solidFill>
           <a:schemeClr val="phClr"/>
@@ -4957,93 +4999,110 @@
           <a:gsLst>
             <a:gs pos="0">
               <a:schemeClr val="phClr">
-                <a:lumMod val="110000"/>
-                <a:satMod val="105000"/>
-                <a:tint val="67000"/>
+                <a:tint val="50000"/>
+                <a:satMod val="300000"/>
               </a:schemeClr>
             </a:gs>
-            <a:gs pos="50000">
+            <a:gs pos="35000">
               <a:schemeClr val="phClr">
-                <a:lumMod val="105000"/>
-                <a:satMod val="103000"/>
-                <a:tint val="73000"/>
+                <a:tint val="37000"/>
+                <a:satMod val="300000"/>
               </a:schemeClr>
             </a:gs>
             <a:gs pos="100000">
               <a:schemeClr val="phClr">
-                <a:lumMod val="105000"/>
-                <a:satMod val="109000"/>
-                <a:tint val="81000"/>
+                <a:tint val="15000"/>
+                <a:satMod val="350000"/>
               </a:schemeClr>
             </a:gs>
           </a:gsLst>
-          <a:lin ang="5400000" scaled="0"/>
+          <a:lin ang="16200000" scaled="1"/>
         </a:gradFill>
         <a:gradFill rotWithShape="1">
           <a:gsLst>
             <a:gs pos="0">
               <a:schemeClr val="phClr">
-                <a:satMod val="103000"/>
-                <a:lumMod val="102000"/>
-                <a:tint val="94000"/>
+                <a:shade val="51000"/>
+                <a:satMod val="130000"/>
               </a:schemeClr>
             </a:gs>
-            <a:gs pos="50000">
+            <a:gs pos="80000">
               <a:schemeClr val="phClr">
-                <a:satMod val="110000"/>
-                <a:lumMod val="100000"/>
-                <a:shade val="100000"/>
+                <a:shade val="93000"/>
+                <a:satMod val="130000"/>
               </a:schemeClr>
             </a:gs>
             <a:gs pos="100000">
               <a:schemeClr val="phClr">
-                <a:lumMod val="99000"/>
-                <a:satMod val="120000"/>
-                <a:shade val="78000"/>
+                <a:shade val="94000"/>
+                <a:satMod val="135000"/>
               </a:schemeClr>
             </a:gs>
           </a:gsLst>
-          <a:lin ang="5400000" scaled="0"/>
+          <a:lin ang="16200000" scaled="0"/>
         </a:gradFill>
       </a:fillStyleLst>
       <a:lnStyleLst>
-        <a:ln w="6350" cap="flat" cmpd="sng" algn="ctr">
+        <a:ln w="9525" cap="flat" cmpd="sng" algn="ctr">
+          <a:solidFill>
+            <a:schemeClr val="phClr">
+              <a:shade val="95000"/>
+              <a:satMod val="105000"/>
+            </a:schemeClr>
+          </a:solidFill>
+          <a:prstDash val="solid"/>
+        </a:ln>
+        <a:ln w="25400" cap="flat" cmpd="sng" algn="ctr">
           <a:solidFill>
             <a:schemeClr val="phClr"/>
           </a:solidFill>
           <a:prstDash val="solid"/>
-          <a:miter lim="800000"/>
         </a:ln>
-        <a:ln w="12700" cap="flat" cmpd="sng" algn="ctr">
+        <a:ln w="38100" cap="flat" cmpd="sng" algn="ctr">
           <a:solidFill>
             <a:schemeClr val="phClr"/>
           </a:solidFill>
           <a:prstDash val="solid"/>
-          <a:miter lim="800000"/>
-        </a:ln>
-        <a:ln w="19050" cap="flat" cmpd="sng" algn="ctr">
-          <a:solidFill>
-            <a:schemeClr val="phClr"/>
-          </a:solidFill>
-          <a:prstDash val="solid"/>
-          <a:miter lim="800000"/>
         </a:ln>
       </a:lnStyleLst>
       <a:effectStyleLst>
         <a:effectStyle>
-          <a:effectLst/>
-        </a:effectStyle>
-        <a:effectStyle>
-          <a:effectLst/>
+          <a:effectLst>
+            <a:outerShdw blurRad="40000" dist="20000" dir="5400000" rotWithShape="0">
+              <a:srgbClr val="000000">
+                <a:alpha val="38000"/>
+              </a:srgbClr>
+            </a:outerShdw>
+          </a:effectLst>
         </a:effectStyle>
         <a:effectStyle>
           <a:effectLst>
-            <a:outerShdw blurRad="57150" dist="19050" dir="5400000" algn="ctr" rotWithShape="0">
+            <a:outerShdw blurRad="40000" dist="23000" dir="5400000" rotWithShape="0">
               <a:srgbClr val="000000">
-                <a:alpha val="63000"/>
+                <a:alpha val="35000"/>
               </a:srgbClr>
             </a:outerShdw>
           </a:effectLst>
+        </a:effectStyle>
+        <a:effectStyle>
+          <a:effectLst>
+            <a:outerShdw blurRad="40000" dist="23000" dir="5400000" rotWithShape="0">
+              <a:srgbClr val="000000">
+                <a:alpha val="35000"/>
+              </a:srgbClr>
+            </a:outerShdw>
+          </a:effectLst>
+          <a:scene3d>
+            <a:camera prst="orthographicFront">
+              <a:rot lat="0" lon="0" rev="0"/>
+            </a:camera>
+            <a:lightRig rig="threePt" dir="t">
+              <a:rot lat="0" lon="0" rev="1200000"/>
+            </a:lightRig>
+          </a:scene3d>
+          <a:sp3d>
+            <a:bevelT w="63500" h="25400"/>
+          </a:sp3d>
         </a:effectStyle>
       </a:effectStyleLst>
       <a:bgFillStyleLst>
@@ -5090,7 +5149,7 @@
   <a:extraClrSchemeLst/>
   <a:extLst>
     <a:ext uri="{05A4C25C-085E-4340-85A3-A5531E510DB2}">
-      <thm15:themeFamily xmlns:thm15="http://schemas.microsoft.com/office/thememl/2012/main" xmlns="" name="Office Theme" id="{62F939B6-93AF-4DB8-9C6B-D6C7DFDC589F}" vid="{4A3C46E8-61CC-4603-A589-7422A47A8E4A}"/>
+      <thm15:themeFamily xmlns="" xmlns:thm15="http://schemas.microsoft.com/office/thememl/2012/main" name="Office Theme" id="{62F939B6-93AF-4DB8-9C6B-D6C7DFDC589F}" vid="{4A3C46E8-61CC-4603-A589-7422A47A8E4A}"/>
     </a:ext>
   </a:extLst>
 </a:theme>

--- a/Allgemeines/praesentation.pptx
+++ b/Allgemeines/praesentation.pptx
@@ -2,8 +2,11 @@
 <file path=ppt/presentation.xml><?xml version="1.0" encoding="utf-8"?>
 <p:presentation xmlns:a="http://schemas.openxmlformats.org/drawingml/2006/main" xmlns:r="http://schemas.openxmlformats.org/officeDocument/2006/relationships" xmlns:p="http://schemas.openxmlformats.org/presentationml/2006/main" saveSubsetFonts="1">
   <p:sldMasterIdLst>
-    <p:sldMasterId id="2147483648" r:id="rId1"/>
+    <p:sldMasterId id="2147483768" r:id="rId1"/>
   </p:sldMasterIdLst>
+  <p:notesMasterIdLst>
+    <p:notesMasterId r:id="rId25"/>
+  </p:notesMasterIdLst>
   <p:sldIdLst>
     <p:sldId id="256" r:id="rId2"/>
     <p:sldId id="261" r:id="rId3"/>
@@ -16,9 +19,18 @@
     <p:sldId id="266" r:id="rId10"/>
     <p:sldId id="267" r:id="rId11"/>
     <p:sldId id="268" r:id="rId12"/>
-    <p:sldId id="263" r:id="rId13"/>
-    <p:sldId id="264" r:id="rId14"/>
-    <p:sldId id="269" r:id="rId15"/>
+    <p:sldId id="270" r:id="rId13"/>
+    <p:sldId id="271" r:id="rId14"/>
+    <p:sldId id="263" r:id="rId15"/>
+    <p:sldId id="272" r:id="rId16"/>
+    <p:sldId id="273" r:id="rId17"/>
+    <p:sldId id="264" r:id="rId18"/>
+    <p:sldId id="269" r:id="rId19"/>
+    <p:sldId id="276" r:id="rId20"/>
+    <p:sldId id="277" r:id="rId21"/>
+    <p:sldId id="278" r:id="rId22"/>
+    <p:sldId id="274" r:id="rId23"/>
+    <p:sldId id="275" r:id="rId24"/>
   </p:sldIdLst>
   <p:sldSz cx="12192000" cy="6858000"/>
   <p:notesSz cx="6858000" cy="9144000"/>
@@ -125,6 +137,440 @@
 </p:presentation>
 </file>
 
+<file path=ppt/notesMasters/notesMaster1.xml><?xml version="1.0" encoding="utf-8"?>
+<p:notesMaster xmlns:a="http://schemas.openxmlformats.org/drawingml/2006/main" xmlns:r="http://schemas.openxmlformats.org/officeDocument/2006/relationships" xmlns:p="http://schemas.openxmlformats.org/presentationml/2006/main">
+  <p:cSld>
+    <p:bg>
+      <p:bgRef idx="1001">
+        <a:schemeClr val="bg1"/>
+      </p:bgRef>
+    </p:bg>
+    <p:spTree>
+      <p:nvGrpSpPr>
+        <p:cNvPr id="1" name=""/>
+        <p:cNvGrpSpPr/>
+        <p:nvPr/>
+      </p:nvGrpSpPr>
+      <p:grpSpPr>
+        <a:xfrm>
+          <a:off x="0" y="0"/>
+          <a:ext cx="0" cy="0"/>
+          <a:chOff x="0" y="0"/>
+          <a:chExt cx="0" cy="0"/>
+        </a:xfrm>
+      </p:grpSpPr>
+      <p:sp>
+        <p:nvSpPr>
+          <p:cNvPr id="2" name="Kopfzeilenplatzhalter 1"/>
+          <p:cNvSpPr>
+            <a:spLocks noGrp="1"/>
+          </p:cNvSpPr>
+          <p:nvPr>
+            <p:ph type="hdr" sz="quarter"/>
+          </p:nvPr>
+        </p:nvSpPr>
+        <p:spPr>
+          <a:xfrm>
+            <a:off x="0" y="0"/>
+            <a:ext cx="2971800" cy="457200"/>
+          </a:xfrm>
+          <a:prstGeom prst="rect">
+            <a:avLst/>
+          </a:prstGeom>
+        </p:spPr>
+        <p:txBody>
+          <a:bodyPr vert="horz" lIns="91440" tIns="45720" rIns="91440" bIns="45720" rtlCol="0"/>
+          <a:lstStyle>
+            <a:lvl1pPr algn="l">
+              <a:defRPr sz="1200"/>
+            </a:lvl1pPr>
+          </a:lstStyle>
+          <a:p>
+            <a:endParaRPr lang="de-AT"/>
+          </a:p>
+        </p:txBody>
+      </p:sp>
+      <p:sp>
+        <p:nvSpPr>
+          <p:cNvPr id="3" name="Datumsplatzhalter 2"/>
+          <p:cNvSpPr>
+            <a:spLocks noGrp="1"/>
+          </p:cNvSpPr>
+          <p:nvPr>
+            <p:ph type="dt" idx="1"/>
+          </p:nvPr>
+        </p:nvSpPr>
+        <p:spPr>
+          <a:xfrm>
+            <a:off x="3884613" y="0"/>
+            <a:ext cx="2971800" cy="457200"/>
+          </a:xfrm>
+          <a:prstGeom prst="rect">
+            <a:avLst/>
+          </a:prstGeom>
+        </p:spPr>
+        <p:txBody>
+          <a:bodyPr vert="horz" lIns="91440" tIns="45720" rIns="91440" bIns="45720" rtlCol="0"/>
+          <a:lstStyle>
+            <a:lvl1pPr algn="r">
+              <a:defRPr sz="1200"/>
+            </a:lvl1pPr>
+          </a:lstStyle>
+          <a:p>
+            <a:fld id="{D5FA0779-FDAE-476A-8E08-9AF5FA875098}" type="datetimeFigureOut">
+              <a:rPr lang="de-AT" smtClean="0"/>
+              <a:t>08.04.2015</a:t>
+            </a:fld>
+            <a:endParaRPr lang="de-AT"/>
+          </a:p>
+        </p:txBody>
+      </p:sp>
+      <p:sp>
+        <p:nvSpPr>
+          <p:cNvPr id="4" name="Folienbildplatzhalter 3"/>
+          <p:cNvSpPr>
+            <a:spLocks noGrp="1" noRot="1" noChangeAspect="1"/>
+          </p:cNvSpPr>
+          <p:nvPr>
+            <p:ph type="sldImg" idx="2"/>
+          </p:nvPr>
+        </p:nvSpPr>
+        <p:spPr>
+          <a:xfrm>
+            <a:off x="381000" y="685800"/>
+            <a:ext cx="6096000" cy="3429000"/>
+          </a:xfrm>
+          <a:prstGeom prst="rect">
+            <a:avLst/>
+          </a:prstGeom>
+          <a:noFill/>
+          <a:ln w="12700">
+            <a:solidFill>
+              <a:prstClr val="black"/>
+            </a:solidFill>
+          </a:ln>
+        </p:spPr>
+        <p:txBody>
+          <a:bodyPr vert="horz" lIns="91440" tIns="45720" rIns="91440" bIns="45720" rtlCol="0" anchor="ctr"/>
+          <a:lstStyle/>
+          <a:p>
+            <a:endParaRPr lang="de-AT"/>
+          </a:p>
+        </p:txBody>
+      </p:sp>
+      <p:sp>
+        <p:nvSpPr>
+          <p:cNvPr id="5" name="Notizenplatzhalter 4"/>
+          <p:cNvSpPr>
+            <a:spLocks noGrp="1"/>
+          </p:cNvSpPr>
+          <p:nvPr>
+            <p:ph type="body" sz="quarter" idx="3"/>
+          </p:nvPr>
+        </p:nvSpPr>
+        <p:spPr>
+          <a:xfrm>
+            <a:off x="685800" y="4343400"/>
+            <a:ext cx="5486400" cy="4114800"/>
+          </a:xfrm>
+          <a:prstGeom prst="rect">
+            <a:avLst/>
+          </a:prstGeom>
+        </p:spPr>
+        <p:txBody>
+          <a:bodyPr vert="horz" lIns="91440" tIns="45720" rIns="91440" bIns="45720" rtlCol="0"/>
+          <a:lstStyle/>
+          <a:p>
+            <a:pPr lvl="0"/>
+            <a:r>
+              <a:rPr lang="de-DE" smtClean="0"/>
+              <a:t>Textmasterformat bearbeiten</a:t>
+            </a:r>
+          </a:p>
+          <a:p>
+            <a:pPr lvl="1"/>
+            <a:r>
+              <a:rPr lang="de-DE" smtClean="0"/>
+              <a:t>Zweite Ebene</a:t>
+            </a:r>
+          </a:p>
+          <a:p>
+            <a:pPr lvl="2"/>
+            <a:r>
+              <a:rPr lang="de-DE" smtClean="0"/>
+              <a:t>Dritte Ebene</a:t>
+            </a:r>
+          </a:p>
+          <a:p>
+            <a:pPr lvl="3"/>
+            <a:r>
+              <a:rPr lang="de-DE" smtClean="0"/>
+              <a:t>Vierte Ebene</a:t>
+            </a:r>
+          </a:p>
+          <a:p>
+            <a:pPr lvl="4"/>
+            <a:r>
+              <a:rPr lang="de-DE" smtClean="0"/>
+              <a:t>Fünfte Ebene</a:t>
+            </a:r>
+            <a:endParaRPr lang="de-AT"/>
+          </a:p>
+        </p:txBody>
+      </p:sp>
+      <p:sp>
+        <p:nvSpPr>
+          <p:cNvPr id="6" name="Fußzeilenplatzhalter 5"/>
+          <p:cNvSpPr>
+            <a:spLocks noGrp="1"/>
+          </p:cNvSpPr>
+          <p:nvPr>
+            <p:ph type="ftr" sz="quarter" idx="4"/>
+          </p:nvPr>
+        </p:nvSpPr>
+        <p:spPr>
+          <a:xfrm>
+            <a:off x="0" y="8685213"/>
+            <a:ext cx="2971800" cy="457200"/>
+          </a:xfrm>
+          <a:prstGeom prst="rect">
+            <a:avLst/>
+          </a:prstGeom>
+        </p:spPr>
+        <p:txBody>
+          <a:bodyPr vert="horz" lIns="91440" tIns="45720" rIns="91440" bIns="45720" rtlCol="0" anchor="b"/>
+          <a:lstStyle>
+            <a:lvl1pPr algn="l">
+              <a:defRPr sz="1200"/>
+            </a:lvl1pPr>
+          </a:lstStyle>
+          <a:p>
+            <a:endParaRPr lang="de-AT"/>
+          </a:p>
+        </p:txBody>
+      </p:sp>
+      <p:sp>
+        <p:nvSpPr>
+          <p:cNvPr id="7" name="Foliennummernplatzhalter 6"/>
+          <p:cNvSpPr>
+            <a:spLocks noGrp="1"/>
+          </p:cNvSpPr>
+          <p:nvPr>
+            <p:ph type="sldNum" sz="quarter" idx="5"/>
+          </p:nvPr>
+        </p:nvSpPr>
+        <p:spPr>
+          <a:xfrm>
+            <a:off x="3884613" y="8685213"/>
+            <a:ext cx="2971800" cy="457200"/>
+          </a:xfrm>
+          <a:prstGeom prst="rect">
+            <a:avLst/>
+          </a:prstGeom>
+        </p:spPr>
+        <p:txBody>
+          <a:bodyPr vert="horz" lIns="91440" tIns="45720" rIns="91440" bIns="45720" rtlCol="0" anchor="b"/>
+          <a:lstStyle>
+            <a:lvl1pPr algn="r">
+              <a:defRPr sz="1200"/>
+            </a:lvl1pPr>
+          </a:lstStyle>
+          <a:p>
+            <a:fld id="{96BC37E5-C5A1-4944-BAD3-21F43FCFCAD2}" type="slidenum">
+              <a:rPr lang="de-AT" smtClean="0"/>
+              <a:t>‹Nr.›</a:t>
+            </a:fld>
+            <a:endParaRPr lang="de-AT"/>
+          </a:p>
+        </p:txBody>
+      </p:sp>
+    </p:spTree>
+    <p:extLst>
+      <p:ext uri="{BB962C8B-B14F-4D97-AF65-F5344CB8AC3E}">
+        <p14:creationId xmlns:p14="http://schemas.microsoft.com/office/powerpoint/2010/main" val="4051322535"/>
+      </p:ext>
+    </p:extLst>
+  </p:cSld>
+  <p:clrMap bg1="lt1" tx1="dk1" bg2="lt2" tx2="dk2" accent1="accent1" accent2="accent2" accent3="accent3" accent4="accent4" accent5="accent5" accent6="accent6" hlink="hlink" folHlink="folHlink"/>
+  <p:notesStyle>
+    <a:lvl1pPr marL="0" algn="l" defTabSz="914400" rtl="0" eaLnBrk="1" latinLnBrk="0" hangingPunct="1">
+      <a:defRPr sz="1200" kern="1200">
+        <a:solidFill>
+          <a:schemeClr val="tx1"/>
+        </a:solidFill>
+        <a:latin typeface="+mn-lt"/>
+        <a:ea typeface="+mn-ea"/>
+        <a:cs typeface="+mn-cs"/>
+      </a:defRPr>
+    </a:lvl1pPr>
+    <a:lvl2pPr marL="457200" algn="l" defTabSz="914400" rtl="0" eaLnBrk="1" latinLnBrk="0" hangingPunct="1">
+      <a:defRPr sz="1200" kern="1200">
+        <a:solidFill>
+          <a:schemeClr val="tx1"/>
+        </a:solidFill>
+        <a:latin typeface="+mn-lt"/>
+        <a:ea typeface="+mn-ea"/>
+        <a:cs typeface="+mn-cs"/>
+      </a:defRPr>
+    </a:lvl2pPr>
+    <a:lvl3pPr marL="914400" algn="l" defTabSz="914400" rtl="0" eaLnBrk="1" latinLnBrk="0" hangingPunct="1">
+      <a:defRPr sz="1200" kern="1200">
+        <a:solidFill>
+          <a:schemeClr val="tx1"/>
+        </a:solidFill>
+        <a:latin typeface="+mn-lt"/>
+        <a:ea typeface="+mn-ea"/>
+        <a:cs typeface="+mn-cs"/>
+      </a:defRPr>
+    </a:lvl3pPr>
+    <a:lvl4pPr marL="1371600" algn="l" defTabSz="914400" rtl="0" eaLnBrk="1" latinLnBrk="0" hangingPunct="1">
+      <a:defRPr sz="1200" kern="1200">
+        <a:solidFill>
+          <a:schemeClr val="tx1"/>
+        </a:solidFill>
+        <a:latin typeface="+mn-lt"/>
+        <a:ea typeface="+mn-ea"/>
+        <a:cs typeface="+mn-cs"/>
+      </a:defRPr>
+    </a:lvl4pPr>
+    <a:lvl5pPr marL="1828800" algn="l" defTabSz="914400" rtl="0" eaLnBrk="1" latinLnBrk="0" hangingPunct="1">
+      <a:defRPr sz="1200" kern="1200">
+        <a:solidFill>
+          <a:schemeClr val="tx1"/>
+        </a:solidFill>
+        <a:latin typeface="+mn-lt"/>
+        <a:ea typeface="+mn-ea"/>
+        <a:cs typeface="+mn-cs"/>
+      </a:defRPr>
+    </a:lvl5pPr>
+    <a:lvl6pPr marL="2286000" algn="l" defTabSz="914400" rtl="0" eaLnBrk="1" latinLnBrk="0" hangingPunct="1">
+      <a:defRPr sz="1200" kern="1200">
+        <a:solidFill>
+          <a:schemeClr val="tx1"/>
+        </a:solidFill>
+        <a:latin typeface="+mn-lt"/>
+        <a:ea typeface="+mn-ea"/>
+        <a:cs typeface="+mn-cs"/>
+      </a:defRPr>
+    </a:lvl6pPr>
+    <a:lvl7pPr marL="2743200" algn="l" defTabSz="914400" rtl="0" eaLnBrk="1" latinLnBrk="0" hangingPunct="1">
+      <a:defRPr sz="1200" kern="1200">
+        <a:solidFill>
+          <a:schemeClr val="tx1"/>
+        </a:solidFill>
+        <a:latin typeface="+mn-lt"/>
+        <a:ea typeface="+mn-ea"/>
+        <a:cs typeface="+mn-cs"/>
+      </a:defRPr>
+    </a:lvl7pPr>
+    <a:lvl8pPr marL="3200400" algn="l" defTabSz="914400" rtl="0" eaLnBrk="1" latinLnBrk="0" hangingPunct="1">
+      <a:defRPr sz="1200" kern="1200">
+        <a:solidFill>
+          <a:schemeClr val="tx1"/>
+        </a:solidFill>
+        <a:latin typeface="+mn-lt"/>
+        <a:ea typeface="+mn-ea"/>
+        <a:cs typeface="+mn-cs"/>
+      </a:defRPr>
+    </a:lvl8pPr>
+    <a:lvl9pPr marL="3657600" algn="l" defTabSz="914400" rtl="0" eaLnBrk="1" latinLnBrk="0" hangingPunct="1">
+      <a:defRPr sz="1200" kern="1200">
+        <a:solidFill>
+          <a:schemeClr val="tx1"/>
+        </a:solidFill>
+        <a:latin typeface="+mn-lt"/>
+        <a:ea typeface="+mn-ea"/>
+        <a:cs typeface="+mn-cs"/>
+      </a:defRPr>
+    </a:lvl9pPr>
+  </p:notesStyle>
+</p:notesMaster>
+</file>
+
+<file path=ppt/notesSlides/notesSlide1.xml><?xml version="1.0" encoding="utf-8"?>
+<p:notes xmlns:a="http://schemas.openxmlformats.org/drawingml/2006/main" xmlns:r="http://schemas.openxmlformats.org/officeDocument/2006/relationships" xmlns:p="http://schemas.openxmlformats.org/presentationml/2006/main">
+  <p:cSld>
+    <p:spTree>
+      <p:nvGrpSpPr>
+        <p:cNvPr id="1" name=""/>
+        <p:cNvGrpSpPr/>
+        <p:nvPr/>
+      </p:nvGrpSpPr>
+      <p:grpSpPr>
+        <a:xfrm>
+          <a:off x="0" y="0"/>
+          <a:ext cx="0" cy="0"/>
+          <a:chOff x="0" y="0"/>
+          <a:chExt cx="0" cy="0"/>
+        </a:xfrm>
+      </p:grpSpPr>
+      <p:sp>
+        <p:nvSpPr>
+          <p:cNvPr id="2" name="Folienbildplatzhalter 1"/>
+          <p:cNvSpPr>
+            <a:spLocks noGrp="1" noRot="1" noChangeAspect="1"/>
+          </p:cNvSpPr>
+          <p:nvPr>
+            <p:ph type="sldImg"/>
+          </p:nvPr>
+        </p:nvSpPr>
+        <p:spPr/>
+      </p:sp>
+      <p:sp>
+        <p:nvSpPr>
+          <p:cNvPr id="3" name="Notizenplatzhalter 2"/>
+          <p:cNvSpPr>
+            <a:spLocks noGrp="1"/>
+          </p:cNvSpPr>
+          <p:nvPr>
+            <p:ph type="body" idx="1"/>
+          </p:nvPr>
+        </p:nvSpPr>
+        <p:spPr/>
+        <p:txBody>
+          <a:bodyPr/>
+          <a:lstStyle/>
+          <a:p>
+            <a:endParaRPr lang="de-AT" dirty="0"/>
+          </a:p>
+        </p:txBody>
+      </p:sp>
+      <p:sp>
+        <p:nvSpPr>
+          <p:cNvPr id="4" name="Foliennummernplatzhalter 3"/>
+          <p:cNvSpPr>
+            <a:spLocks noGrp="1"/>
+          </p:cNvSpPr>
+          <p:nvPr>
+            <p:ph type="sldNum" sz="quarter" idx="10"/>
+          </p:nvPr>
+        </p:nvSpPr>
+        <p:spPr/>
+        <p:txBody>
+          <a:bodyPr/>
+          <a:lstStyle/>
+          <a:p>
+            <a:fld id="{7A980F82-AC95-4D4B-AE7D-A82808953564}" type="slidenum">
+              <a:rPr lang="de-AT" smtClean="0"/>
+              <a:t>13</a:t>
+            </a:fld>
+            <a:endParaRPr lang="de-AT"/>
+          </a:p>
+        </p:txBody>
+      </p:sp>
+    </p:spTree>
+    <p:extLst>
+      <p:ext uri="{BB962C8B-B14F-4D97-AF65-F5344CB8AC3E}">
+        <p14:creationId xmlns:p14="http://schemas.microsoft.com/office/powerpoint/2010/main" val="299499271"/>
+      </p:ext>
+    </p:extLst>
+  </p:cSld>
+  <p:clrMapOvr>
+    <a:masterClrMapping/>
+  </p:clrMapOvr>
+</p:notes>
+</file>
+
 <file path=ppt/slideLayouts/slideLayout1.xml><?xml version="1.0" encoding="utf-8"?>
 <p:sldLayout xmlns:a="http://schemas.openxmlformats.org/drawingml/2006/main" xmlns:r="http://schemas.openxmlformats.org/officeDocument/2006/relationships" xmlns:p="http://schemas.openxmlformats.org/presentationml/2006/main" type="title" preserve="1">
   <p:cSld name="Titelfolie">
@@ -144,7 +590,7 @@
       </p:grpSpPr>
       <p:sp>
         <p:nvSpPr>
-          <p:cNvPr id="2" name="Titel 1"/>
+          <p:cNvPr id="2" name="Title 1"/>
           <p:cNvSpPr>
             <a:spLocks noGrp="1"/>
           </p:cNvSpPr>
@@ -154,15 +600,22 @@
         </p:nvSpPr>
         <p:spPr>
           <a:xfrm>
-            <a:off x="1524000" y="1122363"/>
-            <a:ext cx="9144000" cy="2387600"/>
+            <a:off x="914400" y="1905001"/>
+            <a:ext cx="10058400" cy="2593975"/>
           </a:xfrm>
         </p:spPr>
         <p:txBody>
           <a:bodyPr anchor="b"/>
           <a:lstStyle>
-            <a:lvl1pPr algn="ctr">
-              <a:defRPr sz="6000"/>
+            <a:lvl1pPr>
+              <a:defRPr sz="6600">
+                <a:ln>
+                  <a:noFill/>
+                </a:ln>
+                <a:solidFill>
+                  <a:schemeClr val="tx2"/>
+                </a:solidFill>
+              </a:defRPr>
             </a:lvl1pPr>
           </a:lstStyle>
           <a:p>
@@ -170,13 +623,13 @@
               <a:rPr lang="de-DE" smtClean="0"/>
               <a:t>Titelmasterformat durch Klicken bearbeiten</a:t>
             </a:r>
-            <a:endParaRPr lang="de-AT"/>
-          </a:p>
-        </p:txBody>
-      </p:sp>
-      <p:sp>
-        <p:nvSpPr>
-          <p:cNvPr id="3" name="Untertitel 2"/>
+            <a:endParaRPr lang="en-US" dirty="0"/>
+          </a:p>
+        </p:txBody>
+      </p:sp>
+      <p:sp>
+        <p:nvSpPr>
+          <p:cNvPr id="3" name="Subtitle 2"/>
           <p:cNvSpPr>
             <a:spLocks noGrp="1"/>
           </p:cNvSpPr>
@@ -186,48 +639,104 @@
         </p:nvSpPr>
         <p:spPr>
           <a:xfrm>
-            <a:off x="1524000" y="3602038"/>
-            <a:ext cx="9144000" cy="1655762"/>
+            <a:off x="914400" y="4572000"/>
+            <a:ext cx="8615680" cy="1066800"/>
           </a:xfrm>
         </p:spPr>
         <p:txBody>
-          <a:bodyPr/>
+          <a:bodyPr anchor="t">
+            <a:normAutofit/>
+          </a:bodyPr>
           <a:lstStyle>
-            <a:lvl1pPr marL="0" indent="0" algn="ctr">
+            <a:lvl1pPr marL="0" indent="0" algn="l">
               <a:buNone/>
-              <a:defRPr sz="2400"/>
+              <a:defRPr sz="2000">
+                <a:solidFill>
+                  <a:schemeClr val="tx1">
+                    <a:tint val="75000"/>
+                  </a:schemeClr>
+                </a:solidFill>
+              </a:defRPr>
             </a:lvl1pPr>
             <a:lvl2pPr marL="457200" indent="0" algn="ctr">
               <a:buNone/>
-              <a:defRPr sz="2000"/>
+              <a:defRPr>
+                <a:solidFill>
+                  <a:schemeClr val="tx1">
+                    <a:tint val="75000"/>
+                  </a:schemeClr>
+                </a:solidFill>
+              </a:defRPr>
             </a:lvl2pPr>
             <a:lvl3pPr marL="914400" indent="0" algn="ctr">
               <a:buNone/>
-              <a:defRPr sz="1800"/>
+              <a:defRPr>
+                <a:solidFill>
+                  <a:schemeClr val="tx1">
+                    <a:tint val="75000"/>
+                  </a:schemeClr>
+                </a:solidFill>
+              </a:defRPr>
             </a:lvl3pPr>
             <a:lvl4pPr marL="1371600" indent="0" algn="ctr">
               <a:buNone/>
-              <a:defRPr sz="1600"/>
+              <a:defRPr>
+                <a:solidFill>
+                  <a:schemeClr val="tx1">
+                    <a:tint val="75000"/>
+                  </a:schemeClr>
+                </a:solidFill>
+              </a:defRPr>
             </a:lvl4pPr>
             <a:lvl5pPr marL="1828800" indent="0" algn="ctr">
               <a:buNone/>
-              <a:defRPr sz="1600"/>
+              <a:defRPr>
+                <a:solidFill>
+                  <a:schemeClr val="tx1">
+                    <a:tint val="75000"/>
+                  </a:schemeClr>
+                </a:solidFill>
+              </a:defRPr>
             </a:lvl5pPr>
             <a:lvl6pPr marL="2286000" indent="0" algn="ctr">
               <a:buNone/>
-              <a:defRPr sz="1600"/>
+              <a:defRPr>
+                <a:solidFill>
+                  <a:schemeClr val="tx1">
+                    <a:tint val="75000"/>
+                  </a:schemeClr>
+                </a:solidFill>
+              </a:defRPr>
             </a:lvl6pPr>
             <a:lvl7pPr marL="2743200" indent="0" algn="ctr">
               <a:buNone/>
-              <a:defRPr sz="1600"/>
+              <a:defRPr>
+                <a:solidFill>
+                  <a:schemeClr val="tx1">
+                    <a:tint val="75000"/>
+                  </a:schemeClr>
+                </a:solidFill>
+              </a:defRPr>
             </a:lvl7pPr>
             <a:lvl8pPr marL="3200400" indent="0" algn="ctr">
               <a:buNone/>
-              <a:defRPr sz="1600"/>
+              <a:defRPr>
+                <a:solidFill>
+                  <a:schemeClr val="tx1">
+                    <a:tint val="75000"/>
+                  </a:schemeClr>
+                </a:solidFill>
+              </a:defRPr>
             </a:lvl8pPr>
             <a:lvl9pPr marL="3657600" indent="0" algn="ctr">
               <a:buNone/>
-              <a:defRPr sz="1600"/>
+              <a:defRPr>
+                <a:solidFill>
+                  <a:schemeClr val="tx1">
+                    <a:tint val="75000"/>
+                  </a:schemeClr>
+                </a:solidFill>
+              </a:defRPr>
             </a:lvl9pPr>
           </a:lstStyle>
           <a:p>
@@ -235,13 +744,13 @@
               <a:rPr lang="de-DE" smtClean="0"/>
               <a:t>Formatvorlage des Untertitelmasters durch Klicken bearbeiten</a:t>
             </a:r>
-            <a:endParaRPr lang="de-AT"/>
-          </a:p>
-        </p:txBody>
-      </p:sp>
-      <p:sp>
-        <p:nvSpPr>
-          <p:cNvPr id="4" name="Datumsplatzhalter 3"/>
+            <a:endParaRPr lang="en-US" dirty="0"/>
+          </a:p>
+        </p:txBody>
+      </p:sp>
+      <p:sp>
+        <p:nvSpPr>
+          <p:cNvPr id="4" name="Date Placeholder 3"/>
           <p:cNvSpPr>
             <a:spLocks noGrp="1"/>
           </p:cNvSpPr>
@@ -256,7 +765,7 @@
           <a:p>
             <a:fld id="{77707964-7BC6-4715-8FEF-751851A67DFC}" type="datetimeFigureOut">
               <a:rPr lang="de-AT" smtClean="0"/>
-              <a:t>18.03.2015</a:t>
+              <a:t>08.04.2015</a:t>
             </a:fld>
             <a:endParaRPr lang="de-AT"/>
           </a:p>
@@ -264,7 +773,7 @@
       </p:sp>
       <p:sp>
         <p:nvSpPr>
-          <p:cNvPr id="5" name="Fußzeilenplatzhalter 4"/>
+          <p:cNvPr id="5" name="Footer Placeholder 4"/>
           <p:cNvSpPr>
             <a:spLocks noGrp="1"/>
           </p:cNvSpPr>
@@ -283,7 +792,7 @@
       </p:sp>
       <p:sp>
         <p:nvSpPr>
-          <p:cNvPr id="6" name="Foliennummernplatzhalter 5"/>
+          <p:cNvPr id="6" name="Slide Number Placeholder 5"/>
           <p:cNvSpPr>
             <a:spLocks noGrp="1"/>
           </p:cNvSpPr>
@@ -305,11 +814,6 @@
         </p:txBody>
       </p:sp>
     </p:spTree>
-    <p:extLst>
-      <p:ext uri="{BB962C8B-B14F-4D97-AF65-F5344CB8AC3E}">
-        <p14:creationId xmlns:p14="http://schemas.microsoft.com/office/powerpoint/2010/main" val="2829248669"/>
-      </p:ext>
-    </p:extLst>
   </p:cSld>
   <p:clrMapOvr>
     <a:masterClrMapping/>
@@ -336,7 +840,7 @@
       </p:grpSpPr>
       <p:sp>
         <p:nvSpPr>
-          <p:cNvPr id="2" name="Titel 1"/>
+          <p:cNvPr id="2" name="Title 1"/>
           <p:cNvSpPr>
             <a:spLocks noGrp="1"/>
           </p:cNvSpPr>
@@ -353,13 +857,13 @@
               <a:rPr lang="de-DE" smtClean="0"/>
               <a:t>Titelmasterformat durch Klicken bearbeiten</a:t>
             </a:r>
-            <a:endParaRPr lang="de-AT"/>
-          </a:p>
-        </p:txBody>
-      </p:sp>
-      <p:sp>
-        <p:nvSpPr>
-          <p:cNvPr id="3" name="Vertikaler Textplatzhalter 2"/>
+            <a:endParaRPr lang="en-US"/>
+          </a:p>
+        </p:txBody>
+      </p:sp>
+      <p:sp>
+        <p:nvSpPr>
+          <p:cNvPr id="3" name="Vertical Text Placeholder 2"/>
           <p:cNvSpPr>
             <a:spLocks noGrp="1"/>
           </p:cNvSpPr>
@@ -405,13 +909,13 @@
               <a:rPr lang="de-DE" smtClean="0"/>
               <a:t>Fünfte Ebene</a:t>
             </a:r>
-            <a:endParaRPr lang="de-AT"/>
-          </a:p>
-        </p:txBody>
-      </p:sp>
-      <p:sp>
-        <p:nvSpPr>
-          <p:cNvPr id="4" name="Datumsplatzhalter 3"/>
+            <a:endParaRPr lang="en-US"/>
+          </a:p>
+        </p:txBody>
+      </p:sp>
+      <p:sp>
+        <p:nvSpPr>
+          <p:cNvPr id="4" name="Date Placeholder 3"/>
           <p:cNvSpPr>
             <a:spLocks noGrp="1"/>
           </p:cNvSpPr>
@@ -426,7 +930,7 @@
           <a:p>
             <a:fld id="{77707964-7BC6-4715-8FEF-751851A67DFC}" type="datetimeFigureOut">
               <a:rPr lang="de-AT" smtClean="0"/>
-              <a:t>18.03.2015</a:t>
+              <a:t>08.04.2015</a:t>
             </a:fld>
             <a:endParaRPr lang="de-AT"/>
           </a:p>
@@ -434,7 +938,7 @@
       </p:sp>
       <p:sp>
         <p:nvSpPr>
-          <p:cNvPr id="5" name="Fußzeilenplatzhalter 4"/>
+          <p:cNvPr id="5" name="Footer Placeholder 4"/>
           <p:cNvSpPr>
             <a:spLocks noGrp="1"/>
           </p:cNvSpPr>
@@ -453,7 +957,7 @@
       </p:sp>
       <p:sp>
         <p:nvSpPr>
-          <p:cNvPr id="6" name="Foliennummernplatzhalter 5"/>
+          <p:cNvPr id="6" name="Slide Number Placeholder 5"/>
           <p:cNvSpPr>
             <a:spLocks noGrp="1"/>
           </p:cNvSpPr>
@@ -475,11 +979,6 @@
         </p:txBody>
       </p:sp>
     </p:spTree>
-    <p:extLst>
-      <p:ext uri="{BB962C8B-B14F-4D97-AF65-F5344CB8AC3E}">
-        <p14:creationId xmlns:p14="http://schemas.microsoft.com/office/powerpoint/2010/main" val="3467515139"/>
-      </p:ext>
-    </p:extLst>
   </p:cSld>
   <p:clrMapOvr>
     <a:masterClrMapping/>
@@ -506,7 +1005,7 @@
       </p:grpSpPr>
       <p:sp>
         <p:nvSpPr>
-          <p:cNvPr id="2" name="Vertikaler Titel 1"/>
+          <p:cNvPr id="2" name="Vertical Title 1"/>
           <p:cNvSpPr>
             <a:spLocks noGrp="1"/>
           </p:cNvSpPr>
@@ -516,25 +1015,25 @@
         </p:nvSpPr>
         <p:spPr>
           <a:xfrm>
-            <a:off x="8724900" y="365125"/>
-            <a:ext cx="2628900" cy="5811838"/>
+            <a:off x="8839200" y="274639"/>
+            <a:ext cx="2336800" cy="5851525"/>
           </a:xfrm>
         </p:spPr>
         <p:txBody>
-          <a:bodyPr vert="eaVert"/>
+          <a:bodyPr vert="eaVert" anchor="b" anchorCtr="0"/>
           <a:lstStyle/>
           <a:p>
             <a:r>
               <a:rPr lang="de-DE" smtClean="0"/>
               <a:t>Titelmasterformat durch Klicken bearbeiten</a:t>
             </a:r>
-            <a:endParaRPr lang="de-AT"/>
-          </a:p>
-        </p:txBody>
-      </p:sp>
-      <p:sp>
-        <p:nvSpPr>
-          <p:cNvPr id="3" name="Vertikaler Textplatzhalter 2"/>
+            <a:endParaRPr lang="en-US" dirty="0"/>
+          </a:p>
+        </p:txBody>
+      </p:sp>
+      <p:sp>
+        <p:nvSpPr>
+          <p:cNvPr id="3" name="Vertical Text Placeholder 2"/>
           <p:cNvSpPr>
             <a:spLocks noGrp="1"/>
           </p:cNvSpPr>
@@ -544,8 +1043,8 @@
         </p:nvSpPr>
         <p:spPr>
           <a:xfrm>
-            <a:off x="838200" y="365125"/>
-            <a:ext cx="7734300" cy="5811838"/>
+            <a:off x="609600" y="274639"/>
+            <a:ext cx="8026400" cy="5851525"/>
           </a:xfrm>
         </p:spPr>
         <p:txBody>
@@ -585,13 +1084,13 @@
               <a:rPr lang="de-DE" smtClean="0"/>
               <a:t>Fünfte Ebene</a:t>
             </a:r>
-            <a:endParaRPr lang="de-AT"/>
-          </a:p>
-        </p:txBody>
-      </p:sp>
-      <p:sp>
-        <p:nvSpPr>
-          <p:cNvPr id="4" name="Datumsplatzhalter 3"/>
+            <a:endParaRPr lang="en-US"/>
+          </a:p>
+        </p:txBody>
+      </p:sp>
+      <p:sp>
+        <p:nvSpPr>
+          <p:cNvPr id="4" name="Date Placeholder 3"/>
           <p:cNvSpPr>
             <a:spLocks noGrp="1"/>
           </p:cNvSpPr>
@@ -606,7 +1105,7 @@
           <a:p>
             <a:fld id="{77707964-7BC6-4715-8FEF-751851A67DFC}" type="datetimeFigureOut">
               <a:rPr lang="de-AT" smtClean="0"/>
-              <a:t>18.03.2015</a:t>
+              <a:t>08.04.2015</a:t>
             </a:fld>
             <a:endParaRPr lang="de-AT"/>
           </a:p>
@@ -614,7 +1113,7 @@
       </p:sp>
       <p:sp>
         <p:nvSpPr>
-          <p:cNvPr id="5" name="Fußzeilenplatzhalter 4"/>
+          <p:cNvPr id="5" name="Footer Placeholder 4"/>
           <p:cNvSpPr>
             <a:spLocks noGrp="1"/>
           </p:cNvSpPr>
@@ -633,7 +1132,7 @@
       </p:sp>
       <p:sp>
         <p:nvSpPr>
-          <p:cNvPr id="6" name="Foliennummernplatzhalter 5"/>
+          <p:cNvPr id="6" name="Slide Number Placeholder 5"/>
           <p:cNvSpPr>
             <a:spLocks noGrp="1"/>
           </p:cNvSpPr>
@@ -655,11 +1154,6 @@
         </p:txBody>
       </p:sp>
     </p:spTree>
-    <p:extLst>
-      <p:ext uri="{BB962C8B-B14F-4D97-AF65-F5344CB8AC3E}">
-        <p14:creationId xmlns:p14="http://schemas.microsoft.com/office/powerpoint/2010/main" val="2277925175"/>
-      </p:ext>
-    </p:extLst>
   </p:cSld>
   <p:clrMapOvr>
     <a:masterClrMapping/>
@@ -686,7 +1180,7 @@
       </p:grpSpPr>
       <p:sp>
         <p:nvSpPr>
-          <p:cNvPr id="2" name="Titel 1"/>
+          <p:cNvPr id="2" name="Title 1"/>
           <p:cNvSpPr>
             <a:spLocks noGrp="1"/>
           </p:cNvSpPr>
@@ -703,13 +1197,13 @@
               <a:rPr lang="de-DE" smtClean="0"/>
               <a:t>Titelmasterformat durch Klicken bearbeiten</a:t>
             </a:r>
-            <a:endParaRPr lang="de-AT"/>
-          </a:p>
-        </p:txBody>
-      </p:sp>
-      <p:sp>
-        <p:nvSpPr>
-          <p:cNvPr id="3" name="Inhaltsplatzhalter 2"/>
+            <a:endParaRPr lang="en-US"/>
+          </a:p>
+        </p:txBody>
+      </p:sp>
+      <p:sp>
+        <p:nvSpPr>
+          <p:cNvPr id="3" name="Content Placeholder 2"/>
           <p:cNvSpPr>
             <a:spLocks noGrp="1"/>
           </p:cNvSpPr>
@@ -755,13 +1249,13 @@
               <a:rPr lang="de-DE" smtClean="0"/>
               <a:t>Fünfte Ebene</a:t>
             </a:r>
-            <a:endParaRPr lang="de-AT"/>
-          </a:p>
-        </p:txBody>
-      </p:sp>
-      <p:sp>
-        <p:nvSpPr>
-          <p:cNvPr id="4" name="Datumsplatzhalter 3"/>
+            <a:endParaRPr lang="en-US"/>
+          </a:p>
+        </p:txBody>
+      </p:sp>
+      <p:sp>
+        <p:nvSpPr>
+          <p:cNvPr id="4" name="Date Placeholder 3"/>
           <p:cNvSpPr>
             <a:spLocks noGrp="1"/>
           </p:cNvSpPr>
@@ -776,7 +1270,7 @@
           <a:p>
             <a:fld id="{77707964-7BC6-4715-8FEF-751851A67DFC}" type="datetimeFigureOut">
               <a:rPr lang="de-AT" smtClean="0"/>
-              <a:t>18.03.2015</a:t>
+              <a:t>08.04.2015</a:t>
             </a:fld>
             <a:endParaRPr lang="de-AT"/>
           </a:p>
@@ -784,7 +1278,7 @@
       </p:sp>
       <p:sp>
         <p:nvSpPr>
-          <p:cNvPr id="5" name="Fußzeilenplatzhalter 4"/>
+          <p:cNvPr id="5" name="Footer Placeholder 4"/>
           <p:cNvSpPr>
             <a:spLocks noGrp="1"/>
           </p:cNvSpPr>
@@ -803,7 +1297,7 @@
       </p:sp>
       <p:sp>
         <p:nvSpPr>
-          <p:cNvPr id="6" name="Foliennummernplatzhalter 5"/>
+          <p:cNvPr id="6" name="Slide Number Placeholder 5"/>
           <p:cNvSpPr>
             <a:spLocks noGrp="1"/>
           </p:cNvSpPr>
@@ -825,11 +1319,6 @@
         </p:txBody>
       </p:sp>
     </p:spTree>
-    <p:extLst>
-      <p:ext uri="{BB962C8B-B14F-4D97-AF65-F5344CB8AC3E}">
-        <p14:creationId xmlns:p14="http://schemas.microsoft.com/office/powerpoint/2010/main" val="3342465400"/>
-      </p:ext>
-    </p:extLst>
   </p:cSld>
   <p:clrMapOvr>
     <a:masterClrMapping/>
@@ -856,7 +1345,7 @@
       </p:grpSpPr>
       <p:sp>
         <p:nvSpPr>
-          <p:cNvPr id="2" name="Titel 1"/>
+          <p:cNvPr id="2" name="Title 1"/>
           <p:cNvSpPr>
             <a:spLocks noGrp="1"/>
           </p:cNvSpPr>
@@ -866,15 +1355,15 @@
         </p:nvSpPr>
         <p:spPr>
           <a:xfrm>
-            <a:off x="831850" y="1709738"/>
-            <a:ext cx="10515600" cy="2852737"/>
+            <a:off x="963085" y="5486400"/>
+            <a:ext cx="10212916" cy="1168400"/>
           </a:xfrm>
         </p:spPr>
         <p:txBody>
-          <a:bodyPr anchor="b"/>
+          <a:bodyPr anchor="t"/>
           <a:lstStyle>
-            <a:lvl1pPr>
-              <a:defRPr sz="6000"/>
+            <a:lvl1pPr algn="l">
+              <a:defRPr sz="3600" b="0" cap="all"/>
             </a:lvl1pPr>
           </a:lstStyle>
           <a:p>
@@ -882,13 +1371,13 @@
               <a:rPr lang="de-DE" smtClean="0"/>
               <a:t>Titelmasterformat durch Klicken bearbeiten</a:t>
             </a:r>
-            <a:endParaRPr lang="de-AT"/>
-          </a:p>
-        </p:txBody>
-      </p:sp>
-      <p:sp>
-        <p:nvSpPr>
-          <p:cNvPr id="3" name="Textplatzhalter 2"/>
+            <a:endParaRPr lang="en-US" dirty="0"/>
+          </a:p>
+        </p:txBody>
+      </p:sp>
+      <p:sp>
+        <p:nvSpPr>
+          <p:cNvPr id="3" name="Text Placeholder 2"/>
           <p:cNvSpPr>
             <a:spLocks noGrp="1"/>
           </p:cNvSpPr>
@@ -898,16 +1387,16 @@
         </p:nvSpPr>
         <p:spPr>
           <a:xfrm>
-            <a:off x="831850" y="4589463"/>
-            <a:ext cx="10515600" cy="1500187"/>
+            <a:off x="963085" y="3852863"/>
+            <a:ext cx="8180916" cy="1633538"/>
           </a:xfrm>
         </p:spPr>
         <p:txBody>
-          <a:bodyPr/>
+          <a:bodyPr anchor="b"/>
           <a:lstStyle>
             <a:lvl1pPr marL="0" indent="0">
               <a:buNone/>
-              <a:defRPr sz="2400">
+              <a:defRPr sz="2000">
                 <a:solidFill>
                   <a:schemeClr val="tx1">
                     <a:tint val="75000"/>
@@ -917,7 +1406,7 @@
             </a:lvl1pPr>
             <a:lvl2pPr marL="457200" indent="0">
               <a:buNone/>
-              <a:defRPr sz="2000">
+              <a:defRPr sz="1800">
                 <a:solidFill>
                   <a:schemeClr val="tx1">
                     <a:tint val="75000"/>
@@ -927,7 +1416,7 @@
             </a:lvl2pPr>
             <a:lvl3pPr marL="914400" indent="0">
               <a:buNone/>
-              <a:defRPr sz="1800">
+              <a:defRPr sz="1600">
                 <a:solidFill>
                   <a:schemeClr val="tx1">
                     <a:tint val="75000"/>
@@ -937,7 +1426,7 @@
             </a:lvl3pPr>
             <a:lvl4pPr marL="1371600" indent="0">
               <a:buNone/>
-              <a:defRPr sz="1600">
+              <a:defRPr sz="1400">
                 <a:solidFill>
                   <a:schemeClr val="tx1">
                     <a:tint val="75000"/>
@@ -947,7 +1436,7 @@
             </a:lvl4pPr>
             <a:lvl5pPr marL="1828800" indent="0">
               <a:buNone/>
-              <a:defRPr sz="1600">
+              <a:defRPr sz="1400">
                 <a:solidFill>
                   <a:schemeClr val="tx1">
                     <a:tint val="75000"/>
@@ -957,7 +1446,7 @@
             </a:lvl5pPr>
             <a:lvl6pPr marL="2286000" indent="0">
               <a:buNone/>
-              <a:defRPr sz="1600">
+              <a:defRPr sz="1400">
                 <a:solidFill>
                   <a:schemeClr val="tx1">
                     <a:tint val="75000"/>
@@ -967,7 +1456,7 @@
             </a:lvl6pPr>
             <a:lvl7pPr marL="2743200" indent="0">
               <a:buNone/>
-              <a:defRPr sz="1600">
+              <a:defRPr sz="1400">
                 <a:solidFill>
                   <a:schemeClr val="tx1">
                     <a:tint val="75000"/>
@@ -977,7 +1466,7 @@
             </a:lvl7pPr>
             <a:lvl8pPr marL="3200400" indent="0">
               <a:buNone/>
-              <a:defRPr sz="1600">
+              <a:defRPr sz="1400">
                 <a:solidFill>
                   <a:schemeClr val="tx1">
                     <a:tint val="75000"/>
@@ -987,7 +1476,7 @@
             </a:lvl8pPr>
             <a:lvl9pPr marL="3657600" indent="0">
               <a:buNone/>
-              <a:defRPr sz="1600">
+              <a:defRPr sz="1400">
                 <a:solidFill>
                   <a:schemeClr val="tx1">
                     <a:tint val="75000"/>
@@ -1007,7 +1496,7 @@
       </p:sp>
       <p:sp>
         <p:nvSpPr>
-          <p:cNvPr id="4" name="Datumsplatzhalter 3"/>
+          <p:cNvPr id="4" name="Date Placeholder 3"/>
           <p:cNvSpPr>
             <a:spLocks noGrp="1"/>
           </p:cNvSpPr>
@@ -1022,7 +1511,7 @@
           <a:p>
             <a:fld id="{77707964-7BC6-4715-8FEF-751851A67DFC}" type="datetimeFigureOut">
               <a:rPr lang="de-AT" smtClean="0"/>
-              <a:t>18.03.2015</a:t>
+              <a:t>08.04.2015</a:t>
             </a:fld>
             <a:endParaRPr lang="de-AT"/>
           </a:p>
@@ -1030,7 +1519,7 @@
       </p:sp>
       <p:sp>
         <p:nvSpPr>
-          <p:cNvPr id="5" name="Fußzeilenplatzhalter 4"/>
+          <p:cNvPr id="5" name="Footer Placeholder 4"/>
           <p:cNvSpPr>
             <a:spLocks noGrp="1"/>
           </p:cNvSpPr>
@@ -1049,7 +1538,7 @@
       </p:sp>
       <p:sp>
         <p:nvSpPr>
-          <p:cNvPr id="6" name="Foliennummernplatzhalter 5"/>
+          <p:cNvPr id="6" name="Slide Number Placeholder 5"/>
           <p:cNvSpPr>
             <a:spLocks noGrp="1"/>
           </p:cNvSpPr>
@@ -1071,11 +1560,6 @@
         </p:txBody>
       </p:sp>
     </p:spTree>
-    <p:extLst>
-      <p:ext uri="{BB962C8B-B14F-4D97-AF65-F5344CB8AC3E}">
-        <p14:creationId xmlns:p14="http://schemas.microsoft.com/office/powerpoint/2010/main" val="421859779"/>
-      </p:ext>
-    </p:extLst>
   </p:cSld>
   <p:clrMapOvr>
     <a:masterClrMapping/>
@@ -1102,7 +1586,7 @@
       </p:grpSpPr>
       <p:sp>
         <p:nvSpPr>
-          <p:cNvPr id="2" name="Titel 1"/>
+          <p:cNvPr id="2" name="Title 1"/>
           <p:cNvSpPr>
             <a:spLocks noGrp="1"/>
           </p:cNvSpPr>
@@ -1119,13 +1603,13 @@
               <a:rPr lang="de-DE" smtClean="0"/>
               <a:t>Titelmasterformat durch Klicken bearbeiten</a:t>
             </a:r>
-            <a:endParaRPr lang="de-AT"/>
-          </a:p>
-        </p:txBody>
-      </p:sp>
-      <p:sp>
-        <p:nvSpPr>
-          <p:cNvPr id="3" name="Inhaltsplatzhalter 2"/>
+            <a:endParaRPr lang="en-US"/>
+          </a:p>
+        </p:txBody>
+      </p:sp>
+      <p:sp>
+        <p:nvSpPr>
+          <p:cNvPr id="3" name="Content Placeholder 2"/>
           <p:cNvSpPr>
             <a:spLocks noGrp="1"/>
           </p:cNvSpPr>
@@ -1135,13 +1619,41 @@
         </p:nvSpPr>
         <p:spPr>
           <a:xfrm>
-            <a:off x="838200" y="1825625"/>
-            <a:ext cx="5181600" cy="4351338"/>
+            <a:off x="609600" y="1536192"/>
+            <a:ext cx="4876800" cy="4590288"/>
           </a:xfrm>
         </p:spPr>
         <p:txBody>
           <a:bodyPr/>
-          <a:lstStyle/>
+          <a:lstStyle>
+            <a:lvl1pPr>
+              <a:defRPr sz="2800"/>
+            </a:lvl1pPr>
+            <a:lvl2pPr>
+              <a:defRPr sz="2400"/>
+            </a:lvl2pPr>
+            <a:lvl3pPr>
+              <a:defRPr sz="2000"/>
+            </a:lvl3pPr>
+            <a:lvl4pPr>
+              <a:defRPr sz="1800"/>
+            </a:lvl4pPr>
+            <a:lvl5pPr>
+              <a:defRPr sz="1800"/>
+            </a:lvl5pPr>
+            <a:lvl6pPr>
+              <a:defRPr sz="1800"/>
+            </a:lvl6pPr>
+            <a:lvl7pPr>
+              <a:defRPr sz="1800"/>
+            </a:lvl7pPr>
+            <a:lvl8pPr>
+              <a:defRPr sz="1800"/>
+            </a:lvl8pPr>
+            <a:lvl9pPr>
+              <a:defRPr sz="1800"/>
+            </a:lvl9pPr>
+          </a:lstStyle>
           <a:p>
             <a:pPr lvl="0"/>
             <a:r>
@@ -1176,13 +1688,13 @@
               <a:rPr lang="de-DE" smtClean="0"/>
               <a:t>Fünfte Ebene</a:t>
             </a:r>
-            <a:endParaRPr lang="de-AT"/>
-          </a:p>
-        </p:txBody>
-      </p:sp>
-      <p:sp>
-        <p:nvSpPr>
-          <p:cNvPr id="4" name="Inhaltsplatzhalter 3"/>
+            <a:endParaRPr lang="en-US" dirty="0"/>
+          </a:p>
+        </p:txBody>
+      </p:sp>
+      <p:sp>
+        <p:nvSpPr>
+          <p:cNvPr id="4" name="Content Placeholder 3"/>
           <p:cNvSpPr>
             <a:spLocks noGrp="1"/>
           </p:cNvSpPr>
@@ -1192,13 +1704,41 @@
         </p:nvSpPr>
         <p:spPr>
           <a:xfrm>
-            <a:off x="6172200" y="1825625"/>
-            <a:ext cx="5181600" cy="4351338"/>
+            <a:off x="5892800" y="1536192"/>
+            <a:ext cx="4876800" cy="4590288"/>
           </a:xfrm>
         </p:spPr>
         <p:txBody>
           <a:bodyPr/>
-          <a:lstStyle/>
+          <a:lstStyle>
+            <a:lvl1pPr>
+              <a:defRPr sz="2800"/>
+            </a:lvl1pPr>
+            <a:lvl2pPr>
+              <a:defRPr sz="2400"/>
+            </a:lvl2pPr>
+            <a:lvl3pPr>
+              <a:defRPr sz="2000"/>
+            </a:lvl3pPr>
+            <a:lvl4pPr>
+              <a:defRPr sz="1800"/>
+            </a:lvl4pPr>
+            <a:lvl5pPr>
+              <a:defRPr sz="1800"/>
+            </a:lvl5pPr>
+            <a:lvl6pPr>
+              <a:defRPr sz="1800"/>
+            </a:lvl6pPr>
+            <a:lvl7pPr>
+              <a:defRPr sz="1800"/>
+            </a:lvl7pPr>
+            <a:lvl8pPr>
+              <a:defRPr sz="1800"/>
+            </a:lvl8pPr>
+            <a:lvl9pPr>
+              <a:defRPr sz="1800"/>
+            </a:lvl9pPr>
+          </a:lstStyle>
           <a:p>
             <a:pPr lvl="0"/>
             <a:r>
@@ -1233,13 +1773,13 @@
               <a:rPr lang="de-DE" smtClean="0"/>
               <a:t>Fünfte Ebene</a:t>
             </a:r>
-            <a:endParaRPr lang="de-AT"/>
-          </a:p>
-        </p:txBody>
-      </p:sp>
-      <p:sp>
-        <p:nvSpPr>
-          <p:cNvPr id="5" name="Datumsplatzhalter 4"/>
+            <a:endParaRPr lang="en-US" dirty="0"/>
+          </a:p>
+        </p:txBody>
+      </p:sp>
+      <p:sp>
+        <p:nvSpPr>
+          <p:cNvPr id="5" name="Date Placeholder 4"/>
           <p:cNvSpPr>
             <a:spLocks noGrp="1"/>
           </p:cNvSpPr>
@@ -1254,7 +1794,7 @@
           <a:p>
             <a:fld id="{77707964-7BC6-4715-8FEF-751851A67DFC}" type="datetimeFigureOut">
               <a:rPr lang="de-AT" smtClean="0"/>
-              <a:t>18.03.2015</a:t>
+              <a:t>08.04.2015</a:t>
             </a:fld>
             <a:endParaRPr lang="de-AT"/>
           </a:p>
@@ -1262,7 +1802,7 @@
       </p:sp>
       <p:sp>
         <p:nvSpPr>
-          <p:cNvPr id="6" name="Fußzeilenplatzhalter 5"/>
+          <p:cNvPr id="6" name="Footer Placeholder 5"/>
           <p:cNvSpPr>
             <a:spLocks noGrp="1"/>
           </p:cNvSpPr>
@@ -1281,7 +1821,7 @@
       </p:sp>
       <p:sp>
         <p:nvSpPr>
-          <p:cNvPr id="7" name="Foliennummernplatzhalter 6"/>
+          <p:cNvPr id="7" name="Slide Number Placeholder 6"/>
           <p:cNvSpPr>
             <a:spLocks noGrp="1"/>
           </p:cNvSpPr>
@@ -1303,11 +1843,6 @@
         </p:txBody>
       </p:sp>
     </p:spTree>
-    <p:extLst>
-      <p:ext uri="{BB962C8B-B14F-4D97-AF65-F5344CB8AC3E}">
-        <p14:creationId xmlns:p14="http://schemas.microsoft.com/office/powerpoint/2010/main" val="1694890783"/>
-      </p:ext>
-    </p:extLst>
   </p:cSld>
   <p:clrMapOvr>
     <a:masterClrMapping/>
@@ -1334,54 +1869,59 @@
       </p:grpSpPr>
       <p:sp>
         <p:nvSpPr>
-          <p:cNvPr id="2" name="Titel 1"/>
+          <p:cNvPr id="2" name="Title 1"/>
           <p:cNvSpPr>
             <a:spLocks noGrp="1"/>
           </p:cNvSpPr>
           <p:nvPr>
             <p:ph type="title"/>
+          </p:nvPr>
+        </p:nvSpPr>
+        <p:spPr/>
+        <p:txBody>
+          <a:bodyPr/>
+          <a:lstStyle>
+            <a:lvl1pPr>
+              <a:defRPr/>
+            </a:lvl1pPr>
+          </a:lstStyle>
+          <a:p>
+            <a:r>
+              <a:rPr lang="de-DE" smtClean="0"/>
+              <a:t>Titelmasterformat durch Klicken bearbeiten</a:t>
+            </a:r>
+            <a:endParaRPr lang="en-US"/>
+          </a:p>
+        </p:txBody>
+      </p:sp>
+      <p:sp>
+        <p:nvSpPr>
+          <p:cNvPr id="3" name="Text Placeholder 2"/>
+          <p:cNvSpPr>
+            <a:spLocks noGrp="1"/>
+          </p:cNvSpPr>
+          <p:nvPr>
+            <p:ph type="body" idx="1"/>
           </p:nvPr>
         </p:nvSpPr>
         <p:spPr>
           <a:xfrm>
-            <a:off x="839788" y="365125"/>
-            <a:ext cx="10515600" cy="1325563"/>
+            <a:off x="609600" y="1535113"/>
+            <a:ext cx="4876800" cy="639762"/>
           </a:xfrm>
         </p:spPr>
         <p:txBody>
-          <a:bodyPr/>
-          <a:lstStyle/>
-          <a:p>
-            <a:r>
-              <a:rPr lang="de-DE" smtClean="0"/>
-              <a:t>Titelmasterformat durch Klicken bearbeiten</a:t>
-            </a:r>
-            <a:endParaRPr lang="de-AT"/>
-          </a:p>
-        </p:txBody>
-      </p:sp>
-      <p:sp>
-        <p:nvSpPr>
-          <p:cNvPr id="3" name="Textplatzhalter 2"/>
-          <p:cNvSpPr>
-            <a:spLocks noGrp="1"/>
-          </p:cNvSpPr>
-          <p:nvPr>
-            <p:ph type="body" idx="1"/>
-          </p:nvPr>
-        </p:nvSpPr>
-        <p:spPr>
-          <a:xfrm>
-            <a:off x="839788" y="1681163"/>
-            <a:ext cx="5157787" cy="823912"/>
-          </a:xfrm>
-        </p:spPr>
-        <p:txBody>
-          <a:bodyPr anchor="b"/>
+          <a:bodyPr anchor="b">
+            <a:noAutofit/>
+          </a:bodyPr>
           <a:lstStyle>
-            <a:lvl1pPr marL="0" indent="0">
+            <a:lvl1pPr marL="0" indent="0" algn="ctr">
               <a:buNone/>
-              <a:defRPr sz="2400" b="1"/>
+              <a:defRPr sz="2000" b="1">
+                <a:solidFill>
+                  <a:schemeClr val="tx2"/>
+                </a:solidFill>
+              </a:defRPr>
             </a:lvl1pPr>
             <a:lvl2pPr marL="457200" indent="0">
               <a:buNone/>
@@ -1427,7 +1967,7 @@
       </p:sp>
       <p:sp>
         <p:nvSpPr>
-          <p:cNvPr id="4" name="Inhaltsplatzhalter 3"/>
+          <p:cNvPr id="4" name="Content Placeholder 3"/>
           <p:cNvSpPr>
             <a:spLocks noGrp="1"/>
           </p:cNvSpPr>
@@ -1437,13 +1977,41 @@
         </p:nvSpPr>
         <p:spPr>
           <a:xfrm>
-            <a:off x="839788" y="2505075"/>
-            <a:ext cx="5157787" cy="3684588"/>
+            <a:off x="609600" y="2174875"/>
+            <a:ext cx="4876800" cy="3951288"/>
           </a:xfrm>
         </p:spPr>
         <p:txBody>
           <a:bodyPr/>
-          <a:lstStyle/>
+          <a:lstStyle>
+            <a:lvl1pPr>
+              <a:defRPr sz="2400"/>
+            </a:lvl1pPr>
+            <a:lvl2pPr>
+              <a:defRPr sz="2000"/>
+            </a:lvl2pPr>
+            <a:lvl3pPr>
+              <a:defRPr sz="1800"/>
+            </a:lvl3pPr>
+            <a:lvl4pPr>
+              <a:defRPr sz="1600"/>
+            </a:lvl4pPr>
+            <a:lvl5pPr>
+              <a:defRPr sz="1600"/>
+            </a:lvl5pPr>
+            <a:lvl6pPr>
+              <a:defRPr sz="1600"/>
+            </a:lvl6pPr>
+            <a:lvl7pPr>
+              <a:defRPr sz="1600"/>
+            </a:lvl7pPr>
+            <a:lvl8pPr>
+              <a:defRPr sz="1600"/>
+            </a:lvl8pPr>
+            <a:lvl9pPr>
+              <a:defRPr sz="1600"/>
+            </a:lvl9pPr>
+          </a:lstStyle>
           <a:p>
             <a:pPr lvl="0"/>
             <a:r>
@@ -1478,13 +2046,13 @@
               <a:rPr lang="de-DE" smtClean="0"/>
               <a:t>Fünfte Ebene</a:t>
             </a:r>
-            <a:endParaRPr lang="de-AT"/>
-          </a:p>
-        </p:txBody>
-      </p:sp>
-      <p:sp>
-        <p:nvSpPr>
-          <p:cNvPr id="5" name="Textplatzhalter 4"/>
+            <a:endParaRPr lang="en-US" dirty="0"/>
+          </a:p>
+        </p:txBody>
+      </p:sp>
+      <p:sp>
+        <p:nvSpPr>
+          <p:cNvPr id="5" name="Text Placeholder 4"/>
           <p:cNvSpPr>
             <a:spLocks noGrp="1"/>
           </p:cNvSpPr>
@@ -1494,16 +2062,22 @@
         </p:nvSpPr>
         <p:spPr>
           <a:xfrm>
-            <a:off x="6172200" y="1681163"/>
-            <a:ext cx="5183188" cy="823912"/>
+            <a:off x="5892800" y="1535113"/>
+            <a:ext cx="4876800" cy="639762"/>
           </a:xfrm>
         </p:spPr>
         <p:txBody>
-          <a:bodyPr anchor="b"/>
+          <a:bodyPr anchor="b">
+            <a:noAutofit/>
+          </a:bodyPr>
           <a:lstStyle>
-            <a:lvl1pPr marL="0" indent="0">
+            <a:lvl1pPr marL="0" indent="0" algn="ctr">
               <a:buNone/>
-              <a:defRPr sz="2400" b="1"/>
+              <a:defRPr sz="2000" b="1">
+                <a:solidFill>
+                  <a:schemeClr val="tx2"/>
+                </a:solidFill>
+              </a:defRPr>
             </a:lvl1pPr>
             <a:lvl2pPr marL="457200" indent="0">
               <a:buNone/>
@@ -1549,7 +2123,7 @@
       </p:sp>
       <p:sp>
         <p:nvSpPr>
-          <p:cNvPr id="6" name="Inhaltsplatzhalter 5"/>
+          <p:cNvPr id="6" name="Content Placeholder 5"/>
           <p:cNvSpPr>
             <a:spLocks noGrp="1"/>
           </p:cNvSpPr>
@@ -1559,13 +2133,41 @@
         </p:nvSpPr>
         <p:spPr>
           <a:xfrm>
-            <a:off x="6172200" y="2505075"/>
-            <a:ext cx="5183188" cy="3684588"/>
+            <a:off x="5892800" y="2174875"/>
+            <a:ext cx="4876800" cy="3951288"/>
           </a:xfrm>
         </p:spPr>
         <p:txBody>
           <a:bodyPr/>
-          <a:lstStyle/>
+          <a:lstStyle>
+            <a:lvl1pPr>
+              <a:defRPr sz="2400"/>
+            </a:lvl1pPr>
+            <a:lvl2pPr>
+              <a:defRPr sz="2000"/>
+            </a:lvl2pPr>
+            <a:lvl3pPr>
+              <a:defRPr sz="1800"/>
+            </a:lvl3pPr>
+            <a:lvl4pPr>
+              <a:defRPr sz="1600"/>
+            </a:lvl4pPr>
+            <a:lvl5pPr>
+              <a:defRPr sz="1600"/>
+            </a:lvl5pPr>
+            <a:lvl6pPr>
+              <a:defRPr sz="1600"/>
+            </a:lvl6pPr>
+            <a:lvl7pPr>
+              <a:defRPr sz="1600"/>
+            </a:lvl7pPr>
+            <a:lvl8pPr>
+              <a:defRPr sz="1600"/>
+            </a:lvl8pPr>
+            <a:lvl9pPr>
+              <a:defRPr sz="1600"/>
+            </a:lvl9pPr>
+          </a:lstStyle>
           <a:p>
             <a:pPr lvl="0"/>
             <a:r>
@@ -1600,13 +2202,13 @@
               <a:rPr lang="de-DE" smtClean="0"/>
               <a:t>Fünfte Ebene</a:t>
             </a:r>
-            <a:endParaRPr lang="de-AT"/>
-          </a:p>
-        </p:txBody>
-      </p:sp>
-      <p:sp>
-        <p:nvSpPr>
-          <p:cNvPr id="7" name="Datumsplatzhalter 6"/>
+            <a:endParaRPr lang="en-US"/>
+          </a:p>
+        </p:txBody>
+      </p:sp>
+      <p:sp>
+        <p:nvSpPr>
+          <p:cNvPr id="7" name="Date Placeholder 6"/>
           <p:cNvSpPr>
             <a:spLocks noGrp="1"/>
           </p:cNvSpPr>
@@ -1621,7 +2223,7 @@
           <a:p>
             <a:fld id="{77707964-7BC6-4715-8FEF-751851A67DFC}" type="datetimeFigureOut">
               <a:rPr lang="de-AT" smtClean="0"/>
-              <a:t>18.03.2015</a:t>
+              <a:t>08.04.2015</a:t>
             </a:fld>
             <a:endParaRPr lang="de-AT"/>
           </a:p>
@@ -1629,7 +2231,7 @@
       </p:sp>
       <p:sp>
         <p:nvSpPr>
-          <p:cNvPr id="8" name="Fußzeilenplatzhalter 7"/>
+          <p:cNvPr id="8" name="Footer Placeholder 7"/>
           <p:cNvSpPr>
             <a:spLocks noGrp="1"/>
           </p:cNvSpPr>
@@ -1648,7 +2250,7 @@
       </p:sp>
       <p:sp>
         <p:nvSpPr>
-          <p:cNvPr id="9" name="Foliennummernplatzhalter 8"/>
+          <p:cNvPr id="9" name="Slide Number Placeholder 8"/>
           <p:cNvSpPr>
             <a:spLocks noGrp="1"/>
           </p:cNvSpPr>
@@ -1670,11 +2272,6 @@
         </p:txBody>
       </p:sp>
     </p:spTree>
-    <p:extLst>
-      <p:ext uri="{BB962C8B-B14F-4D97-AF65-F5344CB8AC3E}">
-        <p14:creationId xmlns:p14="http://schemas.microsoft.com/office/powerpoint/2010/main" val="3994443980"/>
-      </p:ext>
-    </p:extLst>
   </p:cSld>
   <p:clrMapOvr>
     <a:masterClrMapping/>
@@ -1701,7 +2298,7 @@
       </p:grpSpPr>
       <p:sp>
         <p:nvSpPr>
-          <p:cNvPr id="2" name="Titel 1"/>
+          <p:cNvPr id="2" name="Title 1"/>
           <p:cNvSpPr>
             <a:spLocks noGrp="1"/>
           </p:cNvSpPr>
@@ -1718,13 +2315,13 @@
               <a:rPr lang="de-DE" smtClean="0"/>
               <a:t>Titelmasterformat durch Klicken bearbeiten</a:t>
             </a:r>
-            <a:endParaRPr lang="de-AT"/>
-          </a:p>
-        </p:txBody>
-      </p:sp>
-      <p:sp>
-        <p:nvSpPr>
-          <p:cNvPr id="3" name="Datumsplatzhalter 2"/>
+            <a:endParaRPr lang="en-US"/>
+          </a:p>
+        </p:txBody>
+      </p:sp>
+      <p:sp>
+        <p:nvSpPr>
+          <p:cNvPr id="3" name="Date Placeholder 2"/>
           <p:cNvSpPr>
             <a:spLocks noGrp="1"/>
           </p:cNvSpPr>
@@ -1739,7 +2336,7 @@
           <a:p>
             <a:fld id="{77707964-7BC6-4715-8FEF-751851A67DFC}" type="datetimeFigureOut">
               <a:rPr lang="de-AT" smtClean="0"/>
-              <a:t>18.03.2015</a:t>
+              <a:t>08.04.2015</a:t>
             </a:fld>
             <a:endParaRPr lang="de-AT"/>
           </a:p>
@@ -1747,7 +2344,7 @@
       </p:sp>
       <p:sp>
         <p:nvSpPr>
-          <p:cNvPr id="4" name="Fußzeilenplatzhalter 3"/>
+          <p:cNvPr id="4" name="Footer Placeholder 3"/>
           <p:cNvSpPr>
             <a:spLocks noGrp="1"/>
           </p:cNvSpPr>
@@ -1766,7 +2363,7 @@
       </p:sp>
       <p:sp>
         <p:nvSpPr>
-          <p:cNvPr id="5" name="Foliennummernplatzhalter 4"/>
+          <p:cNvPr id="5" name="Slide Number Placeholder 4"/>
           <p:cNvSpPr>
             <a:spLocks noGrp="1"/>
           </p:cNvSpPr>
@@ -1788,11 +2385,6 @@
         </p:txBody>
       </p:sp>
     </p:spTree>
-    <p:extLst>
-      <p:ext uri="{BB962C8B-B14F-4D97-AF65-F5344CB8AC3E}">
-        <p14:creationId xmlns:p14="http://schemas.microsoft.com/office/powerpoint/2010/main" val="1459290594"/>
-      </p:ext>
-    </p:extLst>
   </p:cSld>
   <p:clrMapOvr>
     <a:masterClrMapping/>
@@ -1819,7 +2411,7 @@
       </p:grpSpPr>
       <p:sp>
         <p:nvSpPr>
-          <p:cNvPr id="2" name="Datumsplatzhalter 1"/>
+          <p:cNvPr id="2" name="Date Placeholder 1"/>
           <p:cNvSpPr>
             <a:spLocks noGrp="1"/>
           </p:cNvSpPr>
@@ -1834,7 +2426,7 @@
           <a:p>
             <a:fld id="{77707964-7BC6-4715-8FEF-751851A67DFC}" type="datetimeFigureOut">
               <a:rPr lang="de-AT" smtClean="0"/>
-              <a:t>18.03.2015</a:t>
+              <a:t>08.04.2015</a:t>
             </a:fld>
             <a:endParaRPr lang="de-AT"/>
           </a:p>
@@ -1842,7 +2434,7 @@
       </p:sp>
       <p:sp>
         <p:nvSpPr>
-          <p:cNvPr id="3" name="Fußzeilenplatzhalter 2"/>
+          <p:cNvPr id="3" name="Footer Placeholder 2"/>
           <p:cNvSpPr>
             <a:spLocks noGrp="1"/>
           </p:cNvSpPr>
@@ -1861,7 +2453,7 @@
       </p:sp>
       <p:sp>
         <p:nvSpPr>
-          <p:cNvPr id="4" name="Foliennummernplatzhalter 3"/>
+          <p:cNvPr id="4" name="Slide Number Placeholder 3"/>
           <p:cNvSpPr>
             <a:spLocks noGrp="1"/>
           </p:cNvSpPr>
@@ -1883,11 +2475,6 @@
         </p:txBody>
       </p:sp>
     </p:spTree>
-    <p:extLst>
-      <p:ext uri="{BB962C8B-B14F-4D97-AF65-F5344CB8AC3E}">
-        <p14:creationId xmlns:p14="http://schemas.microsoft.com/office/powerpoint/2010/main" val="629532344"/>
-      </p:ext>
-    </p:extLst>
   </p:cSld>
   <p:clrMapOvr>
     <a:masterClrMapping/>
@@ -1914,7 +2501,7 @@
       </p:grpSpPr>
       <p:sp>
         <p:nvSpPr>
-          <p:cNvPr id="2" name="Titel 1"/>
+          <p:cNvPr id="2" name="Title 1"/>
           <p:cNvSpPr>
             <a:spLocks noGrp="1"/>
           </p:cNvSpPr>
@@ -1924,15 +2511,15 @@
         </p:nvSpPr>
         <p:spPr>
           <a:xfrm>
-            <a:off x="839788" y="457200"/>
-            <a:ext cx="3932237" cy="1600200"/>
+            <a:off x="406401" y="5495544"/>
+            <a:ext cx="10363200" cy="594360"/>
           </a:xfrm>
         </p:spPr>
         <p:txBody>
           <a:bodyPr anchor="b"/>
           <a:lstStyle>
-            <a:lvl1pPr>
-              <a:defRPr sz="3200"/>
+            <a:lvl1pPr algn="ctr">
+              <a:defRPr sz="2200" b="1"/>
             </a:lvl1pPr>
           </a:lstStyle>
           <a:p>
@@ -1940,149 +2527,66 @@
               <a:rPr lang="de-DE" smtClean="0"/>
               <a:t>Titelmasterformat durch Klicken bearbeiten</a:t>
             </a:r>
-            <a:endParaRPr lang="de-AT"/>
-          </a:p>
-        </p:txBody>
-      </p:sp>
-      <p:sp>
-        <p:nvSpPr>
-          <p:cNvPr id="3" name="Inhaltsplatzhalter 2"/>
-          <p:cNvSpPr>
-            <a:spLocks noGrp="1"/>
-          </p:cNvSpPr>
-          <p:nvPr>
-            <p:ph idx="1"/>
+            <a:endParaRPr lang="en-US" dirty="0"/>
+          </a:p>
+        </p:txBody>
+      </p:sp>
+      <p:sp>
+        <p:nvSpPr>
+          <p:cNvPr id="4" name="Text Placeholder 3"/>
+          <p:cNvSpPr>
+            <a:spLocks noGrp="1"/>
+          </p:cNvSpPr>
+          <p:nvPr>
+            <p:ph type="body" sz="half" idx="2"/>
           </p:nvPr>
         </p:nvSpPr>
         <p:spPr>
           <a:xfrm>
-            <a:off x="5183188" y="987425"/>
-            <a:ext cx="6172200" cy="4873625"/>
+            <a:off x="406400" y="6096000"/>
+            <a:ext cx="10363201" cy="609600"/>
           </a:xfrm>
         </p:spPr>
         <p:txBody>
-          <a:bodyPr/>
+          <a:bodyPr>
+            <a:normAutofit/>
+          </a:bodyPr>
           <a:lstStyle>
-            <a:lvl1pPr>
-              <a:defRPr sz="3200"/>
-            </a:lvl1pPr>
-            <a:lvl2pPr>
-              <a:defRPr sz="2800"/>
-            </a:lvl2pPr>
-            <a:lvl3pPr>
-              <a:defRPr sz="2400"/>
-            </a:lvl3pPr>
-            <a:lvl4pPr>
-              <a:defRPr sz="2000"/>
-            </a:lvl4pPr>
-            <a:lvl5pPr>
-              <a:defRPr sz="2000"/>
-            </a:lvl5pPr>
-            <a:lvl6pPr>
-              <a:defRPr sz="2000"/>
-            </a:lvl6pPr>
-            <a:lvl7pPr>
-              <a:defRPr sz="2000"/>
-            </a:lvl7pPr>
-            <a:lvl8pPr>
-              <a:defRPr sz="2000"/>
-            </a:lvl8pPr>
-            <a:lvl9pPr>
-              <a:defRPr sz="2000"/>
-            </a:lvl9pPr>
-          </a:lstStyle>
-          <a:p>
-            <a:pPr lvl="0"/>
-            <a:r>
-              <a:rPr lang="de-DE" smtClean="0"/>
-              <a:t>Textmasterformat bearbeiten</a:t>
-            </a:r>
-          </a:p>
-          <a:p>
-            <a:pPr lvl="1"/>
-            <a:r>
-              <a:rPr lang="de-DE" smtClean="0"/>
-              <a:t>Zweite Ebene</a:t>
-            </a:r>
-          </a:p>
-          <a:p>
-            <a:pPr lvl="2"/>
-            <a:r>
-              <a:rPr lang="de-DE" smtClean="0"/>
-              <a:t>Dritte Ebene</a:t>
-            </a:r>
-          </a:p>
-          <a:p>
-            <a:pPr lvl="3"/>
-            <a:r>
-              <a:rPr lang="de-DE" smtClean="0"/>
-              <a:t>Vierte Ebene</a:t>
-            </a:r>
-          </a:p>
-          <a:p>
-            <a:pPr lvl="4"/>
-            <a:r>
-              <a:rPr lang="de-DE" smtClean="0"/>
-              <a:t>Fünfte Ebene</a:t>
-            </a:r>
-            <a:endParaRPr lang="de-AT"/>
-          </a:p>
-        </p:txBody>
-      </p:sp>
-      <p:sp>
-        <p:nvSpPr>
-          <p:cNvPr id="4" name="Textplatzhalter 3"/>
-          <p:cNvSpPr>
-            <a:spLocks noGrp="1"/>
-          </p:cNvSpPr>
-          <p:nvPr>
-            <p:ph type="body" sz="half" idx="2"/>
-          </p:nvPr>
-        </p:nvSpPr>
-        <p:spPr>
-          <a:xfrm>
-            <a:off x="839788" y="2057400"/>
-            <a:ext cx="3932237" cy="3811588"/>
-          </a:xfrm>
-        </p:spPr>
-        <p:txBody>
-          <a:bodyPr/>
-          <a:lstStyle>
-            <a:lvl1pPr marL="0" indent="0">
+            <a:lvl1pPr marL="0" indent="0" algn="ctr">
               <a:buNone/>
               <a:defRPr sz="1600"/>
             </a:lvl1pPr>
             <a:lvl2pPr marL="457200" indent="0">
               <a:buNone/>
-              <a:defRPr sz="1400"/>
+              <a:defRPr sz="1200"/>
             </a:lvl2pPr>
             <a:lvl3pPr marL="914400" indent="0">
               <a:buNone/>
-              <a:defRPr sz="1200"/>
+              <a:defRPr sz="1000"/>
             </a:lvl3pPr>
             <a:lvl4pPr marL="1371600" indent="0">
               <a:buNone/>
-              <a:defRPr sz="1000"/>
+              <a:defRPr sz="900"/>
             </a:lvl4pPr>
             <a:lvl5pPr marL="1828800" indent="0">
               <a:buNone/>
-              <a:defRPr sz="1000"/>
+              <a:defRPr sz="900"/>
             </a:lvl5pPr>
             <a:lvl6pPr marL="2286000" indent="0">
               <a:buNone/>
-              <a:defRPr sz="1000"/>
+              <a:defRPr sz="900"/>
             </a:lvl6pPr>
             <a:lvl7pPr marL="2743200" indent="0">
               <a:buNone/>
-              <a:defRPr sz="1000"/>
+              <a:defRPr sz="900"/>
             </a:lvl7pPr>
             <a:lvl8pPr marL="3200400" indent="0">
               <a:buNone/>
-              <a:defRPr sz="1000"/>
+              <a:defRPr sz="900"/>
             </a:lvl8pPr>
             <a:lvl9pPr marL="3657600" indent="0">
               <a:buNone/>
-              <a:defRPr sz="1000"/>
+              <a:defRPr sz="900"/>
             </a:lvl9pPr>
           </a:lstStyle>
           <a:p>
@@ -2096,7 +2600,7 @@
       </p:sp>
       <p:sp>
         <p:nvSpPr>
-          <p:cNvPr id="5" name="Datumsplatzhalter 4"/>
+          <p:cNvPr id="5" name="Date Placeholder 4"/>
           <p:cNvSpPr>
             <a:spLocks noGrp="1"/>
           </p:cNvSpPr>
@@ -2111,7 +2615,7 @@
           <a:p>
             <a:fld id="{77707964-7BC6-4715-8FEF-751851A67DFC}" type="datetimeFigureOut">
               <a:rPr lang="de-AT" smtClean="0"/>
-              <a:t>18.03.2015</a:t>
+              <a:t>08.04.2015</a:t>
             </a:fld>
             <a:endParaRPr lang="de-AT"/>
           </a:p>
@@ -2119,7 +2623,7 @@
       </p:sp>
       <p:sp>
         <p:nvSpPr>
-          <p:cNvPr id="6" name="Fußzeilenplatzhalter 5"/>
+          <p:cNvPr id="6" name="Footer Placeholder 5"/>
           <p:cNvSpPr>
             <a:spLocks noGrp="1"/>
           </p:cNvSpPr>
@@ -2138,7 +2642,7 @@
       </p:sp>
       <p:sp>
         <p:nvSpPr>
-          <p:cNvPr id="7" name="Foliennummernplatzhalter 6"/>
+          <p:cNvPr id="7" name="Slide Number Placeholder 6"/>
           <p:cNvSpPr>
             <a:spLocks noGrp="1"/>
           </p:cNvSpPr>
@@ -2159,12 +2663,64 @@
           </a:p>
         </p:txBody>
       </p:sp>
+      <p:sp>
+        <p:nvSpPr>
+          <p:cNvPr id="9" name="Content Placeholder 8"/>
+          <p:cNvSpPr>
+            <a:spLocks noGrp="1"/>
+          </p:cNvSpPr>
+          <p:nvPr>
+            <p:ph sz="quarter" idx="13"/>
+          </p:nvPr>
+        </p:nvSpPr>
+        <p:spPr>
+          <a:xfrm>
+            <a:off x="406400" y="381000"/>
+            <a:ext cx="10363200" cy="4942840"/>
+          </a:xfrm>
+        </p:spPr>
+        <p:txBody>
+          <a:bodyPr/>
+          <a:lstStyle/>
+          <a:p>
+            <a:pPr lvl="0"/>
+            <a:r>
+              <a:rPr lang="de-DE" smtClean="0"/>
+              <a:t>Textmasterformat bearbeiten</a:t>
+            </a:r>
+          </a:p>
+          <a:p>
+            <a:pPr lvl="1"/>
+            <a:r>
+              <a:rPr lang="de-DE" smtClean="0"/>
+              <a:t>Zweite Ebene</a:t>
+            </a:r>
+          </a:p>
+          <a:p>
+            <a:pPr lvl="2"/>
+            <a:r>
+              <a:rPr lang="de-DE" smtClean="0"/>
+              <a:t>Dritte Ebene</a:t>
+            </a:r>
+          </a:p>
+          <a:p>
+            <a:pPr lvl="3"/>
+            <a:r>
+              <a:rPr lang="de-DE" smtClean="0"/>
+              <a:t>Vierte Ebene</a:t>
+            </a:r>
+          </a:p>
+          <a:p>
+            <a:pPr lvl="4"/>
+            <a:r>
+              <a:rPr lang="de-DE" smtClean="0"/>
+              <a:t>Fünfte Ebene</a:t>
+            </a:r>
+            <a:endParaRPr lang="en-US"/>
+          </a:p>
+        </p:txBody>
+      </p:sp>
     </p:spTree>
-    <p:extLst>
-      <p:ext uri="{BB962C8B-B14F-4D97-AF65-F5344CB8AC3E}">
-        <p14:creationId xmlns:p14="http://schemas.microsoft.com/office/powerpoint/2010/main" val="1419443760"/>
-      </p:ext>
-    </p:extLst>
   </p:cSld>
   <p:clrMapOvr>
     <a:masterClrMapping/>
@@ -2191,7 +2747,7 @@
       </p:grpSpPr>
       <p:sp>
         <p:nvSpPr>
-          <p:cNvPr id="2" name="Titel 1"/>
+          <p:cNvPr id="2" name="Title 1"/>
           <p:cNvSpPr>
             <a:spLocks noGrp="1"/>
           </p:cNvSpPr>
@@ -2201,15 +2757,22 @@
         </p:nvSpPr>
         <p:spPr>
           <a:xfrm>
-            <a:off x="839788" y="457200"/>
-            <a:ext cx="3932237" cy="1600200"/>
+            <a:off x="402336" y="5495278"/>
+            <a:ext cx="10363200" cy="594626"/>
           </a:xfrm>
         </p:spPr>
         <p:txBody>
           <a:bodyPr anchor="b"/>
           <a:lstStyle>
-            <a:lvl1pPr>
-              <a:defRPr sz="3200"/>
+            <a:lvl1pPr algn="ctr">
+              <a:defRPr sz="2200" b="1">
+                <a:ln>
+                  <a:noFill/>
+                </a:ln>
+                <a:solidFill>
+                  <a:schemeClr val="tx2"/>
+                </a:solidFill>
+              </a:defRPr>
             </a:lvl1pPr>
           </a:lstStyle>
           <a:p>
@@ -2217,13 +2780,13 @@
               <a:rPr lang="de-DE" smtClean="0"/>
               <a:t>Titelmasterformat durch Klicken bearbeiten</a:t>
             </a:r>
-            <a:endParaRPr lang="de-AT"/>
-          </a:p>
-        </p:txBody>
-      </p:sp>
-      <p:sp>
-        <p:nvSpPr>
-          <p:cNvPr id="3" name="Bildplatzhalter 2"/>
+            <a:endParaRPr lang="en-US" dirty="0"/>
+          </a:p>
+        </p:txBody>
+      </p:sp>
+      <p:sp>
+        <p:nvSpPr>
+          <p:cNvPr id="3" name="Picture Placeholder 2"/>
           <p:cNvSpPr>
             <a:spLocks noGrp="1"/>
           </p:cNvSpPr>
@@ -2233,8 +2796,8 @@
         </p:nvSpPr>
         <p:spPr>
           <a:xfrm>
-            <a:off x="5183188" y="987425"/>
-            <a:ext cx="6172200" cy="4873625"/>
+            <a:off x="0" y="0"/>
+            <a:ext cx="11277600" cy="5486400"/>
           </a:xfrm>
         </p:spPr>
         <p:txBody>
@@ -2278,13 +2841,17 @@
             </a:lvl9pPr>
           </a:lstStyle>
           <a:p>
-            <a:endParaRPr lang="de-AT"/>
-          </a:p>
-        </p:txBody>
-      </p:sp>
-      <p:sp>
-        <p:nvSpPr>
-          <p:cNvPr id="4" name="Textplatzhalter 3"/>
+            <a:r>
+              <a:rPr lang="de-DE" smtClean="0"/>
+              <a:t>Bild durch Klicken auf Symbol hinzufügen</a:t>
+            </a:r>
+            <a:endParaRPr lang="en-US" dirty="0"/>
+          </a:p>
+        </p:txBody>
+      </p:sp>
+      <p:sp>
+        <p:nvSpPr>
+          <p:cNvPr id="4" name="Text Placeholder 3"/>
           <p:cNvSpPr>
             <a:spLocks noGrp="1"/>
           </p:cNvSpPr>
@@ -2294,48 +2861,50 @@
         </p:nvSpPr>
         <p:spPr>
           <a:xfrm>
-            <a:off x="839788" y="2057400"/>
-            <a:ext cx="3932237" cy="3811588"/>
+            <a:off x="402336" y="6096000"/>
+            <a:ext cx="10363200" cy="612648"/>
           </a:xfrm>
         </p:spPr>
         <p:txBody>
-          <a:bodyPr/>
+          <a:bodyPr>
+            <a:normAutofit/>
+          </a:bodyPr>
           <a:lstStyle>
-            <a:lvl1pPr marL="0" indent="0">
+            <a:lvl1pPr marL="0" indent="0" algn="ctr">
               <a:buNone/>
               <a:defRPr sz="1600"/>
             </a:lvl1pPr>
             <a:lvl2pPr marL="457200" indent="0">
               <a:buNone/>
-              <a:defRPr sz="1400"/>
+              <a:defRPr sz="1200"/>
             </a:lvl2pPr>
             <a:lvl3pPr marL="914400" indent="0">
               <a:buNone/>
-              <a:defRPr sz="1200"/>
+              <a:defRPr sz="1000"/>
             </a:lvl3pPr>
             <a:lvl4pPr marL="1371600" indent="0">
               <a:buNone/>
-              <a:defRPr sz="1000"/>
+              <a:defRPr sz="900"/>
             </a:lvl4pPr>
             <a:lvl5pPr marL="1828800" indent="0">
               <a:buNone/>
-              <a:defRPr sz="1000"/>
+              <a:defRPr sz="900"/>
             </a:lvl5pPr>
             <a:lvl6pPr marL="2286000" indent="0">
               <a:buNone/>
-              <a:defRPr sz="1000"/>
+              <a:defRPr sz="900"/>
             </a:lvl6pPr>
             <a:lvl7pPr marL="2743200" indent="0">
               <a:buNone/>
-              <a:defRPr sz="1000"/>
+              <a:defRPr sz="900"/>
             </a:lvl7pPr>
             <a:lvl8pPr marL="3200400" indent="0">
               <a:buNone/>
-              <a:defRPr sz="1000"/>
+              <a:defRPr sz="900"/>
             </a:lvl8pPr>
             <a:lvl9pPr marL="3657600" indent="0">
               <a:buNone/>
-              <a:defRPr sz="1000"/>
+              <a:defRPr sz="900"/>
             </a:lvl9pPr>
           </a:lstStyle>
           <a:p>
@@ -2349,7 +2918,7 @@
       </p:sp>
       <p:sp>
         <p:nvSpPr>
-          <p:cNvPr id="5" name="Datumsplatzhalter 4"/>
+          <p:cNvPr id="8" name="Date Placeholder 7"/>
           <p:cNvSpPr>
             <a:spLocks noGrp="1"/>
           </p:cNvSpPr>
@@ -2364,7 +2933,7 @@
           <a:p>
             <a:fld id="{77707964-7BC6-4715-8FEF-751851A67DFC}" type="datetimeFigureOut">
               <a:rPr lang="de-AT" smtClean="0"/>
-              <a:t>18.03.2015</a:t>
+              <a:t>08.04.2015</a:t>
             </a:fld>
             <a:endParaRPr lang="de-AT"/>
           </a:p>
@@ -2372,31 +2941,12 @@
       </p:sp>
       <p:sp>
         <p:nvSpPr>
-          <p:cNvPr id="6" name="Fußzeilenplatzhalter 5"/>
-          <p:cNvSpPr>
-            <a:spLocks noGrp="1"/>
-          </p:cNvSpPr>
-          <p:nvPr>
-            <p:ph type="ftr" sz="quarter" idx="11"/>
-          </p:nvPr>
-        </p:nvSpPr>
-        <p:spPr/>
-        <p:txBody>
-          <a:bodyPr/>
-          <a:lstStyle/>
-          <a:p>
-            <a:endParaRPr lang="de-AT"/>
-          </a:p>
-        </p:txBody>
-      </p:sp>
-      <p:sp>
-        <p:nvSpPr>
-          <p:cNvPr id="7" name="Foliennummernplatzhalter 6"/>
-          <p:cNvSpPr>
-            <a:spLocks noGrp="1"/>
-          </p:cNvSpPr>
-          <p:nvPr>
-            <p:ph type="sldNum" sz="quarter" idx="12"/>
+          <p:cNvPr id="9" name="Slide Number Placeholder 8"/>
+          <p:cNvSpPr>
+            <a:spLocks noGrp="1"/>
+          </p:cNvSpPr>
+          <p:nvPr>
+            <p:ph type="sldNum" sz="quarter" idx="11"/>
           </p:nvPr>
         </p:nvSpPr>
         <p:spPr/>
@@ -2412,12 +2962,26 @@
           </a:p>
         </p:txBody>
       </p:sp>
+      <p:sp>
+        <p:nvSpPr>
+          <p:cNvPr id="10" name="Footer Placeholder 9"/>
+          <p:cNvSpPr>
+            <a:spLocks noGrp="1"/>
+          </p:cNvSpPr>
+          <p:nvPr>
+            <p:ph type="ftr" sz="quarter" idx="12"/>
+          </p:nvPr>
+        </p:nvSpPr>
+        <p:spPr/>
+        <p:txBody>
+          <a:bodyPr/>
+          <a:lstStyle/>
+          <a:p>
+            <a:endParaRPr lang="de-AT"/>
+          </a:p>
+        </p:txBody>
+      </p:sp>
     </p:spTree>
-    <p:extLst>
-      <p:ext uri="{BB962C8B-B14F-4D97-AF65-F5344CB8AC3E}">
-        <p14:creationId xmlns:p14="http://schemas.microsoft.com/office/powerpoint/2010/main" val="1450179666"/>
-      </p:ext>
-    </p:extLst>
   </p:cSld>
   <p:clrMapOvr>
     <a:masterClrMapping/>
@@ -2429,39 +2993,9 @@
 <p:sldMaster xmlns:a="http://schemas.openxmlformats.org/drawingml/2006/main" xmlns:r="http://schemas.openxmlformats.org/officeDocument/2006/relationships" xmlns:p="http://schemas.openxmlformats.org/presentationml/2006/main">
   <p:cSld>
     <p:bg>
-      <p:bgPr>
-        <a:gradFill flip="none" rotWithShape="1">
-          <a:gsLst>
-            <a:gs pos="0">
-              <a:schemeClr val="accent1">
-                <a:lumMod val="5000"/>
-                <a:lumOff val="95000"/>
-              </a:schemeClr>
-            </a:gs>
-            <a:gs pos="74000">
-              <a:schemeClr val="accent1">
-                <a:lumMod val="45000"/>
-                <a:lumOff val="55000"/>
-              </a:schemeClr>
-            </a:gs>
-            <a:gs pos="83000">
-              <a:schemeClr val="accent1">
-                <a:lumMod val="45000"/>
-                <a:lumOff val="55000"/>
-              </a:schemeClr>
-            </a:gs>
-            <a:gs pos="100000">
-              <a:schemeClr val="accent1">
-                <a:lumMod val="30000"/>
-                <a:lumOff val="70000"/>
-              </a:schemeClr>
-            </a:gs>
-          </a:gsLst>
-          <a:lin ang="5400000" scaled="1"/>
-          <a:tileRect/>
-        </a:gradFill>
-        <a:effectLst/>
-      </p:bgPr>
+      <p:bgRef idx="1002">
+        <a:schemeClr val="bg1"/>
+      </p:bgRef>
     </p:bg>
     <p:spTree>
       <p:nvGrpSpPr>
@@ -2479,7 +3013,7 @@
       </p:grpSpPr>
       <p:sp>
         <p:nvSpPr>
-          <p:cNvPr id="2" name="Titelplatzhalter 1"/>
+          <p:cNvPr id="2" name="Title Placeholder 1"/>
           <p:cNvSpPr>
             <a:spLocks noGrp="1"/>
           </p:cNvSpPr>
@@ -2489,8 +3023,8 @@
         </p:nvSpPr>
         <p:spPr>
           <a:xfrm>
-            <a:off x="838200" y="365125"/>
-            <a:ext cx="10515600" cy="1325563"/>
+            <a:off x="609600" y="274638"/>
+            <a:ext cx="10160000" cy="1143000"/>
           </a:xfrm>
           <a:prstGeom prst="rect">
             <a:avLst/>
@@ -2498,7 +3032,7 @@
         </p:spPr>
         <p:txBody>
           <a:bodyPr vert="horz" lIns="91440" tIns="45720" rIns="91440" bIns="45720" rtlCol="0" anchor="ctr">
-            <a:normAutofit/>
+            <a:noAutofit/>
           </a:bodyPr>
           <a:lstStyle/>
           <a:p>
@@ -2506,13 +3040,13 @@
               <a:rPr lang="de-DE" smtClean="0"/>
               <a:t>Titelmasterformat durch Klicken bearbeiten</a:t>
             </a:r>
-            <a:endParaRPr lang="de-AT"/>
-          </a:p>
-        </p:txBody>
-      </p:sp>
-      <p:sp>
-        <p:nvSpPr>
-          <p:cNvPr id="3" name="Textplatzhalter 2"/>
+            <a:endParaRPr lang="en-US" dirty="0"/>
+          </a:p>
+        </p:txBody>
+      </p:sp>
+      <p:sp>
+        <p:nvSpPr>
+          <p:cNvPr id="3" name="Text Placeholder 2"/>
           <p:cNvSpPr>
             <a:spLocks noGrp="1"/>
           </p:cNvSpPr>
@@ -2522,8 +3056,8 @@
         </p:nvSpPr>
         <p:spPr>
           <a:xfrm>
-            <a:off x="838200" y="1825625"/>
-            <a:ext cx="10515600" cy="4351338"/>
+            <a:off x="609600" y="1600200"/>
+            <a:ext cx="10160000" cy="4800600"/>
           </a:xfrm>
           <a:prstGeom prst="rect">
             <a:avLst/>
@@ -2568,24 +3102,162 @@
               <a:rPr lang="de-DE" smtClean="0"/>
               <a:t>Fünfte Ebene</a:t>
             </a:r>
-            <a:endParaRPr lang="de-AT"/>
-          </a:p>
-        </p:txBody>
-      </p:sp>
-      <p:sp>
-        <p:nvSpPr>
-          <p:cNvPr id="4" name="Datumsplatzhalter 3"/>
-          <p:cNvSpPr>
-            <a:spLocks noGrp="1"/>
-          </p:cNvSpPr>
-          <p:nvPr>
-            <p:ph type="dt" sz="half" idx="2"/>
-          </p:nvPr>
+            <a:endParaRPr lang="en-US" dirty="0"/>
+          </a:p>
+        </p:txBody>
+      </p:sp>
+      <p:sp>
+        <p:nvSpPr>
+          <p:cNvPr id="7" name="Rectangle 6"/>
+          <p:cNvSpPr/>
+          <p:nvPr/>
         </p:nvSpPr>
         <p:spPr>
           <a:xfrm>
-            <a:off x="838200" y="6356350"/>
-            <a:ext cx="2743200" cy="365125"/>
+            <a:off x="11277600" y="0"/>
+            <a:ext cx="914400" cy="6858000"/>
+          </a:xfrm>
+          <a:prstGeom prst="rect">
+            <a:avLst/>
+          </a:prstGeom>
+          <a:solidFill>
+            <a:schemeClr val="tx2"/>
+          </a:solidFill>
+          <a:ln>
+            <a:noFill/>
+          </a:ln>
+        </p:spPr>
+        <p:style>
+          <a:lnRef idx="2">
+            <a:schemeClr val="accent1">
+              <a:shade val="50000"/>
+            </a:schemeClr>
+          </a:lnRef>
+          <a:fillRef idx="1">
+            <a:schemeClr val="accent1"/>
+          </a:fillRef>
+          <a:effectRef idx="0">
+            <a:schemeClr val="accent1"/>
+          </a:effectRef>
+          <a:fontRef idx="minor">
+            <a:schemeClr val="lt1"/>
+          </a:fontRef>
+        </p:style>
+        <p:txBody>
+          <a:bodyPr rtlCol="0" anchor="ctr"/>
+          <a:lstStyle/>
+          <a:p>
+            <a:pPr algn="ctr"/>
+            <a:endParaRPr lang="en-US"/>
+          </a:p>
+        </p:txBody>
+      </p:sp>
+      <p:sp>
+        <p:nvSpPr>
+          <p:cNvPr id="8" name="Rectangle 7"/>
+          <p:cNvSpPr/>
+          <p:nvPr/>
+        </p:nvSpPr>
+        <p:spPr>
+          <a:xfrm>
+            <a:off x="11277600" y="5486400"/>
+            <a:ext cx="914400" cy="685800"/>
+          </a:xfrm>
+          <a:prstGeom prst="rect">
+            <a:avLst/>
+          </a:prstGeom>
+          <a:solidFill>
+            <a:schemeClr val="accent1"/>
+          </a:solidFill>
+          <a:ln>
+            <a:noFill/>
+          </a:ln>
+        </p:spPr>
+        <p:style>
+          <a:lnRef idx="2">
+            <a:schemeClr val="accent1">
+              <a:shade val="50000"/>
+            </a:schemeClr>
+          </a:lnRef>
+          <a:fillRef idx="1">
+            <a:schemeClr val="accent1"/>
+          </a:fillRef>
+          <a:effectRef idx="0">
+            <a:schemeClr val="accent1"/>
+          </a:effectRef>
+          <a:fontRef idx="minor">
+            <a:schemeClr val="lt1"/>
+          </a:fontRef>
+        </p:style>
+        <p:txBody>
+          <a:bodyPr rtlCol="0" anchor="ctr"/>
+          <a:lstStyle/>
+          <a:p>
+            <a:pPr algn="ctr"/>
+            <a:endParaRPr lang="en-US"/>
+          </a:p>
+        </p:txBody>
+      </p:sp>
+      <p:sp>
+        <p:nvSpPr>
+          <p:cNvPr id="6" name="Slide Number Placeholder 5"/>
+          <p:cNvSpPr>
+            <a:spLocks noGrp="1"/>
+          </p:cNvSpPr>
+          <p:nvPr>
+            <p:ph type="sldNum" sz="quarter" idx="4"/>
+          </p:nvPr>
+        </p:nvSpPr>
+        <p:spPr>
+          <a:xfrm>
+            <a:off x="11375717" y="5648960"/>
+            <a:ext cx="731520" cy="396240"/>
+          </a:xfrm>
+          <a:prstGeom prst="bracketPair">
+            <a:avLst>
+              <a:gd name="adj" fmla="val 17949"/>
+            </a:avLst>
+          </a:prstGeom>
+          <a:ln w="19050">
+            <a:solidFill>
+              <a:srgbClr val="FFFFFF"/>
+            </a:solidFill>
+          </a:ln>
+        </p:spPr>
+        <p:txBody>
+          <a:bodyPr vert="horz" lIns="0" tIns="0" rIns="0" bIns="0" rtlCol="0" anchor="ctr"/>
+          <a:lstStyle>
+            <a:lvl1pPr algn="ctr">
+              <a:defRPr sz="1800">
+                <a:solidFill>
+                  <a:srgbClr val="FFFFFF"/>
+                </a:solidFill>
+              </a:defRPr>
+            </a:lvl1pPr>
+          </a:lstStyle>
+          <a:p>
+            <a:fld id="{60F81DCE-29A8-405C-9E76-CFBF6A4929DF}" type="slidenum">
+              <a:rPr lang="de-AT" smtClean="0"/>
+              <a:t>‹Nr.›</a:t>
+            </a:fld>
+            <a:endParaRPr lang="de-AT"/>
+          </a:p>
+        </p:txBody>
+      </p:sp>
+      <p:sp>
+        <p:nvSpPr>
+          <p:cNvPr id="5" name="Footer Placeholder 4"/>
+          <p:cNvSpPr>
+            <a:spLocks noGrp="1"/>
+          </p:cNvSpPr>
+          <p:nvPr>
+            <p:ph type="ftr" sz="quarter" idx="3"/>
+          </p:nvPr>
+        </p:nvSpPr>
+        <p:spPr>
+          <a:xfrm rot="16200000">
+            <a:off x="10510428" y="3987800"/>
+            <a:ext cx="2367281" cy="487680"/>
           </a:xfrm>
           <a:prstGeom prst="rect">
             <a:avLst/>
@@ -2594,39 +3266,33 @@
         <p:txBody>
           <a:bodyPr vert="horz" lIns="91440" tIns="45720" rIns="91440" bIns="45720" rtlCol="0" anchor="ctr"/>
           <a:lstStyle>
-            <a:lvl1pPr algn="l">
+            <a:lvl1pPr algn="r">
               <a:defRPr sz="1200">
                 <a:solidFill>
-                  <a:schemeClr val="tx1">
-                    <a:tint val="75000"/>
-                  </a:schemeClr>
+                  <a:schemeClr val="bg2"/>
                 </a:solidFill>
               </a:defRPr>
             </a:lvl1pPr>
           </a:lstStyle>
           <a:p>
-            <a:fld id="{77707964-7BC6-4715-8FEF-751851A67DFC}" type="datetimeFigureOut">
-              <a:rPr lang="de-AT" smtClean="0"/>
-              <a:t>18.03.2015</a:t>
-            </a:fld>
             <a:endParaRPr lang="de-AT"/>
           </a:p>
         </p:txBody>
       </p:sp>
       <p:sp>
         <p:nvSpPr>
-          <p:cNvPr id="5" name="Fußzeilenplatzhalter 4"/>
-          <p:cNvSpPr>
-            <a:spLocks noGrp="1"/>
-          </p:cNvSpPr>
-          <p:nvPr>
-            <p:ph type="ftr" sz="quarter" idx="3"/>
+          <p:cNvPr id="4" name="Date Placeholder 3"/>
+          <p:cNvSpPr>
+            <a:spLocks noGrp="1"/>
+          </p:cNvSpPr>
+          <p:nvPr>
+            <p:ph type="dt" sz="half" idx="2"/>
           </p:nvPr>
         </p:nvSpPr>
         <p:spPr>
-          <a:xfrm>
-            <a:off x="4038600" y="6356350"/>
-            <a:ext cx="4114800" cy="365125"/>
+          <a:xfrm rot="16200000">
+            <a:off x="10474869" y="1584960"/>
+            <a:ext cx="2438399" cy="487680"/>
           </a:xfrm>
           <a:prstGeom prst="rect">
             <a:avLst/>
@@ -2635,97 +3301,54 @@
         <p:txBody>
           <a:bodyPr vert="horz" lIns="91440" tIns="45720" rIns="91440" bIns="45720" rtlCol="0" anchor="ctr"/>
           <a:lstStyle>
-            <a:lvl1pPr algn="ctr">
+            <a:lvl1pPr algn="l">
               <a:defRPr sz="1200">
                 <a:solidFill>
-                  <a:schemeClr val="tx1">
-                    <a:tint val="75000"/>
-                  </a:schemeClr>
+                  <a:schemeClr val="bg2"/>
                 </a:solidFill>
               </a:defRPr>
             </a:lvl1pPr>
           </a:lstStyle>
           <a:p>
-            <a:endParaRPr lang="de-AT"/>
-          </a:p>
-        </p:txBody>
-      </p:sp>
-      <p:sp>
-        <p:nvSpPr>
-          <p:cNvPr id="6" name="Foliennummernplatzhalter 5"/>
-          <p:cNvSpPr>
-            <a:spLocks noGrp="1"/>
-          </p:cNvSpPr>
-          <p:nvPr>
-            <p:ph type="sldNum" sz="quarter" idx="4"/>
-          </p:nvPr>
-        </p:nvSpPr>
-        <p:spPr>
-          <a:xfrm>
-            <a:off x="8610600" y="6356350"/>
-            <a:ext cx="2743200" cy="365125"/>
-          </a:xfrm>
-          <a:prstGeom prst="rect">
-            <a:avLst/>
-          </a:prstGeom>
-        </p:spPr>
-        <p:txBody>
-          <a:bodyPr vert="horz" lIns="91440" tIns="45720" rIns="91440" bIns="45720" rtlCol="0" anchor="ctr"/>
-          <a:lstStyle>
-            <a:lvl1pPr algn="r">
-              <a:defRPr sz="1200">
-                <a:solidFill>
-                  <a:schemeClr val="tx1">
-                    <a:tint val="75000"/>
-                  </a:schemeClr>
-                </a:solidFill>
-              </a:defRPr>
-            </a:lvl1pPr>
-          </a:lstStyle>
-          <a:p>
-            <a:fld id="{60F81DCE-29A8-405C-9E76-CFBF6A4929DF}" type="slidenum">
+            <a:fld id="{77707964-7BC6-4715-8FEF-751851A67DFC}" type="datetimeFigureOut">
               <a:rPr lang="de-AT" smtClean="0"/>
-              <a:t>‹Nr.›</a:t>
+              <a:t>08.04.2015</a:t>
             </a:fld>
             <a:endParaRPr lang="de-AT"/>
           </a:p>
         </p:txBody>
       </p:sp>
     </p:spTree>
-    <p:extLst>
-      <p:ext uri="{BB962C8B-B14F-4D97-AF65-F5344CB8AC3E}">
-        <p14:creationId xmlns:p14="http://schemas.microsoft.com/office/powerpoint/2010/main" val="1847733954"/>
-      </p:ext>
-    </p:extLst>
   </p:cSld>
   <p:clrMap bg1="lt1" tx1="dk1" bg2="lt2" tx2="dk2" accent1="accent1" accent2="accent2" accent3="accent3" accent4="accent4" accent5="accent5" accent6="accent6" hlink="hlink" folHlink="folHlink"/>
   <p:sldLayoutIdLst>
-    <p:sldLayoutId id="2147483649" r:id="rId1"/>
-    <p:sldLayoutId id="2147483650" r:id="rId2"/>
-    <p:sldLayoutId id="2147483651" r:id="rId3"/>
-    <p:sldLayoutId id="2147483652" r:id="rId4"/>
-    <p:sldLayoutId id="2147483653" r:id="rId5"/>
-    <p:sldLayoutId id="2147483654" r:id="rId6"/>
-    <p:sldLayoutId id="2147483655" r:id="rId7"/>
-    <p:sldLayoutId id="2147483656" r:id="rId8"/>
-    <p:sldLayoutId id="2147483657" r:id="rId9"/>
-    <p:sldLayoutId id="2147483658" r:id="rId10"/>
-    <p:sldLayoutId id="2147483659" r:id="rId11"/>
+    <p:sldLayoutId id="2147483769" r:id="rId1"/>
+    <p:sldLayoutId id="2147483770" r:id="rId2"/>
+    <p:sldLayoutId id="2147483771" r:id="rId3"/>
+    <p:sldLayoutId id="2147483772" r:id="rId4"/>
+    <p:sldLayoutId id="2147483773" r:id="rId5"/>
+    <p:sldLayoutId id="2147483774" r:id="rId6"/>
+    <p:sldLayoutId id="2147483775" r:id="rId7"/>
+    <p:sldLayoutId id="2147483776" r:id="rId8"/>
+    <p:sldLayoutId id="2147483777" r:id="rId9"/>
+    <p:sldLayoutId id="2147483778" r:id="rId10"/>
+    <p:sldLayoutId id="2147483779" r:id="rId11"/>
   </p:sldLayoutIdLst>
   <p:txStyles>
     <p:titleStyle>
       <a:lvl1pPr algn="l" defTabSz="914400" rtl="0" eaLnBrk="1" latinLnBrk="0" hangingPunct="1">
-        <a:lnSpc>
-          <a:spcPct val="90000"/>
-        </a:lnSpc>
         <a:spcBef>
           <a:spcPct val="0"/>
         </a:spcBef>
         <a:buNone/>
-        <a:defRPr sz="4400" kern="1200">
+        <a:defRPr sz="4600" kern="1200" cap="none" spc="-100" baseline="0">
+          <a:ln>
+            <a:noFill/>
+          </a:ln>
           <a:solidFill>
-            <a:schemeClr val="tx1"/>
+            <a:schemeClr val="tx2"/>
           </a:solidFill>
+          <a:effectLst/>
           <a:latin typeface="+mj-lt"/>
           <a:ea typeface="+mj-ea"/>
           <a:cs typeface="+mj-cs"/>
@@ -2733,16 +3356,16 @@
       </a:lvl1pPr>
     </p:titleStyle>
     <p:bodyStyle>
-      <a:lvl1pPr marL="228600" indent="-228600" algn="l" defTabSz="914400" rtl="0" eaLnBrk="1" latinLnBrk="0" hangingPunct="1">
-        <a:lnSpc>
-          <a:spcPct val="90000"/>
-        </a:lnSpc>
+      <a:lvl1pPr marL="342900" indent="-228600" algn="l" defTabSz="914400" rtl="0" eaLnBrk="1" latinLnBrk="0" hangingPunct="1">
         <a:spcBef>
-          <a:spcPts val="1000"/>
+          <a:spcPct val="20000"/>
         </a:spcBef>
-        <a:buFont typeface="Arial" panose="020B0604020202020204" pitchFamily="34" charset="0"/>
+        <a:buClr>
+          <a:schemeClr val="accent1"/>
+        </a:buClr>
+        <a:buFont typeface="Arial" pitchFamily="34" charset="0"/>
         <a:buChar char="•"/>
-        <a:defRPr sz="2800" kern="1200">
+        <a:defRPr sz="2200" kern="1200">
           <a:solidFill>
             <a:schemeClr val="tx1"/>
           </a:solidFill>
@@ -2751,32 +3374,14 @@
           <a:cs typeface="+mn-cs"/>
         </a:defRPr>
       </a:lvl1pPr>
-      <a:lvl2pPr marL="685800" indent="-228600" algn="l" defTabSz="914400" rtl="0" eaLnBrk="1" latinLnBrk="0" hangingPunct="1">
-        <a:lnSpc>
-          <a:spcPct val="90000"/>
-        </a:lnSpc>
+      <a:lvl2pPr marL="640080" indent="-228600" algn="l" defTabSz="914400" rtl="0" eaLnBrk="1" latinLnBrk="0" hangingPunct="1">
         <a:spcBef>
-          <a:spcPts val="500"/>
+          <a:spcPct val="20000"/>
         </a:spcBef>
-        <a:buFont typeface="Arial" panose="020B0604020202020204" pitchFamily="34" charset="0"/>
-        <a:buChar char="•"/>
-        <a:defRPr sz="2400" kern="1200">
-          <a:solidFill>
-            <a:schemeClr val="tx1"/>
-          </a:solidFill>
-          <a:latin typeface="+mn-lt"/>
-          <a:ea typeface="+mn-ea"/>
-          <a:cs typeface="+mn-cs"/>
-        </a:defRPr>
-      </a:lvl2pPr>
-      <a:lvl3pPr marL="1143000" indent="-228600" algn="l" defTabSz="914400" rtl="0" eaLnBrk="1" latinLnBrk="0" hangingPunct="1">
-        <a:lnSpc>
-          <a:spcPct val="90000"/>
-        </a:lnSpc>
-        <a:spcBef>
-          <a:spcPts val="500"/>
-        </a:spcBef>
-        <a:buFont typeface="Arial" panose="020B0604020202020204" pitchFamily="34" charset="0"/>
+        <a:buClr>
+          <a:schemeClr val="accent2"/>
+        </a:buClr>
+        <a:buFont typeface="Arial" pitchFamily="34" charset="0"/>
         <a:buChar char="•"/>
         <a:defRPr sz="2000" kern="1200">
           <a:solidFill>
@@ -2786,15 +3391,15 @@
           <a:ea typeface="+mn-ea"/>
           <a:cs typeface="+mn-cs"/>
         </a:defRPr>
-      </a:lvl3pPr>
-      <a:lvl4pPr marL="1600200" indent="-228600" algn="l" defTabSz="914400" rtl="0" eaLnBrk="1" latinLnBrk="0" hangingPunct="1">
-        <a:lnSpc>
-          <a:spcPct val="90000"/>
-        </a:lnSpc>
+      </a:lvl2pPr>
+      <a:lvl3pPr marL="1005840" indent="-228600" algn="l" defTabSz="914400" rtl="0" eaLnBrk="1" latinLnBrk="0" hangingPunct="1">
         <a:spcBef>
-          <a:spcPts val="500"/>
+          <a:spcPct val="20000"/>
         </a:spcBef>
-        <a:buFont typeface="Arial" panose="020B0604020202020204" pitchFamily="34" charset="0"/>
+        <a:buClr>
+          <a:schemeClr val="accent3"/>
+        </a:buClr>
+        <a:buFont typeface="Arial" pitchFamily="34" charset="0"/>
         <a:buChar char="•"/>
         <a:defRPr sz="1800" kern="1200">
           <a:solidFill>
@@ -2804,17 +3409,35 @@
           <a:ea typeface="+mn-ea"/>
           <a:cs typeface="+mn-cs"/>
         </a:defRPr>
+      </a:lvl3pPr>
+      <a:lvl4pPr marL="1280160" indent="-228600" algn="l" defTabSz="914400" rtl="0" eaLnBrk="1" latinLnBrk="0" hangingPunct="1">
+        <a:spcBef>
+          <a:spcPct val="20000"/>
+        </a:spcBef>
+        <a:buClr>
+          <a:schemeClr val="accent4"/>
+        </a:buClr>
+        <a:buFont typeface="Arial" pitchFamily="34" charset="0"/>
+        <a:buChar char="•"/>
+        <a:defRPr sz="1600" kern="1200">
+          <a:solidFill>
+            <a:schemeClr val="tx1"/>
+          </a:solidFill>
+          <a:latin typeface="+mn-lt"/>
+          <a:ea typeface="+mn-ea"/>
+          <a:cs typeface="+mn-cs"/>
+        </a:defRPr>
       </a:lvl4pPr>
-      <a:lvl5pPr marL="2057400" indent="-228600" algn="l" defTabSz="914400" rtl="0" eaLnBrk="1" latinLnBrk="0" hangingPunct="1">
-        <a:lnSpc>
-          <a:spcPct val="90000"/>
-        </a:lnSpc>
+      <a:lvl5pPr marL="1554480" indent="-228600" algn="l" defTabSz="914400" rtl="0" eaLnBrk="1" latinLnBrk="0" hangingPunct="1">
         <a:spcBef>
-          <a:spcPts val="500"/>
+          <a:spcPct val="20000"/>
         </a:spcBef>
-        <a:buFont typeface="Arial" panose="020B0604020202020204" pitchFamily="34" charset="0"/>
+        <a:buClr>
+          <a:schemeClr val="accent5"/>
+        </a:buClr>
+        <a:buFont typeface="Arial" pitchFamily="34" charset="0"/>
         <a:buChar char="•"/>
-        <a:defRPr sz="1800" kern="1200">
+        <a:defRPr sz="1400" kern="1200" baseline="0">
           <a:solidFill>
             <a:schemeClr val="tx1"/>
           </a:solidFill>
@@ -2823,16 +3446,16 @@
           <a:cs typeface="+mn-cs"/>
         </a:defRPr>
       </a:lvl5pPr>
-      <a:lvl6pPr marL="2514600" indent="-228600" algn="l" defTabSz="914400" rtl="0" eaLnBrk="1" latinLnBrk="0" hangingPunct="1">
-        <a:lnSpc>
-          <a:spcPct val="90000"/>
-        </a:lnSpc>
+      <a:lvl6pPr marL="1737360" indent="-182880" algn="l" defTabSz="914400" rtl="0" eaLnBrk="1" latinLnBrk="0" hangingPunct="1">
         <a:spcBef>
-          <a:spcPts val="500"/>
+          <a:spcPct val="20000"/>
         </a:spcBef>
-        <a:buFont typeface="Arial" panose="020B0604020202020204" pitchFamily="34" charset="0"/>
+        <a:buClr>
+          <a:schemeClr val="accent1"/>
+        </a:buClr>
+        <a:buFont typeface="Arial" pitchFamily="34" charset="0"/>
         <a:buChar char="•"/>
-        <a:defRPr sz="1800" kern="1200">
+        <a:defRPr sz="1400" kern="1200" baseline="0">
           <a:solidFill>
             <a:schemeClr val="tx1"/>
           </a:solidFill>
@@ -2841,16 +3464,16 @@
           <a:cs typeface="+mn-cs"/>
         </a:defRPr>
       </a:lvl6pPr>
-      <a:lvl7pPr marL="2971800" indent="-228600" algn="l" defTabSz="914400" rtl="0" eaLnBrk="1" latinLnBrk="0" hangingPunct="1">
-        <a:lnSpc>
-          <a:spcPct val="90000"/>
-        </a:lnSpc>
+      <a:lvl7pPr marL="1920240" indent="-182880" algn="l" defTabSz="914400" rtl="0" eaLnBrk="1" latinLnBrk="0" hangingPunct="1">
         <a:spcBef>
-          <a:spcPts val="500"/>
+          <a:spcPct val="20000"/>
         </a:spcBef>
-        <a:buFont typeface="Arial" panose="020B0604020202020204" pitchFamily="34" charset="0"/>
+        <a:buClr>
+          <a:schemeClr val="accent2"/>
+        </a:buClr>
+        <a:buFont typeface="Arial" pitchFamily="34" charset="0"/>
         <a:buChar char="•"/>
-        <a:defRPr sz="1800" kern="1200">
+        <a:defRPr sz="1400" kern="1200">
           <a:solidFill>
             <a:schemeClr val="tx1"/>
           </a:solidFill>
@@ -2859,16 +3482,16 @@
           <a:cs typeface="+mn-cs"/>
         </a:defRPr>
       </a:lvl7pPr>
-      <a:lvl8pPr marL="3429000" indent="-228600" algn="l" defTabSz="914400" rtl="0" eaLnBrk="1" latinLnBrk="0" hangingPunct="1">
-        <a:lnSpc>
-          <a:spcPct val="90000"/>
-        </a:lnSpc>
+      <a:lvl8pPr marL="2103120" indent="-182880" algn="l" defTabSz="914400" rtl="0" eaLnBrk="1" latinLnBrk="0" hangingPunct="1">
         <a:spcBef>
-          <a:spcPts val="500"/>
+          <a:spcPct val="20000"/>
         </a:spcBef>
-        <a:buFont typeface="Arial" panose="020B0604020202020204" pitchFamily="34" charset="0"/>
+        <a:buClr>
+          <a:schemeClr val="accent3"/>
+        </a:buClr>
+        <a:buFont typeface="Arial" pitchFamily="34" charset="0"/>
         <a:buChar char="•"/>
-        <a:defRPr sz="1800" kern="1200">
+        <a:defRPr sz="1400" kern="1200">
           <a:solidFill>
             <a:schemeClr val="tx1"/>
           </a:solidFill>
@@ -2877,16 +3500,16 @@
           <a:cs typeface="+mn-cs"/>
         </a:defRPr>
       </a:lvl8pPr>
-      <a:lvl9pPr marL="3886200" indent="-228600" algn="l" defTabSz="914400" rtl="0" eaLnBrk="1" latinLnBrk="0" hangingPunct="1">
-        <a:lnSpc>
-          <a:spcPct val="90000"/>
-        </a:lnSpc>
+      <a:lvl9pPr marL="2286000" indent="-182880" algn="l" defTabSz="914400" rtl="0" eaLnBrk="1" latinLnBrk="0" hangingPunct="1">
         <a:spcBef>
-          <a:spcPts val="500"/>
+          <a:spcPct val="20000"/>
         </a:spcBef>
-        <a:buFont typeface="Arial" panose="020B0604020202020204" pitchFamily="34" charset="0"/>
+        <a:buClr>
+          <a:schemeClr val="accent4"/>
+        </a:buClr>
+        <a:buFont typeface="Arial" pitchFamily="34" charset="0"/>
         <a:buChar char="•"/>
-        <a:defRPr sz="1800" kern="1200">
+        <a:defRPr sz="1400" kern="1200">
           <a:solidFill>
             <a:schemeClr val="tx1"/>
           </a:solidFill>
@@ -2898,7 +3521,7 @@
     </p:bodyStyle>
     <p:otherStyle>
       <a:defPPr>
-        <a:defRPr lang="de-DE"/>
+        <a:defRPr lang="en-US"/>
       </a:defPPr>
       <a:lvl1pPr marL="0" algn="l" defTabSz="914400" rtl="0" eaLnBrk="1" latinLnBrk="0" hangingPunct="1">
         <a:defRPr sz="1800" kern="1200">
@@ -3064,7 +3687,7 @@
         </p:spPr>
         <p:txBody>
           <a:bodyPr>
-            <a:normAutofit lnSpcReduction="10000"/>
+            <a:normAutofit/>
           </a:bodyPr>
           <a:lstStyle/>
           <a:p>
@@ -3199,70 +3822,51 @@
           <a:bodyPr/>
           <a:lstStyle/>
           <a:p>
+            <a:endParaRPr lang="de-AT" dirty="0" smtClean="0"/>
+          </a:p>
+          <a:p>
+            <a:endParaRPr lang="de-AT" dirty="0"/>
+          </a:p>
+          <a:p>
             <a:r>
               <a:rPr lang="de-AT" dirty="0" smtClean="0"/>
-              <a:t>Ist ein Mikrocontroller</a:t>
-            </a:r>
-          </a:p>
-          <a:p>
+              <a:t>Bildet </a:t>
+            </a:r>
             <a:r>
               <a:rPr lang="de-AT" dirty="0" smtClean="0"/>
-              <a:t>Bildet die Steuerungseinheit des Roboters</a:t>
-            </a:r>
-          </a:p>
-          <a:p>
+              <a:t>die Steuerungseinheit des </a:t>
+            </a:r>
             <a:r>
               <a:rPr lang="de-AT" dirty="0" smtClean="0"/>
-              <a:t>An </a:t>
-            </a:r>
-            <a:r>
-              <a:rPr lang="de-AT" dirty="0" err="1" smtClean="0"/>
-              <a:t>Arduino</a:t>
-            </a:r>
+              <a:t>Roboters</a:t>
+            </a:r>
+          </a:p>
+          <a:p>
+            <a:endParaRPr lang="de-AT" dirty="0" smtClean="0"/>
+          </a:p>
+          <a:p>
             <a:r>
               <a:rPr lang="de-AT" dirty="0" smtClean="0"/>
-              <a:t> werden Bewegungsdaten der Hand gesendet</a:t>
-            </a:r>
+              <a:t>Nimmt Daten entgegen</a:t>
+            </a:r>
+          </a:p>
+          <a:p>
             <a:endParaRPr lang="de-AT" dirty="0"/>
           </a:p>
           <a:p>
-            <a:pPr lvl="1"/>
             <a:r>
               <a:rPr lang="de-AT" dirty="0" smtClean="0"/>
-              <a:t>Eingelesen von </a:t>
-            </a:r>
-            <a:r>
-              <a:rPr lang="de-AT" dirty="0" err="1" smtClean="0"/>
-              <a:t>LeapMotion</a:t>
+              <a:t>Wandelt </a:t>
+            </a:r>
+            <a:r>
+              <a:rPr lang="de-AT" dirty="0" smtClean="0"/>
+              <a:t>Daten in Steuersignale für Motoren </a:t>
+            </a:r>
+            <a:r>
+              <a:rPr lang="de-AT" dirty="0" smtClean="0"/>
+              <a:t>um</a:t>
             </a:r>
             <a:endParaRPr lang="de-AT" dirty="0" smtClean="0"/>
-          </a:p>
-          <a:p>
-            <a:pPr lvl="1"/>
-            <a:r>
-              <a:rPr lang="de-AT" dirty="0" smtClean="0"/>
-              <a:t>Gesendet über Bluetooth</a:t>
-            </a:r>
-          </a:p>
-          <a:p>
-            <a:r>
-              <a:rPr lang="de-AT" dirty="0" smtClean="0"/>
-              <a:t>Wandelt Daten in Steuersignale für Motoren um</a:t>
-            </a:r>
-          </a:p>
-          <a:p>
-            <a:r>
-              <a:rPr lang="de-AT" dirty="0" smtClean="0"/>
-              <a:t>Gibt Steuersignale an </a:t>
-            </a:r>
-            <a:r>
-              <a:rPr lang="de-AT" dirty="0" err="1" smtClean="0"/>
-              <a:t>Motorshield</a:t>
-            </a:r>
-            <a:r>
-              <a:rPr lang="de-AT" dirty="0" smtClean="0"/>
-              <a:t> weiter </a:t>
-            </a:r>
           </a:p>
         </p:txBody>
       </p:sp>
@@ -3323,20 +3927,6 @@
                 <a:latin typeface="Aharoni" panose="02010803020104030203" pitchFamily="2" charset="-79"/>
                 <a:cs typeface="Aharoni" panose="02010803020104030203" pitchFamily="2" charset="-79"/>
               </a:rPr>
-              <a:t>Arduino</a:t>
-            </a:r>
-            <a:r>
-              <a:rPr lang="de-AT" b="1" dirty="0" smtClean="0">
-                <a:latin typeface="Aharoni" panose="02010803020104030203" pitchFamily="2" charset="-79"/>
-                <a:cs typeface="Aharoni" panose="02010803020104030203" pitchFamily="2" charset="-79"/>
-              </a:rPr>
-              <a:t> – </a:t>
-            </a:r>
-            <a:r>
-              <a:rPr lang="de-AT" b="1" dirty="0" err="1" smtClean="0">
-                <a:latin typeface="Aharoni" panose="02010803020104030203" pitchFamily="2" charset="-79"/>
-                <a:cs typeface="Aharoni" panose="02010803020104030203" pitchFamily="2" charset="-79"/>
-              </a:rPr>
               <a:t>Motorshield</a:t>
             </a:r>
             <a:endParaRPr lang="de-AT" b="1" dirty="0">
@@ -3385,7 +3975,15 @@
           <a:p>
             <a:r>
               <a:rPr lang="de-AT" dirty="0" smtClean="0"/>
-              <a:t>Leitet Signale an Motoren weiter</a:t>
+              <a:t>Leitet Signale </a:t>
+            </a:r>
+            <a:r>
+              <a:rPr lang="de-AT" dirty="0" smtClean="0"/>
+              <a:t>an </a:t>
+            </a:r>
+            <a:r>
+              <a:rPr lang="de-AT" dirty="0" smtClean="0"/>
+              <a:t>Motoren weiter</a:t>
             </a:r>
           </a:p>
         </p:txBody>
@@ -3432,27 +4030,19 @@
           </a:lstStyle>
           <a:p>
             <a:r>
-              <a:rPr lang="de-AT" b="1" dirty="0" err="1" smtClean="0">
+              <a:rPr lang="de-AT" sz="4600" b="1" spc="-100" dirty="0">
+                <a:solidFill>
+                  <a:schemeClr val="tx2"/>
+                </a:solidFill>
                 <a:latin typeface="Aharoni" panose="02010803020104030203" pitchFamily="2" charset="-79"/>
                 <a:cs typeface="Aharoni" panose="02010803020104030203" pitchFamily="2" charset="-79"/>
               </a:rPr>
-              <a:t>Arduino</a:t>
-            </a:r>
-            <a:r>
-              <a:rPr lang="de-AT" b="1" dirty="0" smtClean="0">
-                <a:latin typeface="Aharoni" panose="02010803020104030203" pitchFamily="2" charset="-79"/>
-                <a:cs typeface="Aharoni" panose="02010803020104030203" pitchFamily="2" charset="-79"/>
-              </a:rPr>
-              <a:t> – </a:t>
-            </a:r>
-            <a:r>
-              <a:rPr lang="de-AT" b="1" dirty="0" err="1" smtClean="0">
-                <a:latin typeface="Aharoni" panose="02010803020104030203" pitchFamily="2" charset="-79"/>
-                <a:cs typeface="Aharoni" panose="02010803020104030203" pitchFamily="2" charset="-79"/>
-              </a:rPr>
-              <a:t>Bluetoothshield</a:t>
-            </a:r>
-            <a:endParaRPr lang="de-AT" b="1" dirty="0">
+              <a:t>Bluetooth-Modul</a:t>
+            </a:r>
+            <a:endParaRPr lang="de-AT" sz="4600" b="1" spc="-100" dirty="0">
+              <a:solidFill>
+                <a:schemeClr val="tx2"/>
+              </a:solidFill>
               <a:latin typeface="Aharoni" panose="02010803020104030203" pitchFamily="2" charset="-79"/>
               <a:cs typeface="Aharoni" panose="02010803020104030203" pitchFamily="2" charset="-79"/>
             </a:endParaRPr>
@@ -3469,7 +4059,7 @@
         </p:nvSpPr>
         <p:spPr>
           <a:xfrm>
-            <a:off x="678180" y="5093655"/>
+            <a:off x="838200" y="5093655"/>
             <a:ext cx="10515600" cy="1421446"/>
           </a:xfrm>
           <a:prstGeom prst="rect">
@@ -3646,37 +4236,37 @@
           </a:lstStyle>
           <a:p>
             <a:r>
-              <a:rPr lang="de-AT" dirty="0" smtClean="0"/>
+              <a:rPr lang="de-AT" sz="2200" dirty="0"/>
               <a:t>Schnittstelle zwischen </a:t>
             </a:r>
             <a:r>
-              <a:rPr lang="de-AT" dirty="0" err="1" smtClean="0"/>
+              <a:rPr lang="de-AT" sz="2200" dirty="0" err="1"/>
               <a:t>Arduino</a:t>
             </a:r>
             <a:r>
-              <a:rPr lang="de-AT" dirty="0" smtClean="0"/>
+              <a:rPr lang="de-AT" sz="2200" dirty="0"/>
               <a:t> und PC</a:t>
             </a:r>
           </a:p>
           <a:p>
             <a:r>
-              <a:rPr lang="de-AT" dirty="0" smtClean="0"/>
+              <a:rPr lang="de-AT" sz="2200" dirty="0"/>
               <a:t> Nimmt Daten von PC entgegen</a:t>
             </a:r>
             <a:r>
-              <a:rPr lang="de-AT" dirty="0"/>
+              <a:rPr lang="de-AT" sz="2200" dirty="0"/>
               <a:t> </a:t>
             </a:r>
             <a:r>
-              <a:rPr lang="de-AT" dirty="0" smtClean="0"/>
+              <a:rPr lang="de-AT" sz="2200" dirty="0"/>
               <a:t>und gibt sie an </a:t>
             </a:r>
             <a:r>
-              <a:rPr lang="de-AT" dirty="0" err="1" smtClean="0"/>
+              <a:rPr lang="de-AT" sz="2200" dirty="0" err="1"/>
               <a:t>Arduino</a:t>
             </a:r>
             <a:r>
-              <a:rPr lang="de-AT" dirty="0" smtClean="0"/>
+              <a:rPr lang="de-AT" sz="2200" dirty="0"/>
               <a:t> weiter</a:t>
             </a:r>
           </a:p>
@@ -3729,23 +4319,24 @@
             <p:ph type="title"/>
           </p:nvPr>
         </p:nvSpPr>
-        <p:spPr>
-          <a:xfrm>
-            <a:off x="0" y="0"/>
-            <a:ext cx="12192000" cy="6857999"/>
-          </a:xfrm>
-        </p:spPr>
+        <p:spPr/>
         <p:txBody>
           <a:bodyPr/>
           <a:lstStyle/>
           <a:p>
-            <a:pPr algn="ctr"/>
-            <a:r>
-              <a:rPr lang="de-AT" sz="8800" b="1" dirty="0" smtClean="0">
+            <a:r>
+              <a:rPr lang="de-AT" b="1" dirty="0" err="1" smtClean="0">
                 <a:latin typeface="Aharoni" panose="02010803020104030203" pitchFamily="2" charset="-79"/>
                 <a:cs typeface="Aharoni" panose="02010803020104030203" pitchFamily="2" charset="-79"/>
               </a:rPr>
-              <a:t>SOFTWARE</a:t>
+              <a:t>Arduino</a:t>
+            </a:r>
+            <a:r>
+              <a:rPr lang="de-AT" b="1" dirty="0" smtClean="0">
+                <a:latin typeface="Aharoni" panose="02010803020104030203" pitchFamily="2" charset="-79"/>
+                <a:cs typeface="Aharoni" panose="02010803020104030203" pitchFamily="2" charset="-79"/>
+              </a:rPr>
+              <a:t> – Distanzmesser</a:t>
             </a:r>
             <a:endParaRPr lang="de-AT" b="1" dirty="0">
               <a:latin typeface="Aharoni" panose="02010803020104030203" pitchFamily="2" charset="-79"/>
@@ -3754,10 +4345,72 @@
           </a:p>
         </p:txBody>
       </p:sp>
+      <p:sp>
+        <p:nvSpPr>
+          <p:cNvPr id="3" name="Inhaltsplatzhalter 2"/>
+          <p:cNvSpPr>
+            <a:spLocks noGrp="1"/>
+          </p:cNvSpPr>
+          <p:nvPr>
+            <p:ph idx="1"/>
+          </p:nvPr>
+        </p:nvSpPr>
+        <p:spPr>
+          <a:xfrm>
+            <a:off x="838200" y="1666081"/>
+            <a:ext cx="10515600" cy="4574699"/>
+          </a:xfrm>
+        </p:spPr>
+        <p:txBody>
+          <a:bodyPr>
+            <a:normAutofit/>
+          </a:bodyPr>
+          <a:lstStyle/>
+          <a:p>
+            <a:endParaRPr lang="de-AT" dirty="0" smtClean="0"/>
+          </a:p>
+          <a:p>
+            <a:endParaRPr lang="de-AT" dirty="0"/>
+          </a:p>
+          <a:p>
+            <a:r>
+              <a:rPr lang="de-AT" dirty="0" smtClean="0"/>
+              <a:t>Infrarotsensor</a:t>
+            </a:r>
+            <a:endParaRPr lang="de-AT" dirty="0" smtClean="0"/>
+          </a:p>
+          <a:p>
+            <a:endParaRPr lang="de-AT" dirty="0" smtClean="0"/>
+          </a:p>
+          <a:p>
+            <a:r>
+              <a:rPr lang="de-AT" dirty="0" smtClean="0"/>
+              <a:t>Vermeidung von Hindernissen</a:t>
+            </a:r>
+            <a:endParaRPr lang="de-AT" dirty="0" smtClean="0"/>
+          </a:p>
+          <a:p>
+            <a:endParaRPr lang="de-AT" dirty="0" smtClean="0"/>
+          </a:p>
+          <a:p>
+            <a:r>
+              <a:rPr lang="de-AT" dirty="0" smtClean="0"/>
+              <a:t>Kleiner Abstand </a:t>
+            </a:r>
+            <a:r>
+              <a:rPr lang="de-AT" dirty="0" smtClean="0">
+                <a:sym typeface="Wingdings" panose="05000000000000000000" pitchFamily="2" charset="2"/>
+              </a:rPr>
+              <a:t> Warn-LED</a:t>
+            </a:r>
+            <a:endParaRPr lang="de-AT" dirty="0" smtClean="0"/>
+          </a:p>
+        </p:txBody>
+      </p:sp>
     </p:spTree>
     <p:extLst>
       <p:ext uri="{BB962C8B-B14F-4D97-AF65-F5344CB8AC3E}">
-        <p14:creationId xmlns:p14="http://schemas.microsoft.com/office/powerpoint/2010/main" val="2197653518"/>
+        <p14:creationId xmlns:p14="http://schemas.microsoft.com/office/powerpoint/2010/main" val="195842978"/>
       </p:ext>
     </p:extLst>
   </p:cSld>
@@ -3801,23 +4454,17 @@
             <p:ph type="title"/>
           </p:nvPr>
         </p:nvSpPr>
-        <p:spPr>
-          <a:xfrm>
-            <a:off x="0" y="0"/>
-            <a:ext cx="12192000" cy="6857999"/>
-          </a:xfrm>
-        </p:spPr>
+        <p:spPr/>
         <p:txBody>
           <a:bodyPr/>
           <a:lstStyle/>
           <a:p>
-            <a:pPr algn="ctr"/>
-            <a:r>
-              <a:rPr lang="de-AT" sz="7200" b="1" dirty="0" smtClean="0">
+            <a:r>
+              <a:rPr lang="de-AT" b="1" dirty="0" smtClean="0">
                 <a:latin typeface="Aharoni" panose="02010803020104030203" pitchFamily="2" charset="-79"/>
                 <a:cs typeface="Aharoni" panose="02010803020104030203" pitchFamily="2" charset="-79"/>
               </a:rPr>
-              <a:t>ENTWICKLUNGSPROZESS</a:t>
+              <a:t>Der „Roboter“</a:t>
             </a:r>
             <a:endParaRPr lang="de-AT" b="1" dirty="0">
               <a:latin typeface="Aharoni" panose="02010803020104030203" pitchFamily="2" charset="-79"/>
@@ -3826,10 +4473,97 @@
           </a:p>
         </p:txBody>
       </p:sp>
+      <p:sp>
+        <p:nvSpPr>
+          <p:cNvPr id="3" name="Inhaltsplatzhalter 2"/>
+          <p:cNvSpPr>
+            <a:spLocks noGrp="1"/>
+          </p:cNvSpPr>
+          <p:nvPr>
+            <p:ph idx="1"/>
+          </p:nvPr>
+        </p:nvSpPr>
+        <p:spPr>
+          <a:xfrm>
+            <a:off x="838200" y="1666081"/>
+            <a:ext cx="8374380" cy="3225959"/>
+          </a:xfrm>
+        </p:spPr>
+        <p:txBody>
+          <a:bodyPr>
+            <a:normAutofit/>
+          </a:bodyPr>
+          <a:lstStyle/>
+          <a:p>
+            <a:endParaRPr lang="de-AT" dirty="0" smtClean="0"/>
+          </a:p>
+          <a:p>
+            <a:endParaRPr lang="de-AT" dirty="0"/>
+          </a:p>
+          <a:p>
+            <a:endParaRPr lang="de-AT" dirty="0" smtClean="0"/>
+          </a:p>
+          <a:p>
+            <a:r>
+              <a:rPr lang="de-AT" dirty="0" smtClean="0"/>
+              <a:t>Alle </a:t>
+            </a:r>
+            <a:r>
+              <a:rPr lang="de-AT" dirty="0" smtClean="0"/>
+              <a:t>Teile zusammengesetzt</a:t>
+            </a:r>
+          </a:p>
+          <a:p>
+            <a:endParaRPr lang="de-AT" dirty="0" smtClean="0"/>
+          </a:p>
+          <a:p>
+            <a:endParaRPr lang="de-AT" dirty="0" smtClean="0"/>
+          </a:p>
+        </p:txBody>
+      </p:sp>
+      <p:pic>
+        <p:nvPicPr>
+          <p:cNvPr id="1026" name="Picture 2" descr="C:\Users\Mattias\Downloads\20150318_092348.jpg"/>
+          <p:cNvPicPr>
+            <a:picLocks noChangeAspect="1" noChangeArrowheads="1"/>
+          </p:cNvPicPr>
+          <p:nvPr/>
+        </p:nvPicPr>
+        <p:blipFill rotWithShape="1">
+          <a:blip r:embed="rId3" cstate="print">
+            <a:extLst>
+              <a:ext uri="{28A0092B-C50C-407E-A947-70E740481C1C}">
+                <a14:useLocalDpi xmlns:a14="http://schemas.microsoft.com/office/drawing/2010/main" val="0"/>
+              </a:ext>
+            </a:extLst>
+          </a:blip>
+          <a:srcRect t="10140" r="23325" b="4651"/>
+          <a:stretch/>
+        </p:blipFill>
+        <p:spPr bwMode="auto">
+          <a:xfrm rot="5400000">
+            <a:off x="5277668" y="1245590"/>
+            <a:ext cx="5512720" cy="4594650"/>
+          </a:xfrm>
+          <a:prstGeom prst="rect">
+            <a:avLst/>
+          </a:prstGeom>
+          <a:noFill/>
+          <a:extLst>
+            <a:ext uri="{909E8E84-426E-40DD-AFC4-6F175D3DCCD1}">
+              <a14:hiddenFill xmlns:a14="http://schemas.microsoft.com/office/drawing/2010/main">
+                <a:solidFill>
+                  <a:srgbClr val="FFFFFF"/>
+                </a:solidFill>
+              </a14:hiddenFill>
+            </a:ext>
+          </a:extLst>
+        </p:spPr>
+      </p:pic>
     </p:spTree>
     <p:extLst>
       <p:ext uri="{BB962C8B-B14F-4D97-AF65-F5344CB8AC3E}">
-        <p14:creationId xmlns:p14="http://schemas.microsoft.com/office/powerpoint/2010/main" val="3608291677"/>
+        <p14:creationId xmlns:p14="http://schemas.microsoft.com/office/powerpoint/2010/main" val="3783694092"/>
       </p:ext>
     </p:extLst>
   </p:cSld>
@@ -3873,60 +4607,966 @@
             <p:ph type="title"/>
           </p:nvPr>
         </p:nvSpPr>
-        <p:spPr/>
+        <p:spPr>
+          <a:xfrm>
+            <a:off x="0" y="0"/>
+            <a:ext cx="12192000" cy="6857999"/>
+          </a:xfrm>
+        </p:spPr>
         <p:txBody>
           <a:bodyPr/>
           <a:lstStyle/>
           <a:p>
+            <a:pPr algn="ctr"/>
+            <a:r>
+              <a:rPr lang="de-AT" sz="8800" b="1" dirty="0" smtClean="0">
+                <a:latin typeface="Aharoni" panose="02010803020104030203" pitchFamily="2" charset="-79"/>
+                <a:cs typeface="Aharoni" panose="02010803020104030203" pitchFamily="2" charset="-79"/>
+              </a:rPr>
+              <a:t>SOFTWARE</a:t>
+            </a:r>
+            <a:endParaRPr lang="de-AT" b="1" dirty="0">
+              <a:latin typeface="Aharoni" panose="02010803020104030203" pitchFamily="2" charset="-79"/>
+              <a:cs typeface="Aharoni" panose="02010803020104030203" pitchFamily="2" charset="-79"/>
+            </a:endParaRPr>
+          </a:p>
+        </p:txBody>
+      </p:sp>
+    </p:spTree>
+    <p:extLst>
+      <p:ext uri="{BB962C8B-B14F-4D97-AF65-F5344CB8AC3E}">
+        <p14:creationId xmlns:p14="http://schemas.microsoft.com/office/powerpoint/2010/main" val="2197653518"/>
+      </p:ext>
+    </p:extLst>
+  </p:cSld>
+  <p:clrMapOvr>
+    <a:masterClrMapping/>
+  </p:clrMapOvr>
+  <p:timing>
+    <p:tnLst>
+      <p:par>
+        <p:cTn id="1" dur="indefinite" restart="never" nodeType="tmRoot"/>
+      </p:par>
+    </p:tnLst>
+  </p:timing>
+</p:sld>
+</file>
+
+<file path=ppt/slides/slide15.xml><?xml version="1.0" encoding="utf-8"?>
+<p:sld xmlns:a="http://schemas.openxmlformats.org/drawingml/2006/main" xmlns:r="http://schemas.openxmlformats.org/officeDocument/2006/relationships" xmlns:p="http://schemas.openxmlformats.org/presentationml/2006/main">
+  <p:cSld>
+    <p:spTree>
+      <p:nvGrpSpPr>
+        <p:cNvPr id="1" name=""/>
+        <p:cNvGrpSpPr/>
+        <p:nvPr/>
+      </p:nvGrpSpPr>
+      <p:grpSpPr>
+        <a:xfrm>
+          <a:off x="0" y="0"/>
+          <a:ext cx="0" cy="0"/>
+          <a:chOff x="0" y="0"/>
+          <a:chExt cx="0" cy="0"/>
+        </a:xfrm>
+      </p:grpSpPr>
+      <p:sp>
+        <p:nvSpPr>
+          <p:cNvPr id="4" name="Titel 1"/>
+          <p:cNvSpPr txBox="1">
+            <a:spLocks/>
+          </p:cNvSpPr>
+          <p:nvPr/>
+        </p:nvSpPr>
+        <p:spPr>
+          <a:xfrm>
+            <a:off x="838200" y="365125"/>
+            <a:ext cx="10515600" cy="1325563"/>
+          </a:xfrm>
+          <a:prstGeom prst="rect">
+            <a:avLst/>
+          </a:prstGeom>
+        </p:spPr>
+        <p:txBody>
+          <a:bodyPr vert="horz" lIns="91440" tIns="45720" rIns="91440" bIns="45720" rtlCol="0" anchor="ctr">
+            <a:normAutofit/>
+          </a:bodyPr>
+          <a:lstStyle>
+            <a:lvl1pPr algn="l" defTabSz="914400" rtl="0" eaLnBrk="1" latinLnBrk="0" hangingPunct="1">
+              <a:lnSpc>
+                <a:spcPct val="90000"/>
+              </a:lnSpc>
+              <a:spcBef>
+                <a:spcPct val="0"/>
+              </a:spcBef>
+              <a:buNone/>
+              <a:defRPr sz="4400" kern="1200">
+                <a:solidFill>
+                  <a:schemeClr val="tx1"/>
+                </a:solidFill>
+                <a:latin typeface="+mj-lt"/>
+                <a:ea typeface="+mj-ea"/>
+                <a:cs typeface="+mj-cs"/>
+              </a:defRPr>
+            </a:lvl1pPr>
+          </a:lstStyle>
+          <a:p>
+            <a:r>
+              <a:rPr lang="de-AT" sz="4600" b="1" dirty="0" smtClean="0">
+                <a:latin typeface="Aharoni" panose="02010803020104030203" pitchFamily="2" charset="-79"/>
+                <a:cs typeface="Aharoni" panose="02010803020104030203" pitchFamily="2" charset="-79"/>
+              </a:rPr>
+              <a:t>Anforderungen</a:t>
+            </a:r>
+            <a:r>
+              <a:rPr lang="de-AT" sz="5400" b="1" dirty="0" smtClean="0">
+                <a:latin typeface="Aharoni" panose="02010803020104030203" pitchFamily="2" charset="-79"/>
+                <a:cs typeface="Aharoni" panose="02010803020104030203" pitchFamily="2" charset="-79"/>
+              </a:rPr>
+              <a:t> an Software</a:t>
+            </a:r>
+          </a:p>
+        </p:txBody>
+      </p:sp>
+      <p:sp>
+        <p:nvSpPr>
+          <p:cNvPr id="5" name="Inhaltsplatzhalter 2"/>
+          <p:cNvSpPr txBox="1">
+            <a:spLocks/>
+          </p:cNvSpPr>
+          <p:nvPr/>
+        </p:nvSpPr>
+        <p:spPr>
+          <a:xfrm>
+            <a:off x="838200" y="1666081"/>
+            <a:ext cx="8374380" cy="4894739"/>
+          </a:xfrm>
+          <a:prstGeom prst="rect">
+            <a:avLst/>
+          </a:prstGeom>
+        </p:spPr>
+        <p:txBody>
+          <a:bodyPr vert="horz" lIns="91440" tIns="45720" rIns="91440" bIns="45720" rtlCol="0">
+            <a:normAutofit/>
+          </a:bodyPr>
+          <a:lstStyle>
+            <a:lvl1pPr marL="228600" indent="-228600" algn="l" defTabSz="914400" rtl="0" eaLnBrk="1" latinLnBrk="0" hangingPunct="1">
+              <a:lnSpc>
+                <a:spcPct val="90000"/>
+              </a:lnSpc>
+              <a:spcBef>
+                <a:spcPts val="1000"/>
+              </a:spcBef>
+              <a:buFont typeface="Arial" panose="020B0604020202020204" pitchFamily="34" charset="0"/>
+              <a:buChar char="•"/>
+              <a:defRPr sz="2800" kern="1200">
+                <a:solidFill>
+                  <a:schemeClr val="tx1"/>
+                </a:solidFill>
+                <a:latin typeface="+mn-lt"/>
+                <a:ea typeface="+mn-ea"/>
+                <a:cs typeface="+mn-cs"/>
+              </a:defRPr>
+            </a:lvl1pPr>
+            <a:lvl2pPr marL="685800" indent="-228600" algn="l" defTabSz="914400" rtl="0" eaLnBrk="1" latinLnBrk="0" hangingPunct="1">
+              <a:lnSpc>
+                <a:spcPct val="90000"/>
+              </a:lnSpc>
+              <a:spcBef>
+                <a:spcPts val="500"/>
+              </a:spcBef>
+              <a:buFont typeface="Arial" panose="020B0604020202020204" pitchFamily="34" charset="0"/>
+              <a:buChar char="•"/>
+              <a:defRPr sz="2400" kern="1200">
+                <a:solidFill>
+                  <a:schemeClr val="tx1"/>
+                </a:solidFill>
+                <a:latin typeface="+mn-lt"/>
+                <a:ea typeface="+mn-ea"/>
+                <a:cs typeface="+mn-cs"/>
+              </a:defRPr>
+            </a:lvl2pPr>
+            <a:lvl3pPr marL="1143000" indent="-228600" algn="l" defTabSz="914400" rtl="0" eaLnBrk="1" latinLnBrk="0" hangingPunct="1">
+              <a:lnSpc>
+                <a:spcPct val="90000"/>
+              </a:lnSpc>
+              <a:spcBef>
+                <a:spcPts val="500"/>
+              </a:spcBef>
+              <a:buFont typeface="Arial" panose="020B0604020202020204" pitchFamily="34" charset="0"/>
+              <a:buChar char="•"/>
+              <a:defRPr sz="2000" kern="1200">
+                <a:solidFill>
+                  <a:schemeClr val="tx1"/>
+                </a:solidFill>
+                <a:latin typeface="+mn-lt"/>
+                <a:ea typeface="+mn-ea"/>
+                <a:cs typeface="+mn-cs"/>
+              </a:defRPr>
+            </a:lvl3pPr>
+            <a:lvl4pPr marL="1600200" indent="-228600" algn="l" defTabSz="914400" rtl="0" eaLnBrk="1" latinLnBrk="0" hangingPunct="1">
+              <a:lnSpc>
+                <a:spcPct val="90000"/>
+              </a:lnSpc>
+              <a:spcBef>
+                <a:spcPts val="500"/>
+              </a:spcBef>
+              <a:buFont typeface="Arial" panose="020B0604020202020204" pitchFamily="34" charset="0"/>
+              <a:buChar char="•"/>
+              <a:defRPr sz="1800" kern="1200">
+                <a:solidFill>
+                  <a:schemeClr val="tx1"/>
+                </a:solidFill>
+                <a:latin typeface="+mn-lt"/>
+                <a:ea typeface="+mn-ea"/>
+                <a:cs typeface="+mn-cs"/>
+              </a:defRPr>
+            </a:lvl4pPr>
+            <a:lvl5pPr marL="2057400" indent="-228600" algn="l" defTabSz="914400" rtl="0" eaLnBrk="1" latinLnBrk="0" hangingPunct="1">
+              <a:lnSpc>
+                <a:spcPct val="90000"/>
+              </a:lnSpc>
+              <a:spcBef>
+                <a:spcPts val="500"/>
+              </a:spcBef>
+              <a:buFont typeface="Arial" panose="020B0604020202020204" pitchFamily="34" charset="0"/>
+              <a:buChar char="•"/>
+              <a:defRPr sz="1800" kern="1200">
+                <a:solidFill>
+                  <a:schemeClr val="tx1"/>
+                </a:solidFill>
+                <a:latin typeface="+mn-lt"/>
+                <a:ea typeface="+mn-ea"/>
+                <a:cs typeface="+mn-cs"/>
+              </a:defRPr>
+            </a:lvl5pPr>
+            <a:lvl6pPr marL="2514600" indent="-228600" algn="l" defTabSz="914400" rtl="0" eaLnBrk="1" latinLnBrk="0" hangingPunct="1">
+              <a:lnSpc>
+                <a:spcPct val="90000"/>
+              </a:lnSpc>
+              <a:spcBef>
+                <a:spcPts val="500"/>
+              </a:spcBef>
+              <a:buFont typeface="Arial" panose="020B0604020202020204" pitchFamily="34" charset="0"/>
+              <a:buChar char="•"/>
+              <a:defRPr sz="1800" kern="1200">
+                <a:solidFill>
+                  <a:schemeClr val="tx1"/>
+                </a:solidFill>
+                <a:latin typeface="+mn-lt"/>
+                <a:ea typeface="+mn-ea"/>
+                <a:cs typeface="+mn-cs"/>
+              </a:defRPr>
+            </a:lvl6pPr>
+            <a:lvl7pPr marL="2971800" indent="-228600" algn="l" defTabSz="914400" rtl="0" eaLnBrk="1" latinLnBrk="0" hangingPunct="1">
+              <a:lnSpc>
+                <a:spcPct val="90000"/>
+              </a:lnSpc>
+              <a:spcBef>
+                <a:spcPts val="500"/>
+              </a:spcBef>
+              <a:buFont typeface="Arial" panose="020B0604020202020204" pitchFamily="34" charset="0"/>
+              <a:buChar char="•"/>
+              <a:defRPr sz="1800" kern="1200">
+                <a:solidFill>
+                  <a:schemeClr val="tx1"/>
+                </a:solidFill>
+                <a:latin typeface="+mn-lt"/>
+                <a:ea typeface="+mn-ea"/>
+                <a:cs typeface="+mn-cs"/>
+              </a:defRPr>
+            </a:lvl7pPr>
+            <a:lvl8pPr marL="3429000" indent="-228600" algn="l" defTabSz="914400" rtl="0" eaLnBrk="1" latinLnBrk="0" hangingPunct="1">
+              <a:lnSpc>
+                <a:spcPct val="90000"/>
+              </a:lnSpc>
+              <a:spcBef>
+                <a:spcPts val="500"/>
+              </a:spcBef>
+              <a:buFont typeface="Arial" panose="020B0604020202020204" pitchFamily="34" charset="0"/>
+              <a:buChar char="•"/>
+              <a:defRPr sz="1800" kern="1200">
+                <a:solidFill>
+                  <a:schemeClr val="tx1"/>
+                </a:solidFill>
+                <a:latin typeface="+mn-lt"/>
+                <a:ea typeface="+mn-ea"/>
+                <a:cs typeface="+mn-cs"/>
+              </a:defRPr>
+            </a:lvl8pPr>
+            <a:lvl9pPr marL="3886200" indent="-228600" algn="l" defTabSz="914400" rtl="0" eaLnBrk="1" latinLnBrk="0" hangingPunct="1">
+              <a:lnSpc>
+                <a:spcPct val="90000"/>
+              </a:lnSpc>
+              <a:spcBef>
+                <a:spcPts val="500"/>
+              </a:spcBef>
+              <a:buFont typeface="Arial" panose="020B0604020202020204" pitchFamily="34" charset="0"/>
+              <a:buChar char="•"/>
+              <a:defRPr sz="1800" kern="1200">
+                <a:solidFill>
+                  <a:schemeClr val="tx1"/>
+                </a:solidFill>
+                <a:latin typeface="+mn-lt"/>
+                <a:ea typeface="+mn-ea"/>
+                <a:cs typeface="+mn-cs"/>
+              </a:defRPr>
+            </a:lvl9pPr>
+          </a:lstStyle>
+          <a:p>
+            <a:endParaRPr lang="de-AT" dirty="0" smtClean="0"/>
+          </a:p>
+          <a:p>
             <a:r>
               <a:rPr lang="de-AT" dirty="0" smtClean="0"/>
-              <a:t>Erste Testläufe</a:t>
-            </a:r>
-            <a:endParaRPr lang="de-AT" dirty="0"/>
-          </a:p>
-        </p:txBody>
-      </p:sp>
-      <p:sp>
-        <p:nvSpPr>
-          <p:cNvPr id="3" name="Inhaltsplatzhalter 2"/>
-          <p:cNvSpPr>
-            <a:spLocks noGrp="1"/>
-          </p:cNvSpPr>
-          <p:nvPr>
-            <p:ph idx="1"/>
-          </p:nvPr>
-        </p:nvSpPr>
-        <p:spPr/>
-        <p:txBody>
-          <a:bodyPr/>
-          <a:lstStyle/>
-          <a:p>
+              <a:t>Aufbau </a:t>
+            </a:r>
             <a:r>
               <a:rPr lang="de-AT" dirty="0" smtClean="0"/>
-              <a:t>Erstellung eines ersten Testprogrammes für den </a:t>
+              <a:t>von Bluetooth-Verbindung</a:t>
+            </a:r>
+            <a:endParaRPr lang="de-AT" dirty="0" smtClean="0">
+              <a:sym typeface="Wingdings" panose="05000000000000000000" pitchFamily="2" charset="2"/>
+            </a:endParaRPr>
+          </a:p>
+          <a:p>
+            <a:endParaRPr lang="de-AT" dirty="0">
+              <a:sym typeface="Wingdings" panose="05000000000000000000" pitchFamily="2" charset="2"/>
+            </a:endParaRPr>
+          </a:p>
+          <a:p>
+            <a:r>
+              <a:rPr lang="de-AT" dirty="0" smtClean="0">
+                <a:sym typeface="Wingdings" panose="05000000000000000000" pitchFamily="2" charset="2"/>
+              </a:rPr>
+              <a:t>Einlesen der Position der Hand</a:t>
+            </a:r>
+          </a:p>
+          <a:p>
+            <a:endParaRPr lang="de-AT" dirty="0">
+              <a:sym typeface="Wingdings" panose="05000000000000000000" pitchFamily="2" charset="2"/>
+            </a:endParaRPr>
+          </a:p>
+          <a:p>
+            <a:r>
+              <a:rPr lang="de-AT" dirty="0" smtClean="0">
+                <a:sym typeface="Wingdings" panose="05000000000000000000" pitchFamily="2" charset="2"/>
+              </a:rPr>
+              <a:t>Code generieren</a:t>
+            </a:r>
+          </a:p>
+          <a:p>
+            <a:endParaRPr lang="de-AT" dirty="0" smtClean="0"/>
+          </a:p>
+          <a:p>
+            <a:r>
+              <a:rPr lang="de-AT" dirty="0" smtClean="0"/>
+              <a:t>Code </a:t>
+            </a:r>
+            <a:r>
+              <a:rPr lang="de-AT" dirty="0" smtClean="0"/>
+              <a:t>am </a:t>
             </a:r>
             <a:r>
               <a:rPr lang="de-AT" dirty="0" err="1" smtClean="0"/>
               <a:t>Arduino</a:t>
             </a:r>
+            <a:r>
+              <a:rPr lang="de-AT" dirty="0" smtClean="0"/>
+              <a:t> verarbeiten</a:t>
+            </a:r>
             <a:endParaRPr lang="de-AT" dirty="0" smtClean="0"/>
           </a:p>
-          <a:p>
-            <a:r>
-              <a:rPr lang="de-AT" dirty="0" smtClean="0"/>
-              <a:t>Noch ohne Roboter</a:t>
-            </a:r>
-          </a:p>
-          <a:p>
-            <a:r>
-              <a:rPr lang="de-AT" dirty="0" smtClean="0"/>
-              <a:t>Test über </a:t>
-            </a:r>
-            <a:r>
-              <a:rPr lang="de-AT" smtClean="0"/>
-              <a:t>Serial Monitor</a:t>
-            </a:r>
-            <a:endParaRPr lang="de-AT"/>
+        </p:txBody>
+      </p:sp>
+    </p:spTree>
+    <p:extLst>
+      <p:ext uri="{BB962C8B-B14F-4D97-AF65-F5344CB8AC3E}">
+        <p14:creationId xmlns:p14="http://schemas.microsoft.com/office/powerpoint/2010/main" val="460689824"/>
+      </p:ext>
+    </p:extLst>
+  </p:cSld>
+  <p:clrMapOvr>
+    <a:masterClrMapping/>
+  </p:clrMapOvr>
+  <p:timing>
+    <p:tnLst>
+      <p:par>
+        <p:cTn id="1" dur="indefinite" restart="never" nodeType="tmRoot"/>
+      </p:par>
+    </p:tnLst>
+  </p:timing>
+</p:sld>
+</file>
+
+<file path=ppt/slides/slide16.xml><?xml version="1.0" encoding="utf-8"?>
+<p:sld xmlns:a="http://schemas.openxmlformats.org/drawingml/2006/main" xmlns:r="http://schemas.openxmlformats.org/officeDocument/2006/relationships" xmlns:p="http://schemas.openxmlformats.org/presentationml/2006/main">
+  <p:cSld>
+    <p:spTree>
+      <p:nvGrpSpPr>
+        <p:cNvPr id="1" name=""/>
+        <p:cNvGrpSpPr/>
+        <p:nvPr/>
+      </p:nvGrpSpPr>
+      <p:grpSpPr>
+        <a:xfrm>
+          <a:off x="0" y="0"/>
+          <a:ext cx="0" cy="0"/>
+          <a:chOff x="0" y="0"/>
+          <a:chExt cx="0" cy="0"/>
+        </a:xfrm>
+      </p:grpSpPr>
+      <p:sp>
+        <p:nvSpPr>
+          <p:cNvPr id="4" name="Titel 1"/>
+          <p:cNvSpPr txBox="1">
+            <a:spLocks/>
+          </p:cNvSpPr>
+          <p:nvPr/>
+        </p:nvSpPr>
+        <p:spPr>
+          <a:xfrm>
+            <a:off x="838200" y="365125"/>
+            <a:ext cx="10515600" cy="1325563"/>
+          </a:xfrm>
+          <a:prstGeom prst="rect">
+            <a:avLst/>
+          </a:prstGeom>
+        </p:spPr>
+        <p:txBody>
+          <a:bodyPr vert="horz" lIns="91440" tIns="45720" rIns="91440" bIns="45720" rtlCol="0" anchor="ctr">
+            <a:normAutofit/>
+          </a:bodyPr>
+          <a:lstStyle>
+            <a:lvl1pPr algn="l" defTabSz="914400" rtl="0" eaLnBrk="1" latinLnBrk="0" hangingPunct="1">
+              <a:lnSpc>
+                <a:spcPct val="90000"/>
+              </a:lnSpc>
+              <a:spcBef>
+                <a:spcPct val="0"/>
+              </a:spcBef>
+              <a:buNone/>
+              <a:defRPr sz="4400" kern="1200">
+                <a:solidFill>
+                  <a:schemeClr val="tx1"/>
+                </a:solidFill>
+                <a:latin typeface="+mj-lt"/>
+                <a:ea typeface="+mj-ea"/>
+                <a:cs typeface="+mj-cs"/>
+              </a:defRPr>
+            </a:lvl1pPr>
+          </a:lstStyle>
+          <a:p>
+            <a:r>
+              <a:rPr lang="de-AT" b="1" dirty="0" smtClean="0">
+                <a:latin typeface="Aharoni" panose="02010803020104030203" pitchFamily="2" charset="-79"/>
+                <a:cs typeface="Aharoni" panose="02010803020104030203" pitchFamily="2" charset="-79"/>
+              </a:rPr>
+              <a:t>Der Code</a:t>
+            </a:r>
+          </a:p>
+        </p:txBody>
+      </p:sp>
+      <p:sp>
+        <p:nvSpPr>
+          <p:cNvPr id="5" name="Inhaltsplatzhalter 2"/>
+          <p:cNvSpPr txBox="1">
+            <a:spLocks/>
+          </p:cNvSpPr>
+          <p:nvPr/>
+        </p:nvSpPr>
+        <p:spPr>
+          <a:xfrm>
+            <a:off x="838200" y="1666081"/>
+            <a:ext cx="5311140" cy="4894739"/>
+          </a:xfrm>
+          <a:prstGeom prst="rect">
+            <a:avLst/>
+          </a:prstGeom>
+        </p:spPr>
+        <p:txBody>
+          <a:bodyPr vert="horz" lIns="91440" tIns="45720" rIns="91440" bIns="45720" rtlCol="0">
+            <a:normAutofit/>
+          </a:bodyPr>
+          <a:lstStyle>
+            <a:lvl1pPr marL="228600" indent="-228600" algn="l" defTabSz="914400" rtl="0" eaLnBrk="1" latinLnBrk="0" hangingPunct="1">
+              <a:lnSpc>
+                <a:spcPct val="90000"/>
+              </a:lnSpc>
+              <a:spcBef>
+                <a:spcPts val="1000"/>
+              </a:spcBef>
+              <a:buFont typeface="Arial" panose="020B0604020202020204" pitchFamily="34" charset="0"/>
+              <a:buChar char="•"/>
+              <a:defRPr sz="2800" kern="1200">
+                <a:solidFill>
+                  <a:schemeClr val="tx1"/>
+                </a:solidFill>
+                <a:latin typeface="+mn-lt"/>
+                <a:ea typeface="+mn-ea"/>
+                <a:cs typeface="+mn-cs"/>
+              </a:defRPr>
+            </a:lvl1pPr>
+            <a:lvl2pPr marL="685800" indent="-228600" algn="l" defTabSz="914400" rtl="0" eaLnBrk="1" latinLnBrk="0" hangingPunct="1">
+              <a:lnSpc>
+                <a:spcPct val="90000"/>
+              </a:lnSpc>
+              <a:spcBef>
+                <a:spcPts val="500"/>
+              </a:spcBef>
+              <a:buFont typeface="Arial" panose="020B0604020202020204" pitchFamily="34" charset="0"/>
+              <a:buChar char="•"/>
+              <a:defRPr sz="2400" kern="1200">
+                <a:solidFill>
+                  <a:schemeClr val="tx1"/>
+                </a:solidFill>
+                <a:latin typeface="+mn-lt"/>
+                <a:ea typeface="+mn-ea"/>
+                <a:cs typeface="+mn-cs"/>
+              </a:defRPr>
+            </a:lvl2pPr>
+            <a:lvl3pPr marL="1143000" indent="-228600" algn="l" defTabSz="914400" rtl="0" eaLnBrk="1" latinLnBrk="0" hangingPunct="1">
+              <a:lnSpc>
+                <a:spcPct val="90000"/>
+              </a:lnSpc>
+              <a:spcBef>
+                <a:spcPts val="500"/>
+              </a:spcBef>
+              <a:buFont typeface="Arial" panose="020B0604020202020204" pitchFamily="34" charset="0"/>
+              <a:buChar char="•"/>
+              <a:defRPr sz="2000" kern="1200">
+                <a:solidFill>
+                  <a:schemeClr val="tx1"/>
+                </a:solidFill>
+                <a:latin typeface="+mn-lt"/>
+                <a:ea typeface="+mn-ea"/>
+                <a:cs typeface="+mn-cs"/>
+              </a:defRPr>
+            </a:lvl3pPr>
+            <a:lvl4pPr marL="1600200" indent="-228600" algn="l" defTabSz="914400" rtl="0" eaLnBrk="1" latinLnBrk="0" hangingPunct="1">
+              <a:lnSpc>
+                <a:spcPct val="90000"/>
+              </a:lnSpc>
+              <a:spcBef>
+                <a:spcPts val="500"/>
+              </a:spcBef>
+              <a:buFont typeface="Arial" panose="020B0604020202020204" pitchFamily="34" charset="0"/>
+              <a:buChar char="•"/>
+              <a:defRPr sz="1800" kern="1200">
+                <a:solidFill>
+                  <a:schemeClr val="tx1"/>
+                </a:solidFill>
+                <a:latin typeface="+mn-lt"/>
+                <a:ea typeface="+mn-ea"/>
+                <a:cs typeface="+mn-cs"/>
+              </a:defRPr>
+            </a:lvl4pPr>
+            <a:lvl5pPr marL="2057400" indent="-228600" algn="l" defTabSz="914400" rtl="0" eaLnBrk="1" latinLnBrk="0" hangingPunct="1">
+              <a:lnSpc>
+                <a:spcPct val="90000"/>
+              </a:lnSpc>
+              <a:spcBef>
+                <a:spcPts val="500"/>
+              </a:spcBef>
+              <a:buFont typeface="Arial" panose="020B0604020202020204" pitchFamily="34" charset="0"/>
+              <a:buChar char="•"/>
+              <a:defRPr sz="1800" kern="1200">
+                <a:solidFill>
+                  <a:schemeClr val="tx1"/>
+                </a:solidFill>
+                <a:latin typeface="+mn-lt"/>
+                <a:ea typeface="+mn-ea"/>
+                <a:cs typeface="+mn-cs"/>
+              </a:defRPr>
+            </a:lvl5pPr>
+            <a:lvl6pPr marL="2514600" indent="-228600" algn="l" defTabSz="914400" rtl="0" eaLnBrk="1" latinLnBrk="0" hangingPunct="1">
+              <a:lnSpc>
+                <a:spcPct val="90000"/>
+              </a:lnSpc>
+              <a:spcBef>
+                <a:spcPts val="500"/>
+              </a:spcBef>
+              <a:buFont typeface="Arial" panose="020B0604020202020204" pitchFamily="34" charset="0"/>
+              <a:buChar char="•"/>
+              <a:defRPr sz="1800" kern="1200">
+                <a:solidFill>
+                  <a:schemeClr val="tx1"/>
+                </a:solidFill>
+                <a:latin typeface="+mn-lt"/>
+                <a:ea typeface="+mn-ea"/>
+                <a:cs typeface="+mn-cs"/>
+              </a:defRPr>
+            </a:lvl6pPr>
+            <a:lvl7pPr marL="2971800" indent="-228600" algn="l" defTabSz="914400" rtl="0" eaLnBrk="1" latinLnBrk="0" hangingPunct="1">
+              <a:lnSpc>
+                <a:spcPct val="90000"/>
+              </a:lnSpc>
+              <a:spcBef>
+                <a:spcPts val="500"/>
+              </a:spcBef>
+              <a:buFont typeface="Arial" panose="020B0604020202020204" pitchFamily="34" charset="0"/>
+              <a:buChar char="•"/>
+              <a:defRPr sz="1800" kern="1200">
+                <a:solidFill>
+                  <a:schemeClr val="tx1"/>
+                </a:solidFill>
+                <a:latin typeface="+mn-lt"/>
+                <a:ea typeface="+mn-ea"/>
+                <a:cs typeface="+mn-cs"/>
+              </a:defRPr>
+            </a:lvl7pPr>
+            <a:lvl8pPr marL="3429000" indent="-228600" algn="l" defTabSz="914400" rtl="0" eaLnBrk="1" latinLnBrk="0" hangingPunct="1">
+              <a:lnSpc>
+                <a:spcPct val="90000"/>
+              </a:lnSpc>
+              <a:spcBef>
+                <a:spcPts val="500"/>
+              </a:spcBef>
+              <a:buFont typeface="Arial" panose="020B0604020202020204" pitchFamily="34" charset="0"/>
+              <a:buChar char="•"/>
+              <a:defRPr sz="1800" kern="1200">
+                <a:solidFill>
+                  <a:schemeClr val="tx1"/>
+                </a:solidFill>
+                <a:latin typeface="+mn-lt"/>
+                <a:ea typeface="+mn-ea"/>
+                <a:cs typeface="+mn-cs"/>
+              </a:defRPr>
+            </a:lvl8pPr>
+            <a:lvl9pPr marL="3886200" indent="-228600" algn="l" defTabSz="914400" rtl="0" eaLnBrk="1" latinLnBrk="0" hangingPunct="1">
+              <a:lnSpc>
+                <a:spcPct val="90000"/>
+              </a:lnSpc>
+              <a:spcBef>
+                <a:spcPts val="500"/>
+              </a:spcBef>
+              <a:buFont typeface="Arial" panose="020B0604020202020204" pitchFamily="34" charset="0"/>
+              <a:buChar char="•"/>
+              <a:defRPr sz="1800" kern="1200">
+                <a:solidFill>
+                  <a:schemeClr val="tx1"/>
+                </a:solidFill>
+                <a:latin typeface="+mn-lt"/>
+                <a:ea typeface="+mn-ea"/>
+                <a:cs typeface="+mn-cs"/>
+              </a:defRPr>
+            </a:lvl9pPr>
+          </a:lstStyle>
+          <a:p>
+            <a:r>
+              <a:rPr lang="de-AT" dirty="0" smtClean="0">
+                <a:sym typeface="Wingdings" panose="05000000000000000000" pitchFamily="2" charset="2"/>
+              </a:rPr>
+              <a:t>Für Kommunikation PC – </a:t>
+            </a:r>
+            <a:r>
+              <a:rPr lang="de-AT" dirty="0" err="1" smtClean="0">
+                <a:sym typeface="Wingdings" panose="05000000000000000000" pitchFamily="2" charset="2"/>
+              </a:rPr>
+              <a:t>Arduino</a:t>
+            </a:r>
+            <a:endParaRPr lang="de-AT" dirty="0" smtClean="0">
+              <a:sym typeface="Wingdings" panose="05000000000000000000" pitchFamily="2" charset="2"/>
+            </a:endParaRPr>
+          </a:p>
+          <a:p>
+            <a:r>
+              <a:rPr lang="de-AT" dirty="0" smtClean="0">
+                <a:sym typeface="Wingdings" panose="05000000000000000000" pitchFamily="2" charset="2"/>
+              </a:rPr>
+              <a:t>Toleranzzone um Nullbereich</a:t>
+            </a:r>
+          </a:p>
+          <a:p>
+            <a:r>
+              <a:rPr lang="de-AT" dirty="0" smtClean="0">
+                <a:sym typeface="Wingdings" panose="05000000000000000000" pitchFamily="2" charset="2"/>
+              </a:rPr>
+              <a:t>Maximum-/Minimumgrenzen</a:t>
+            </a:r>
+          </a:p>
+          <a:p>
+            <a:endParaRPr lang="de-AT" dirty="0">
+              <a:sym typeface="Wingdings" panose="05000000000000000000" pitchFamily="2" charset="2"/>
+            </a:endParaRPr>
+          </a:p>
+          <a:p>
+            <a:r>
+              <a:rPr lang="de-AT" dirty="0" smtClean="0">
+                <a:sym typeface="Wingdings" panose="05000000000000000000" pitchFamily="2" charset="2"/>
+              </a:rPr>
+              <a:t>Beispiele:</a:t>
+            </a:r>
+          </a:p>
+          <a:p>
+            <a:pPr lvl="1"/>
+            <a:r>
+              <a:rPr lang="de-AT" sz="2800" dirty="0" smtClean="0">
+                <a:sym typeface="Wingdings" panose="05000000000000000000" pitchFamily="2" charset="2"/>
+              </a:rPr>
+              <a:t>A100.0B100.0</a:t>
+            </a:r>
+          </a:p>
+          <a:p>
+            <a:pPr lvl="1"/>
+            <a:r>
+              <a:rPr lang="de-AT" sz="2800" dirty="0" smtClean="0">
+                <a:sym typeface="Wingdings" panose="05000000000000000000" pitchFamily="2" charset="2"/>
+              </a:rPr>
+              <a:t>A50.0B150.0</a:t>
+            </a:r>
+          </a:p>
+          <a:p>
+            <a:pPr lvl="1"/>
+            <a:r>
+              <a:rPr lang="de-AT" sz="2800" dirty="0" smtClean="0">
+                <a:sym typeface="Wingdings" panose="05000000000000000000" pitchFamily="2" charset="2"/>
+              </a:rPr>
+              <a:t>A20.0B90.0</a:t>
+            </a:r>
+          </a:p>
+          <a:p>
+            <a:pPr lvl="1"/>
+            <a:r>
+              <a:rPr lang="de-AT" sz="2800" dirty="0" smtClean="0">
+                <a:sym typeface="Wingdings" panose="05000000000000000000" pitchFamily="2" charset="2"/>
+              </a:rPr>
+              <a:t>A140.0B99.0</a:t>
+            </a:r>
+          </a:p>
+          <a:p>
+            <a:endParaRPr lang="de-AT" dirty="0" smtClean="0">
+              <a:sym typeface="Wingdings" panose="05000000000000000000" pitchFamily="2" charset="2"/>
+            </a:endParaRPr>
+          </a:p>
+        </p:txBody>
+      </p:sp>
+      <p:pic>
+        <p:nvPicPr>
+          <p:cNvPr id="6" name="Grafik 5" descr="http://www.object-cam.de/content/Tutorials/RechteHandRegel.jpg"/>
+          <p:cNvPicPr/>
+          <p:nvPr/>
+        </p:nvPicPr>
+        <p:blipFill>
+          <a:blip r:embed="rId2">
+            <a:extLst>
+              <a:ext uri="{28A0092B-C50C-407E-A947-70E740481C1C}">
+                <a14:useLocalDpi xmlns:a14="http://schemas.microsoft.com/office/drawing/2010/main" val="0"/>
+              </a:ext>
+            </a:extLst>
+          </a:blip>
+          <a:srcRect/>
+          <a:stretch>
+            <a:fillRect/>
+          </a:stretch>
+        </p:blipFill>
+        <p:spPr bwMode="auto">
+          <a:xfrm>
+            <a:off x="6149340" y="2628900"/>
+            <a:ext cx="5410200" cy="3931920"/>
+          </a:xfrm>
+          <a:prstGeom prst="rect">
+            <a:avLst/>
+          </a:prstGeom>
+          <a:noFill/>
+          <a:ln>
+            <a:noFill/>
+          </a:ln>
+        </p:spPr>
+      </p:pic>
+    </p:spTree>
+    <p:extLst>
+      <p:ext uri="{BB962C8B-B14F-4D97-AF65-F5344CB8AC3E}">
+        <p14:creationId xmlns:p14="http://schemas.microsoft.com/office/powerpoint/2010/main" val="3484065649"/>
+      </p:ext>
+    </p:extLst>
+  </p:cSld>
+  <p:clrMapOvr>
+    <a:masterClrMapping/>
+  </p:clrMapOvr>
+  <p:timing>
+    <p:tnLst>
+      <p:par>
+        <p:cTn id="1" dur="indefinite" restart="never" nodeType="tmRoot"/>
+      </p:par>
+    </p:tnLst>
+  </p:timing>
+</p:sld>
+</file>
+
+<file path=ppt/slides/slide17.xml><?xml version="1.0" encoding="utf-8"?>
+<p:sld xmlns:a="http://schemas.openxmlformats.org/drawingml/2006/main" xmlns:r="http://schemas.openxmlformats.org/officeDocument/2006/relationships" xmlns:p="http://schemas.openxmlformats.org/presentationml/2006/main">
+  <p:cSld>
+    <p:spTree>
+      <p:nvGrpSpPr>
+        <p:cNvPr id="1" name=""/>
+        <p:cNvGrpSpPr/>
+        <p:nvPr/>
+      </p:nvGrpSpPr>
+      <p:grpSpPr>
+        <a:xfrm>
+          <a:off x="0" y="0"/>
+          <a:ext cx="0" cy="0"/>
+          <a:chOff x="0" y="0"/>
+          <a:chExt cx="0" cy="0"/>
+        </a:xfrm>
+      </p:grpSpPr>
+      <p:sp>
+        <p:nvSpPr>
+          <p:cNvPr id="2" name="Titel 1"/>
+          <p:cNvSpPr>
+            <a:spLocks noGrp="1"/>
+          </p:cNvSpPr>
+          <p:nvPr>
+            <p:ph type="title"/>
+          </p:nvPr>
+        </p:nvSpPr>
+        <p:spPr>
+          <a:xfrm>
+            <a:off x="0" y="0"/>
+            <a:ext cx="12192000" cy="6857999"/>
+          </a:xfrm>
+        </p:spPr>
+        <p:txBody>
+          <a:bodyPr/>
+          <a:lstStyle/>
+          <a:p>
+            <a:pPr algn="ctr"/>
+            <a:r>
+              <a:rPr lang="de-AT" sz="7200" b="1" dirty="0" smtClean="0">
+                <a:latin typeface="Aharoni" panose="02010803020104030203" pitchFamily="2" charset="-79"/>
+                <a:cs typeface="Aharoni" panose="02010803020104030203" pitchFamily="2" charset="-79"/>
+              </a:rPr>
+              <a:t>ENTWICKLUNGSPROZESS</a:t>
+            </a:r>
+            <a:endParaRPr lang="de-AT" b="1" dirty="0">
+              <a:latin typeface="Aharoni" panose="02010803020104030203" pitchFamily="2" charset="-79"/>
+              <a:cs typeface="Aharoni" panose="02010803020104030203" pitchFamily="2" charset="-79"/>
+            </a:endParaRPr>
+          </a:p>
+        </p:txBody>
+      </p:sp>
+    </p:spTree>
+    <p:extLst>
+      <p:ext uri="{BB962C8B-B14F-4D97-AF65-F5344CB8AC3E}">
+        <p14:creationId xmlns:p14="http://schemas.microsoft.com/office/powerpoint/2010/main" val="3608291677"/>
+      </p:ext>
+    </p:extLst>
+  </p:cSld>
+  <p:clrMapOvr>
+    <a:masterClrMapping/>
+  </p:clrMapOvr>
+  <p:timing>
+    <p:tnLst>
+      <p:par>
+        <p:cTn id="1" dur="indefinite" restart="never" nodeType="tmRoot"/>
+      </p:par>
+    </p:tnLst>
+  </p:timing>
+</p:sld>
+</file>
+
+<file path=ppt/slides/slide18.xml><?xml version="1.0" encoding="utf-8"?>
+<p:sld xmlns:a="http://schemas.openxmlformats.org/drawingml/2006/main" xmlns:r="http://schemas.openxmlformats.org/officeDocument/2006/relationships" xmlns:p="http://schemas.openxmlformats.org/presentationml/2006/main">
+  <p:cSld>
+    <p:spTree>
+      <p:nvGrpSpPr>
+        <p:cNvPr id="1" name=""/>
+        <p:cNvGrpSpPr/>
+        <p:nvPr/>
+      </p:nvGrpSpPr>
+      <p:grpSpPr>
+        <a:xfrm>
+          <a:off x="0" y="0"/>
+          <a:ext cx="0" cy="0"/>
+          <a:chOff x="0" y="0"/>
+          <a:chExt cx="0" cy="0"/>
+        </a:xfrm>
+      </p:grpSpPr>
+      <p:sp>
+        <p:nvSpPr>
+          <p:cNvPr id="2" name="Titel 1"/>
+          <p:cNvSpPr>
+            <a:spLocks noGrp="1"/>
+          </p:cNvSpPr>
+          <p:nvPr>
+            <p:ph type="title"/>
+          </p:nvPr>
+        </p:nvSpPr>
+        <p:spPr/>
+        <p:txBody>
+          <a:bodyPr/>
+          <a:lstStyle/>
+          <a:p>
+            <a:r>
+              <a:rPr lang="de-AT" dirty="0" smtClean="0">
+                <a:latin typeface="Aharoni" panose="02010803020104030203" pitchFamily="2" charset="-79"/>
+                <a:cs typeface="Aharoni" panose="02010803020104030203" pitchFamily="2" charset="-79"/>
+              </a:rPr>
+              <a:t>Erste Testläufe</a:t>
+            </a:r>
+            <a:endParaRPr lang="de-AT" dirty="0">
+              <a:latin typeface="Aharoni" panose="02010803020104030203" pitchFamily="2" charset="-79"/>
+              <a:cs typeface="Aharoni" panose="02010803020104030203" pitchFamily="2" charset="-79"/>
+            </a:endParaRPr>
+          </a:p>
+        </p:txBody>
+      </p:sp>
+      <p:sp>
+        <p:nvSpPr>
+          <p:cNvPr id="3" name="Inhaltsplatzhalter 2"/>
+          <p:cNvSpPr>
+            <a:spLocks noGrp="1"/>
+          </p:cNvSpPr>
+          <p:nvPr>
+            <p:ph idx="1"/>
+          </p:nvPr>
+        </p:nvSpPr>
+        <p:spPr/>
+        <p:txBody>
+          <a:bodyPr>
+            <a:normAutofit/>
+          </a:bodyPr>
+          <a:lstStyle/>
+          <a:p>
+            <a:endParaRPr lang="de-AT" sz="2800" dirty="0" smtClean="0"/>
+          </a:p>
+          <a:p>
+            <a:r>
+              <a:rPr lang="de-AT" sz="2800" dirty="0" smtClean="0"/>
+              <a:t>Erstellung </a:t>
+            </a:r>
+            <a:r>
+              <a:rPr lang="de-AT" sz="2800" dirty="0" smtClean="0"/>
+              <a:t>eines ersten Testprogrammes für den </a:t>
+            </a:r>
+            <a:r>
+              <a:rPr lang="de-AT" sz="2800" dirty="0" err="1" smtClean="0"/>
+              <a:t>Arduino</a:t>
+            </a:r>
+            <a:endParaRPr lang="de-AT" sz="2800" dirty="0" smtClean="0"/>
+          </a:p>
+          <a:p>
+            <a:endParaRPr lang="de-AT" sz="2800" dirty="0" smtClean="0"/>
+          </a:p>
+          <a:p>
+            <a:r>
+              <a:rPr lang="de-AT" sz="2800" dirty="0" smtClean="0"/>
+              <a:t>Noch ohne </a:t>
+            </a:r>
+            <a:r>
+              <a:rPr lang="de-AT" sz="2800" dirty="0" smtClean="0"/>
+              <a:t>Roboter</a:t>
+            </a:r>
+          </a:p>
+          <a:p>
+            <a:endParaRPr lang="de-AT" sz="2800" dirty="0" smtClean="0"/>
+          </a:p>
+          <a:p>
+            <a:r>
+              <a:rPr lang="de-AT" sz="2800" dirty="0" smtClean="0"/>
+              <a:t>Test über Serial Monitor</a:t>
+            </a:r>
+            <a:endParaRPr lang="de-AT" sz="2800" dirty="0"/>
           </a:p>
         </p:txBody>
       </p:sp>
@@ -3940,6 +5580,158 @@
   <p:clrMapOvr>
     <a:masterClrMapping/>
   </p:clrMapOvr>
+</p:sld>
+</file>
+
+<file path=ppt/slides/slide19.xml><?xml version="1.0" encoding="utf-8"?>
+<p:sld xmlns:a="http://schemas.openxmlformats.org/drawingml/2006/main" xmlns:r="http://schemas.openxmlformats.org/officeDocument/2006/relationships" xmlns:p="http://schemas.openxmlformats.org/presentationml/2006/main">
+  <p:cSld>
+    <p:spTree>
+      <p:nvGrpSpPr>
+        <p:cNvPr id="1" name=""/>
+        <p:cNvGrpSpPr/>
+        <p:nvPr/>
+      </p:nvGrpSpPr>
+      <p:grpSpPr>
+        <a:xfrm>
+          <a:off x="0" y="0"/>
+          <a:ext cx="0" cy="0"/>
+          <a:chOff x="0" y="0"/>
+          <a:chExt cx="0" cy="0"/>
+        </a:xfrm>
+      </p:grpSpPr>
+      <p:sp>
+        <p:nvSpPr>
+          <p:cNvPr id="2" name="Titel 1"/>
+          <p:cNvSpPr>
+            <a:spLocks noGrp="1"/>
+          </p:cNvSpPr>
+          <p:nvPr>
+            <p:ph type="title"/>
+          </p:nvPr>
+        </p:nvSpPr>
+        <p:spPr/>
+        <p:txBody>
+          <a:bodyPr/>
+          <a:lstStyle/>
+          <a:p>
+            <a:r>
+              <a:rPr lang="de-AT" dirty="0" smtClean="0">
+                <a:latin typeface="Aharoni" panose="02010803020104030203" pitchFamily="2" charset="-79"/>
+                <a:cs typeface="Aharoni" panose="02010803020104030203" pitchFamily="2" charset="-79"/>
+              </a:rPr>
+              <a:t>Testläufe</a:t>
+            </a:r>
+            <a:endParaRPr lang="de-AT" dirty="0">
+              <a:latin typeface="Aharoni" panose="02010803020104030203" pitchFamily="2" charset="-79"/>
+              <a:cs typeface="Aharoni" panose="02010803020104030203" pitchFamily="2" charset="-79"/>
+            </a:endParaRPr>
+          </a:p>
+        </p:txBody>
+      </p:sp>
+      <p:sp>
+        <p:nvSpPr>
+          <p:cNvPr id="3" name="Inhaltsplatzhalter 2"/>
+          <p:cNvSpPr>
+            <a:spLocks noGrp="1"/>
+          </p:cNvSpPr>
+          <p:nvPr>
+            <p:ph idx="1"/>
+          </p:nvPr>
+        </p:nvSpPr>
+        <p:spPr/>
+        <p:txBody>
+          <a:bodyPr>
+            <a:normAutofit/>
+          </a:bodyPr>
+          <a:lstStyle/>
+          <a:p>
+            <a:r>
+              <a:rPr lang="de-AT" sz="2800" dirty="0" smtClean="0"/>
+              <a:t>Test mit </a:t>
+            </a:r>
+            <a:r>
+              <a:rPr lang="de-AT" sz="2800" dirty="0" smtClean="0"/>
+              <a:t>Hardware</a:t>
+            </a:r>
+          </a:p>
+          <a:p>
+            <a:endParaRPr lang="de-AT" sz="2800" dirty="0" smtClean="0"/>
+          </a:p>
+          <a:p>
+            <a:r>
+              <a:rPr lang="de-AT" sz="2800" dirty="0" smtClean="0"/>
+              <a:t>Testdaten:</a:t>
+            </a:r>
+          </a:p>
+          <a:p>
+            <a:pPr lvl="1"/>
+            <a:r>
+              <a:rPr lang="de-AT" sz="2800" dirty="0" smtClean="0"/>
+              <a:t>Simulierter Code von </a:t>
+            </a:r>
+            <a:r>
+              <a:rPr lang="de-AT" sz="2800" dirty="0" err="1" smtClean="0"/>
+              <a:t>LeapMotion</a:t>
+            </a:r>
+            <a:endParaRPr lang="de-AT" sz="2800" dirty="0" smtClean="0"/>
+          </a:p>
+          <a:p>
+            <a:pPr lvl="1"/>
+            <a:r>
+              <a:rPr lang="de-AT" sz="2800" dirty="0" smtClean="0"/>
+              <a:t>Roboter vor</a:t>
+            </a:r>
+          </a:p>
+          <a:p>
+            <a:pPr lvl="1"/>
+            <a:r>
+              <a:rPr lang="de-AT" sz="2800" dirty="0" smtClean="0"/>
+              <a:t>Roboter </a:t>
+            </a:r>
+            <a:r>
+              <a:rPr lang="de-AT" sz="2800" dirty="0" smtClean="0"/>
+              <a:t>links/rechts</a:t>
+            </a:r>
+          </a:p>
+          <a:p>
+            <a:pPr lvl="1"/>
+            <a:endParaRPr lang="de-AT" sz="2800" dirty="0" smtClean="0"/>
+          </a:p>
+          <a:p>
+            <a:pPr marL="228600" lvl="1">
+              <a:spcBef>
+                <a:spcPts val="1000"/>
+              </a:spcBef>
+            </a:pPr>
+            <a:r>
+              <a:rPr lang="de-AT" sz="2800" dirty="0" smtClean="0"/>
+              <a:t>Erste </a:t>
+            </a:r>
+            <a:r>
+              <a:rPr lang="de-AT" sz="2800" dirty="0"/>
+              <a:t>Erfolge</a:t>
+            </a:r>
+          </a:p>
+        </p:txBody>
+      </p:sp>
+    </p:spTree>
+    <p:extLst>
+      <p:ext uri="{BB962C8B-B14F-4D97-AF65-F5344CB8AC3E}">
+        <p14:creationId xmlns:p14="http://schemas.microsoft.com/office/powerpoint/2010/main" val="1330255358"/>
+      </p:ext>
+    </p:extLst>
+  </p:cSld>
+  <p:clrMapOvr>
+    <a:masterClrMapping/>
+  </p:clrMapOvr>
+  <p:timing>
+    <p:tnLst>
+      <p:par>
+        <p:cTn id="1" dur="indefinite" restart="never" nodeType="tmRoot"/>
+      </p:par>
+    </p:tnLst>
+  </p:timing>
 </p:sld>
 </file>
 
@@ -3999,6 +5791,719 @@
     <p:extLst>
       <p:ext uri="{BB962C8B-B14F-4D97-AF65-F5344CB8AC3E}">
         <p14:creationId xmlns:p14="http://schemas.microsoft.com/office/powerpoint/2010/main" val="4047417190"/>
+      </p:ext>
+    </p:extLst>
+  </p:cSld>
+  <p:clrMapOvr>
+    <a:masterClrMapping/>
+  </p:clrMapOvr>
+  <p:timing>
+    <p:tnLst>
+      <p:par>
+        <p:cTn id="1" dur="indefinite" restart="never" nodeType="tmRoot"/>
+      </p:par>
+    </p:tnLst>
+  </p:timing>
+</p:sld>
+</file>
+
+<file path=ppt/slides/slide20.xml><?xml version="1.0" encoding="utf-8"?>
+<p:sld xmlns:a="http://schemas.openxmlformats.org/drawingml/2006/main" xmlns:r="http://schemas.openxmlformats.org/officeDocument/2006/relationships" xmlns:p="http://schemas.openxmlformats.org/presentationml/2006/main">
+  <p:cSld>
+    <p:spTree>
+      <p:nvGrpSpPr>
+        <p:cNvPr id="1" name=""/>
+        <p:cNvGrpSpPr/>
+        <p:nvPr/>
+      </p:nvGrpSpPr>
+      <p:grpSpPr>
+        <a:xfrm>
+          <a:off x="0" y="0"/>
+          <a:ext cx="0" cy="0"/>
+          <a:chOff x="0" y="0"/>
+          <a:chExt cx="0" cy="0"/>
+        </a:xfrm>
+      </p:grpSpPr>
+      <p:sp>
+        <p:nvSpPr>
+          <p:cNvPr id="2" name="Titel 1"/>
+          <p:cNvSpPr>
+            <a:spLocks noGrp="1"/>
+          </p:cNvSpPr>
+          <p:nvPr>
+            <p:ph type="title"/>
+          </p:nvPr>
+        </p:nvSpPr>
+        <p:spPr/>
+        <p:txBody>
+          <a:bodyPr/>
+          <a:lstStyle/>
+          <a:p>
+            <a:r>
+              <a:rPr lang="de-AT" dirty="0" smtClean="0">
+                <a:latin typeface="Aharoni" panose="02010803020104030203" pitchFamily="2" charset="-79"/>
+                <a:cs typeface="Aharoni" panose="02010803020104030203" pitchFamily="2" charset="-79"/>
+              </a:rPr>
+              <a:t>Testläufe</a:t>
+            </a:r>
+            <a:endParaRPr lang="de-AT" dirty="0">
+              <a:latin typeface="Aharoni" panose="02010803020104030203" pitchFamily="2" charset="-79"/>
+              <a:cs typeface="Aharoni" panose="02010803020104030203" pitchFamily="2" charset="-79"/>
+            </a:endParaRPr>
+          </a:p>
+        </p:txBody>
+      </p:sp>
+      <p:sp>
+        <p:nvSpPr>
+          <p:cNvPr id="3" name="Inhaltsplatzhalter 2"/>
+          <p:cNvSpPr>
+            <a:spLocks noGrp="1"/>
+          </p:cNvSpPr>
+          <p:nvPr>
+            <p:ph idx="1"/>
+          </p:nvPr>
+        </p:nvSpPr>
+        <p:spPr/>
+        <p:txBody>
+          <a:bodyPr>
+            <a:normAutofit/>
+          </a:bodyPr>
+          <a:lstStyle/>
+          <a:p>
+            <a:r>
+              <a:rPr lang="de-AT" sz="2800" dirty="0" smtClean="0"/>
+              <a:t>Testen des </a:t>
+            </a:r>
+            <a:r>
+              <a:rPr lang="de-AT" sz="2800" dirty="0" err="1" smtClean="0"/>
+              <a:t>Bluetoothmoduls</a:t>
+            </a:r>
+            <a:endParaRPr lang="de-AT" sz="2800" dirty="0" smtClean="0"/>
+          </a:p>
+          <a:p>
+            <a:endParaRPr lang="de-AT" sz="2800" dirty="0" smtClean="0"/>
+          </a:p>
+          <a:p>
+            <a:r>
+              <a:rPr lang="de-AT" sz="2800" dirty="0" smtClean="0"/>
+              <a:t>Testdaten erzeugt von C</a:t>
+            </a:r>
+            <a:r>
+              <a:rPr lang="de-AT" sz="2800" dirty="0" smtClean="0"/>
+              <a:t>#</a:t>
+            </a:r>
+          </a:p>
+          <a:p>
+            <a:endParaRPr lang="de-AT" sz="2800" dirty="0" smtClean="0"/>
+          </a:p>
+          <a:p>
+            <a:r>
+              <a:rPr lang="de-AT" sz="2800" dirty="0" smtClean="0"/>
+              <a:t>Werden via Bluetooth an </a:t>
+            </a:r>
+            <a:r>
+              <a:rPr lang="de-AT" sz="2800" dirty="0" err="1" smtClean="0"/>
+              <a:t>Bluetoothmodul</a:t>
+            </a:r>
+            <a:r>
+              <a:rPr lang="de-AT" sz="2800" dirty="0" smtClean="0"/>
+              <a:t> </a:t>
+            </a:r>
+            <a:r>
+              <a:rPr lang="de-AT" sz="2800" dirty="0" smtClean="0"/>
+              <a:t>gesendet</a:t>
+            </a:r>
+          </a:p>
+          <a:p>
+            <a:endParaRPr lang="de-AT" sz="2800" dirty="0" smtClean="0"/>
+          </a:p>
+          <a:p>
+            <a:r>
+              <a:rPr lang="de-AT" sz="2800" dirty="0" err="1" smtClean="0"/>
+              <a:t>Arduino</a:t>
+            </a:r>
+            <a:r>
+              <a:rPr lang="de-AT" sz="2800" dirty="0" smtClean="0"/>
+              <a:t> verarbeitet </a:t>
+            </a:r>
+            <a:r>
+              <a:rPr lang="de-AT" sz="2800" dirty="0" smtClean="0"/>
+              <a:t>Daten</a:t>
+            </a:r>
+          </a:p>
+          <a:p>
+            <a:endParaRPr lang="de-AT" sz="2800" dirty="0" smtClean="0"/>
+          </a:p>
+          <a:p>
+            <a:r>
+              <a:rPr lang="de-AT" sz="2800" dirty="0" smtClean="0"/>
+              <a:t>Gibt diese über den </a:t>
+            </a:r>
+            <a:r>
+              <a:rPr lang="de-AT" sz="2800" dirty="0" err="1" smtClean="0"/>
+              <a:t>SerialMonitor</a:t>
+            </a:r>
+            <a:r>
+              <a:rPr lang="de-AT" sz="2800" dirty="0" smtClean="0"/>
+              <a:t> aus</a:t>
+            </a:r>
+            <a:endParaRPr lang="de-AT" sz="2800" dirty="0"/>
+          </a:p>
+        </p:txBody>
+      </p:sp>
+    </p:spTree>
+    <p:extLst>
+      <p:ext uri="{BB962C8B-B14F-4D97-AF65-F5344CB8AC3E}">
+        <p14:creationId xmlns:p14="http://schemas.microsoft.com/office/powerpoint/2010/main" val="764144577"/>
+      </p:ext>
+    </p:extLst>
+  </p:cSld>
+  <p:clrMapOvr>
+    <a:masterClrMapping/>
+  </p:clrMapOvr>
+  <p:timing>
+    <p:tnLst>
+      <p:par>
+        <p:cTn id="1" dur="indefinite" restart="never" nodeType="tmRoot"/>
+      </p:par>
+    </p:tnLst>
+  </p:timing>
+</p:sld>
+</file>
+
+<file path=ppt/slides/slide21.xml><?xml version="1.0" encoding="utf-8"?>
+<p:sld xmlns:a="http://schemas.openxmlformats.org/drawingml/2006/main" xmlns:r="http://schemas.openxmlformats.org/officeDocument/2006/relationships" xmlns:p="http://schemas.openxmlformats.org/presentationml/2006/main">
+  <p:cSld>
+    <p:spTree>
+      <p:nvGrpSpPr>
+        <p:cNvPr id="1" name=""/>
+        <p:cNvGrpSpPr/>
+        <p:nvPr/>
+      </p:nvGrpSpPr>
+      <p:grpSpPr>
+        <a:xfrm>
+          <a:off x="0" y="0"/>
+          <a:ext cx="0" cy="0"/>
+          <a:chOff x="0" y="0"/>
+          <a:chExt cx="0" cy="0"/>
+        </a:xfrm>
+      </p:grpSpPr>
+      <p:sp>
+        <p:nvSpPr>
+          <p:cNvPr id="2" name="Titel 1"/>
+          <p:cNvSpPr>
+            <a:spLocks noGrp="1"/>
+          </p:cNvSpPr>
+          <p:nvPr>
+            <p:ph type="title"/>
+          </p:nvPr>
+        </p:nvSpPr>
+        <p:spPr/>
+        <p:txBody>
+          <a:bodyPr/>
+          <a:lstStyle/>
+          <a:p>
+            <a:r>
+              <a:rPr lang="de-AT" dirty="0" smtClean="0">
+                <a:latin typeface="Aharoni" panose="02010803020104030203" pitchFamily="2" charset="-79"/>
+                <a:cs typeface="Aharoni" panose="02010803020104030203" pitchFamily="2" charset="-79"/>
+              </a:rPr>
+              <a:t>Testläufe</a:t>
+            </a:r>
+            <a:endParaRPr lang="de-AT" dirty="0">
+              <a:latin typeface="Aharoni" panose="02010803020104030203" pitchFamily="2" charset="-79"/>
+              <a:cs typeface="Aharoni" panose="02010803020104030203" pitchFamily="2" charset="-79"/>
+            </a:endParaRPr>
+          </a:p>
+        </p:txBody>
+      </p:sp>
+      <p:sp>
+        <p:nvSpPr>
+          <p:cNvPr id="3" name="Inhaltsplatzhalter 2"/>
+          <p:cNvSpPr>
+            <a:spLocks noGrp="1"/>
+          </p:cNvSpPr>
+          <p:nvPr>
+            <p:ph idx="1"/>
+          </p:nvPr>
+        </p:nvSpPr>
+        <p:spPr/>
+        <p:txBody>
+          <a:bodyPr>
+            <a:normAutofit/>
+          </a:bodyPr>
+          <a:lstStyle/>
+          <a:p>
+            <a:r>
+              <a:rPr lang="de-AT" sz="2800" dirty="0" smtClean="0"/>
+              <a:t>„Haupttestlauf</a:t>
+            </a:r>
+            <a:r>
+              <a:rPr lang="de-AT" sz="2800" dirty="0" smtClean="0"/>
+              <a:t>“</a:t>
+            </a:r>
+          </a:p>
+          <a:p>
+            <a:endParaRPr lang="de-AT" sz="2800" dirty="0" smtClean="0"/>
+          </a:p>
+          <a:p>
+            <a:r>
+              <a:rPr lang="de-AT" sz="2800" dirty="0" smtClean="0"/>
+              <a:t>C# - Programm verarbeitet Daten der </a:t>
+            </a:r>
+            <a:r>
+              <a:rPr lang="de-AT" sz="2800" dirty="0" err="1" smtClean="0"/>
+              <a:t>LeapMotion</a:t>
+            </a:r>
+            <a:endParaRPr lang="de-AT" sz="2800" dirty="0" smtClean="0"/>
+          </a:p>
+          <a:p>
+            <a:endParaRPr lang="de-AT" sz="2800" dirty="0" smtClean="0"/>
+          </a:p>
+          <a:p>
+            <a:r>
+              <a:rPr lang="de-AT" sz="2800" dirty="0" smtClean="0"/>
+              <a:t>Sendet diese an den </a:t>
+            </a:r>
+            <a:r>
+              <a:rPr lang="de-AT" sz="2800" dirty="0" err="1" smtClean="0"/>
+              <a:t>Arduino</a:t>
+            </a:r>
+            <a:endParaRPr lang="de-AT" sz="2800" dirty="0" smtClean="0"/>
+          </a:p>
+          <a:p>
+            <a:endParaRPr lang="de-AT" sz="2800" dirty="0" smtClean="0"/>
+          </a:p>
+          <a:p>
+            <a:r>
+              <a:rPr lang="de-AT" sz="2800" dirty="0" err="1" smtClean="0"/>
+              <a:t>Arduinoprogramm</a:t>
+            </a:r>
+            <a:r>
+              <a:rPr lang="de-AT" sz="2800" dirty="0" smtClean="0"/>
+              <a:t> verarbeitet die empfangenen </a:t>
+            </a:r>
+            <a:r>
+              <a:rPr lang="de-AT" sz="2800" dirty="0" smtClean="0"/>
+              <a:t>Daten</a:t>
+            </a:r>
+            <a:endParaRPr lang="de-AT" sz="2800" dirty="0" smtClean="0"/>
+          </a:p>
+        </p:txBody>
+      </p:sp>
+    </p:spTree>
+    <p:extLst>
+      <p:ext uri="{BB962C8B-B14F-4D97-AF65-F5344CB8AC3E}">
+        <p14:creationId xmlns:p14="http://schemas.microsoft.com/office/powerpoint/2010/main" val="2342738794"/>
+      </p:ext>
+    </p:extLst>
+  </p:cSld>
+  <p:clrMapOvr>
+    <a:masterClrMapping/>
+  </p:clrMapOvr>
+  <p:timing>
+    <p:tnLst>
+      <p:par>
+        <p:cTn id="1" dur="indefinite" restart="never" nodeType="tmRoot"/>
+      </p:par>
+    </p:tnLst>
+  </p:timing>
+</p:sld>
+</file>
+
+<file path=ppt/slides/slide22.xml><?xml version="1.0" encoding="utf-8"?>
+<p:sld xmlns:a="http://schemas.openxmlformats.org/drawingml/2006/main" xmlns:r="http://schemas.openxmlformats.org/officeDocument/2006/relationships" xmlns:p="http://schemas.openxmlformats.org/presentationml/2006/main">
+  <p:cSld>
+    <p:spTree>
+      <p:nvGrpSpPr>
+        <p:cNvPr id="1" name=""/>
+        <p:cNvGrpSpPr/>
+        <p:nvPr/>
+      </p:nvGrpSpPr>
+      <p:grpSpPr>
+        <a:xfrm>
+          <a:off x="0" y="0"/>
+          <a:ext cx="0" cy="0"/>
+          <a:chOff x="0" y="0"/>
+          <a:chExt cx="0" cy="0"/>
+        </a:xfrm>
+      </p:grpSpPr>
+      <p:sp>
+        <p:nvSpPr>
+          <p:cNvPr id="2" name="Titel 1"/>
+          <p:cNvSpPr>
+            <a:spLocks noGrp="1"/>
+          </p:cNvSpPr>
+          <p:nvPr>
+            <p:ph type="title"/>
+          </p:nvPr>
+        </p:nvSpPr>
+        <p:spPr>
+          <a:xfrm>
+            <a:off x="0" y="0"/>
+            <a:ext cx="12192000" cy="6857999"/>
+          </a:xfrm>
+        </p:spPr>
+        <p:txBody>
+          <a:bodyPr/>
+          <a:lstStyle/>
+          <a:p>
+            <a:pPr algn="ctr"/>
+            <a:r>
+              <a:rPr lang="de-AT" sz="7200" b="1" dirty="0" smtClean="0">
+                <a:latin typeface="Aharoni" panose="02010803020104030203" pitchFamily="2" charset="-79"/>
+                <a:cs typeface="Aharoni" panose="02010803020104030203" pitchFamily="2" charset="-79"/>
+              </a:rPr>
+              <a:t>AUSBLICK</a:t>
+            </a:r>
+            <a:endParaRPr lang="de-AT" b="1" dirty="0">
+              <a:latin typeface="Aharoni" panose="02010803020104030203" pitchFamily="2" charset="-79"/>
+              <a:cs typeface="Aharoni" panose="02010803020104030203" pitchFamily="2" charset="-79"/>
+            </a:endParaRPr>
+          </a:p>
+        </p:txBody>
+      </p:sp>
+    </p:spTree>
+    <p:extLst>
+      <p:ext uri="{BB962C8B-B14F-4D97-AF65-F5344CB8AC3E}">
+        <p14:creationId xmlns:p14="http://schemas.microsoft.com/office/powerpoint/2010/main" val="316399496"/>
+      </p:ext>
+    </p:extLst>
+  </p:cSld>
+  <p:clrMapOvr>
+    <a:masterClrMapping/>
+  </p:clrMapOvr>
+  <p:timing>
+    <p:tnLst>
+      <p:par>
+        <p:cTn id="1" dur="indefinite" restart="never" nodeType="tmRoot"/>
+      </p:par>
+    </p:tnLst>
+  </p:timing>
+</p:sld>
+</file>
+
+<file path=ppt/slides/slide23.xml><?xml version="1.0" encoding="utf-8"?>
+<p:sld xmlns:a="http://schemas.openxmlformats.org/drawingml/2006/main" xmlns:r="http://schemas.openxmlformats.org/officeDocument/2006/relationships" xmlns:p="http://schemas.openxmlformats.org/presentationml/2006/main">
+  <p:cSld>
+    <p:spTree>
+      <p:nvGrpSpPr>
+        <p:cNvPr id="1" name=""/>
+        <p:cNvGrpSpPr/>
+        <p:nvPr/>
+      </p:nvGrpSpPr>
+      <p:grpSpPr>
+        <a:xfrm>
+          <a:off x="0" y="0"/>
+          <a:ext cx="0" cy="0"/>
+          <a:chOff x="0" y="0"/>
+          <a:chExt cx="0" cy="0"/>
+        </a:xfrm>
+      </p:grpSpPr>
+      <p:sp>
+        <p:nvSpPr>
+          <p:cNvPr id="4" name="Titel 1"/>
+          <p:cNvSpPr txBox="1">
+            <a:spLocks/>
+          </p:cNvSpPr>
+          <p:nvPr/>
+        </p:nvSpPr>
+        <p:spPr>
+          <a:xfrm>
+            <a:off x="838200" y="365125"/>
+            <a:ext cx="10515600" cy="1325563"/>
+          </a:xfrm>
+          <a:prstGeom prst="rect">
+            <a:avLst/>
+          </a:prstGeom>
+        </p:spPr>
+        <p:txBody>
+          <a:bodyPr vert="horz" lIns="91440" tIns="45720" rIns="91440" bIns="45720" rtlCol="0" anchor="ctr">
+            <a:normAutofit/>
+          </a:bodyPr>
+          <a:lstStyle>
+            <a:lvl1pPr algn="l" defTabSz="914400" rtl="0" eaLnBrk="1" latinLnBrk="0" hangingPunct="1">
+              <a:lnSpc>
+                <a:spcPct val="90000"/>
+              </a:lnSpc>
+              <a:spcBef>
+                <a:spcPct val="0"/>
+              </a:spcBef>
+              <a:buNone/>
+              <a:defRPr sz="4400" kern="1200">
+                <a:solidFill>
+                  <a:schemeClr val="tx1"/>
+                </a:solidFill>
+                <a:latin typeface="+mj-lt"/>
+                <a:ea typeface="+mj-ea"/>
+                <a:cs typeface="+mj-cs"/>
+              </a:defRPr>
+            </a:lvl1pPr>
+          </a:lstStyle>
+          <a:p>
+            <a:r>
+              <a:rPr lang="de-AT" sz="4600" b="1" dirty="0" smtClean="0">
+                <a:latin typeface="Aharoni" panose="02010803020104030203" pitchFamily="2" charset="-79"/>
+                <a:cs typeface="Aharoni" panose="02010803020104030203" pitchFamily="2" charset="-79"/>
+              </a:rPr>
+              <a:t>Erweiterungsmöglichkeiten</a:t>
+            </a:r>
+          </a:p>
+        </p:txBody>
+      </p:sp>
+      <p:sp>
+        <p:nvSpPr>
+          <p:cNvPr id="5" name="Inhaltsplatzhalter 2"/>
+          <p:cNvSpPr txBox="1">
+            <a:spLocks/>
+          </p:cNvSpPr>
+          <p:nvPr/>
+        </p:nvSpPr>
+        <p:spPr>
+          <a:xfrm>
+            <a:off x="838200" y="1666081"/>
+            <a:ext cx="8374380" cy="4894739"/>
+          </a:xfrm>
+          <a:prstGeom prst="rect">
+            <a:avLst/>
+          </a:prstGeom>
+        </p:spPr>
+        <p:txBody>
+          <a:bodyPr vert="horz" lIns="91440" tIns="45720" rIns="91440" bIns="45720" rtlCol="0">
+            <a:normAutofit fontScale="92500" lnSpcReduction="10000"/>
+          </a:bodyPr>
+          <a:lstStyle>
+            <a:lvl1pPr marL="228600" indent="-228600" algn="l" defTabSz="914400" rtl="0" eaLnBrk="1" latinLnBrk="0" hangingPunct="1">
+              <a:lnSpc>
+                <a:spcPct val="90000"/>
+              </a:lnSpc>
+              <a:spcBef>
+                <a:spcPts val="1000"/>
+              </a:spcBef>
+              <a:buFont typeface="Arial" panose="020B0604020202020204" pitchFamily="34" charset="0"/>
+              <a:buChar char="•"/>
+              <a:defRPr sz="2800" kern="1200">
+                <a:solidFill>
+                  <a:schemeClr val="tx1"/>
+                </a:solidFill>
+                <a:latin typeface="+mn-lt"/>
+                <a:ea typeface="+mn-ea"/>
+                <a:cs typeface="+mn-cs"/>
+              </a:defRPr>
+            </a:lvl1pPr>
+            <a:lvl2pPr marL="685800" indent="-228600" algn="l" defTabSz="914400" rtl="0" eaLnBrk="1" latinLnBrk="0" hangingPunct="1">
+              <a:lnSpc>
+                <a:spcPct val="90000"/>
+              </a:lnSpc>
+              <a:spcBef>
+                <a:spcPts val="500"/>
+              </a:spcBef>
+              <a:buFont typeface="Arial" panose="020B0604020202020204" pitchFamily="34" charset="0"/>
+              <a:buChar char="•"/>
+              <a:defRPr sz="2400" kern="1200">
+                <a:solidFill>
+                  <a:schemeClr val="tx1"/>
+                </a:solidFill>
+                <a:latin typeface="+mn-lt"/>
+                <a:ea typeface="+mn-ea"/>
+                <a:cs typeface="+mn-cs"/>
+              </a:defRPr>
+            </a:lvl2pPr>
+            <a:lvl3pPr marL="1143000" indent="-228600" algn="l" defTabSz="914400" rtl="0" eaLnBrk="1" latinLnBrk="0" hangingPunct="1">
+              <a:lnSpc>
+                <a:spcPct val="90000"/>
+              </a:lnSpc>
+              <a:spcBef>
+                <a:spcPts val="500"/>
+              </a:spcBef>
+              <a:buFont typeface="Arial" panose="020B0604020202020204" pitchFamily="34" charset="0"/>
+              <a:buChar char="•"/>
+              <a:defRPr sz="2000" kern="1200">
+                <a:solidFill>
+                  <a:schemeClr val="tx1"/>
+                </a:solidFill>
+                <a:latin typeface="+mn-lt"/>
+                <a:ea typeface="+mn-ea"/>
+                <a:cs typeface="+mn-cs"/>
+              </a:defRPr>
+            </a:lvl3pPr>
+            <a:lvl4pPr marL="1600200" indent="-228600" algn="l" defTabSz="914400" rtl="0" eaLnBrk="1" latinLnBrk="0" hangingPunct="1">
+              <a:lnSpc>
+                <a:spcPct val="90000"/>
+              </a:lnSpc>
+              <a:spcBef>
+                <a:spcPts val="500"/>
+              </a:spcBef>
+              <a:buFont typeface="Arial" panose="020B0604020202020204" pitchFamily="34" charset="0"/>
+              <a:buChar char="•"/>
+              <a:defRPr sz="1800" kern="1200">
+                <a:solidFill>
+                  <a:schemeClr val="tx1"/>
+                </a:solidFill>
+                <a:latin typeface="+mn-lt"/>
+                <a:ea typeface="+mn-ea"/>
+                <a:cs typeface="+mn-cs"/>
+              </a:defRPr>
+            </a:lvl4pPr>
+            <a:lvl5pPr marL="2057400" indent="-228600" algn="l" defTabSz="914400" rtl="0" eaLnBrk="1" latinLnBrk="0" hangingPunct="1">
+              <a:lnSpc>
+                <a:spcPct val="90000"/>
+              </a:lnSpc>
+              <a:spcBef>
+                <a:spcPts val="500"/>
+              </a:spcBef>
+              <a:buFont typeface="Arial" panose="020B0604020202020204" pitchFamily="34" charset="0"/>
+              <a:buChar char="•"/>
+              <a:defRPr sz="1800" kern="1200">
+                <a:solidFill>
+                  <a:schemeClr val="tx1"/>
+                </a:solidFill>
+                <a:latin typeface="+mn-lt"/>
+                <a:ea typeface="+mn-ea"/>
+                <a:cs typeface="+mn-cs"/>
+              </a:defRPr>
+            </a:lvl5pPr>
+            <a:lvl6pPr marL="2514600" indent="-228600" algn="l" defTabSz="914400" rtl="0" eaLnBrk="1" latinLnBrk="0" hangingPunct="1">
+              <a:lnSpc>
+                <a:spcPct val="90000"/>
+              </a:lnSpc>
+              <a:spcBef>
+                <a:spcPts val="500"/>
+              </a:spcBef>
+              <a:buFont typeface="Arial" panose="020B0604020202020204" pitchFamily="34" charset="0"/>
+              <a:buChar char="•"/>
+              <a:defRPr sz="1800" kern="1200">
+                <a:solidFill>
+                  <a:schemeClr val="tx1"/>
+                </a:solidFill>
+                <a:latin typeface="+mn-lt"/>
+                <a:ea typeface="+mn-ea"/>
+                <a:cs typeface="+mn-cs"/>
+              </a:defRPr>
+            </a:lvl6pPr>
+            <a:lvl7pPr marL="2971800" indent="-228600" algn="l" defTabSz="914400" rtl="0" eaLnBrk="1" latinLnBrk="0" hangingPunct="1">
+              <a:lnSpc>
+                <a:spcPct val="90000"/>
+              </a:lnSpc>
+              <a:spcBef>
+                <a:spcPts val="500"/>
+              </a:spcBef>
+              <a:buFont typeface="Arial" panose="020B0604020202020204" pitchFamily="34" charset="0"/>
+              <a:buChar char="•"/>
+              <a:defRPr sz="1800" kern="1200">
+                <a:solidFill>
+                  <a:schemeClr val="tx1"/>
+                </a:solidFill>
+                <a:latin typeface="+mn-lt"/>
+                <a:ea typeface="+mn-ea"/>
+                <a:cs typeface="+mn-cs"/>
+              </a:defRPr>
+            </a:lvl7pPr>
+            <a:lvl8pPr marL="3429000" indent="-228600" algn="l" defTabSz="914400" rtl="0" eaLnBrk="1" latinLnBrk="0" hangingPunct="1">
+              <a:lnSpc>
+                <a:spcPct val="90000"/>
+              </a:lnSpc>
+              <a:spcBef>
+                <a:spcPts val="500"/>
+              </a:spcBef>
+              <a:buFont typeface="Arial" panose="020B0604020202020204" pitchFamily="34" charset="0"/>
+              <a:buChar char="•"/>
+              <a:defRPr sz="1800" kern="1200">
+                <a:solidFill>
+                  <a:schemeClr val="tx1"/>
+                </a:solidFill>
+                <a:latin typeface="+mn-lt"/>
+                <a:ea typeface="+mn-ea"/>
+                <a:cs typeface="+mn-cs"/>
+              </a:defRPr>
+            </a:lvl8pPr>
+            <a:lvl9pPr marL="3886200" indent="-228600" algn="l" defTabSz="914400" rtl="0" eaLnBrk="1" latinLnBrk="0" hangingPunct="1">
+              <a:lnSpc>
+                <a:spcPct val="90000"/>
+              </a:lnSpc>
+              <a:spcBef>
+                <a:spcPts val="500"/>
+              </a:spcBef>
+              <a:buFont typeface="Arial" panose="020B0604020202020204" pitchFamily="34" charset="0"/>
+              <a:buChar char="•"/>
+              <a:defRPr sz="1800" kern="1200">
+                <a:solidFill>
+                  <a:schemeClr val="tx1"/>
+                </a:solidFill>
+                <a:latin typeface="+mn-lt"/>
+                <a:ea typeface="+mn-ea"/>
+                <a:cs typeface="+mn-cs"/>
+              </a:defRPr>
+            </a:lvl9pPr>
+          </a:lstStyle>
+          <a:p>
+            <a:r>
+              <a:rPr lang="de-AT" dirty="0" smtClean="0"/>
+              <a:t>Verschönerung Aussehen</a:t>
+            </a:r>
+          </a:p>
+          <a:p>
+            <a:endParaRPr lang="de-AT" dirty="0" smtClean="0"/>
+          </a:p>
+          <a:p>
+            <a:r>
+              <a:rPr lang="de-AT" dirty="0" smtClean="0"/>
+              <a:t>Stützrad in hinterem Bereich</a:t>
+            </a:r>
+          </a:p>
+          <a:p>
+            <a:endParaRPr lang="de-AT" dirty="0" smtClean="0"/>
+          </a:p>
+          <a:p>
+            <a:r>
+              <a:rPr lang="de-AT" dirty="0" smtClean="0"/>
+              <a:t>Distanzmesser soll um Kurve schauen</a:t>
+            </a:r>
+          </a:p>
+          <a:p>
+            <a:endParaRPr lang="de-AT" dirty="0" smtClean="0"/>
+          </a:p>
+          <a:p>
+            <a:r>
+              <a:rPr lang="de-AT" dirty="0" smtClean="0"/>
+              <a:t>Einbau Lautsprecher</a:t>
+            </a:r>
+          </a:p>
+          <a:p>
+            <a:endParaRPr lang="de-AT" dirty="0" smtClean="0"/>
+          </a:p>
+          <a:p>
+            <a:r>
+              <a:rPr lang="de-AT" dirty="0" smtClean="0"/>
+              <a:t>Entfernen Steuerhand </a:t>
+            </a:r>
+            <a:r>
+              <a:rPr lang="de-AT" dirty="0" smtClean="0">
+                <a:sym typeface="Wingdings" panose="05000000000000000000" pitchFamily="2" charset="2"/>
+              </a:rPr>
+              <a:t> Stillstand</a:t>
+            </a:r>
+          </a:p>
+          <a:p>
+            <a:endParaRPr lang="de-AT" dirty="0" smtClean="0">
+              <a:sym typeface="Wingdings" panose="05000000000000000000" pitchFamily="2" charset="2"/>
+            </a:endParaRPr>
+          </a:p>
+          <a:p>
+            <a:r>
+              <a:rPr lang="de-AT" dirty="0" smtClean="0">
+                <a:sym typeface="Wingdings" panose="05000000000000000000" pitchFamily="2" charset="2"/>
+              </a:rPr>
+              <a:t>Stehenbleiben mittels Handgeste</a:t>
+            </a:r>
+            <a:endParaRPr lang="de-AT" dirty="0" smtClean="0"/>
+          </a:p>
+        </p:txBody>
+      </p:sp>
+    </p:spTree>
+    <p:extLst>
+      <p:ext uri="{BB962C8B-B14F-4D97-AF65-F5344CB8AC3E}">
+        <p14:creationId xmlns:p14="http://schemas.microsoft.com/office/powerpoint/2010/main" val="1028623866"/>
       </p:ext>
     </p:extLst>
   </p:cSld>
@@ -4079,7 +6584,7 @@
         </p:spPr>
         <p:txBody>
           <a:bodyPr>
-            <a:normAutofit lnSpcReduction="10000"/>
+            <a:normAutofit/>
           </a:bodyPr>
           <a:lstStyle/>
           <a:p>
@@ -4139,23 +6644,14 @@
             <a:pPr lvl="1"/>
             <a:r>
               <a:rPr lang="de-AT" dirty="0" smtClean="0"/>
-              <a:t>Geschwindigkeit </a:t>
-            </a:r>
+              <a:t>Geschwindigkeit proportional zur Hand</a:t>
+            </a:r>
+          </a:p>
+          <a:p>
+            <a:pPr lvl="1"/>
             <a:r>
               <a:rPr lang="de-AT" dirty="0" smtClean="0"/>
-              <a:t>proportional zur Hand</a:t>
-            </a:r>
-            <a:endParaRPr lang="de-AT" dirty="0" smtClean="0"/>
-          </a:p>
-          <a:p>
-            <a:pPr lvl="1"/>
-            <a:r>
-              <a:rPr lang="de-AT" dirty="0" smtClean="0"/>
-              <a:t>Auffahren </a:t>
-            </a:r>
-            <a:r>
-              <a:rPr lang="de-AT" dirty="0" smtClean="0"/>
-              <a:t>verhindern</a:t>
+              <a:t>Auffahren verhindern</a:t>
             </a:r>
           </a:p>
           <a:p>
@@ -4164,7 +6660,6 @@
               <a:rPr lang="de-AT" dirty="0" smtClean="0"/>
               <a:t>Bei Hindernis LED blinken lassen</a:t>
             </a:r>
-            <a:endParaRPr lang="de-AT" dirty="0" smtClean="0"/>
           </a:p>
         </p:txBody>
       </p:sp>
@@ -4251,7 +6746,9 @@
           </a:xfrm>
         </p:spPr>
         <p:txBody>
-          <a:bodyPr/>
+          <a:bodyPr>
+            <a:normAutofit/>
+          </a:bodyPr>
           <a:lstStyle/>
           <a:p>
             <a:pPr marL="0" indent="0">
@@ -4365,7 +6862,7 @@
         <p:spPr/>
         <p:txBody>
           <a:bodyPr>
-            <a:normAutofit lnSpcReduction="10000"/>
+            <a:normAutofit/>
           </a:bodyPr>
           <a:lstStyle/>
           <a:p>
@@ -4389,28 +6886,16 @@
           <a:p>
             <a:r>
               <a:rPr lang="de-AT" dirty="0" smtClean="0"/>
-              <a:t>Stromversorgung Roboter mit </a:t>
-            </a:r>
+              <a:t>Stromversorgung Roboter mit Batterien</a:t>
+            </a:r>
+          </a:p>
+          <a:p>
+            <a:endParaRPr lang="de-AT" dirty="0" smtClean="0"/>
+          </a:p>
+          <a:p>
             <a:r>
               <a:rPr lang="de-AT" dirty="0" smtClean="0"/>
-              <a:t>Batterien</a:t>
-            </a:r>
-          </a:p>
-          <a:p>
-            <a:endParaRPr lang="de-AT" dirty="0" smtClean="0"/>
-          </a:p>
-          <a:p>
-            <a:r>
-              <a:rPr lang="de-AT" dirty="0" smtClean="0"/>
-              <a:t>Steuerhand </a:t>
-            </a:r>
-            <a:r>
-              <a:rPr lang="de-AT" dirty="0" smtClean="0"/>
-              <a:t>nicht 90° zur Seite </a:t>
-            </a:r>
-            <a:r>
-              <a:rPr lang="de-AT" dirty="0" smtClean="0"/>
-              <a:t>neigen</a:t>
+              <a:t>Steuerhand nicht 90° zur Seite neigen</a:t>
             </a:r>
           </a:p>
           <a:p>
@@ -4523,6 +7008,9 @@
             <a:endParaRPr lang="de-AT" dirty="0" smtClean="0"/>
           </a:p>
           <a:p>
+            <a:endParaRPr lang="de-AT" dirty="0" smtClean="0"/>
+          </a:p>
+          <a:p>
             <a:r>
               <a:rPr lang="de-AT" dirty="0" smtClean="0"/>
               <a:t>Fingerspitzen nach unten: 	vor fahren</a:t>
@@ -4632,7 +7120,7 @@
         <p:spPr>
           <a:xfrm>
             <a:off x="69816" y="2129052"/>
-            <a:ext cx="12052367" cy="3207224"/>
+            <a:ext cx="10889129" cy="2897678"/>
           </a:xfrm>
           <a:prstGeom prst="rect">
             <a:avLst/>
@@ -4878,9 +7366,242 @@
 </file>
 
 <file path=ppt/theme/theme1.xml><?xml version="1.0" encoding="utf-8"?>
-<a:theme xmlns:a="http://schemas.openxmlformats.org/drawingml/2006/main" name="Office Theme">
+<a:theme xmlns:a="http://schemas.openxmlformats.org/drawingml/2006/main" name="Nähe">
   <a:themeElements>
-    <a:clrScheme name="Office">
+    <a:clrScheme name="Nähe">
+      <a:dk1>
+        <a:srgbClr val="2F2B20"/>
+      </a:dk1>
+      <a:lt1>
+        <a:srgbClr val="FFFFFF"/>
+      </a:lt1>
+      <a:dk2>
+        <a:srgbClr val="675E47"/>
+      </a:dk2>
+      <a:lt2>
+        <a:srgbClr val="DFDCB7"/>
+      </a:lt2>
+      <a:accent1>
+        <a:srgbClr val="A9A57C"/>
+      </a:accent1>
+      <a:accent2>
+        <a:srgbClr val="9CBEBD"/>
+      </a:accent2>
+      <a:accent3>
+        <a:srgbClr val="D2CB6C"/>
+      </a:accent3>
+      <a:accent4>
+        <a:srgbClr val="95A39D"/>
+      </a:accent4>
+      <a:accent5>
+        <a:srgbClr val="C89F5D"/>
+      </a:accent5>
+      <a:accent6>
+        <a:srgbClr val="B1A089"/>
+      </a:accent6>
+      <a:hlink>
+        <a:srgbClr val="D25814"/>
+      </a:hlink>
+      <a:folHlink>
+        <a:srgbClr val="849A0A"/>
+      </a:folHlink>
+    </a:clrScheme>
+    <a:fontScheme name="Larissa">
+      <a:majorFont>
+        <a:latin typeface="Cambria"/>
+        <a:ea typeface=""/>
+        <a:cs typeface=""/>
+        <a:font script="Jpan" typeface="ＭＳ ゴシック"/>
+        <a:font script="Hang" typeface="맑은 고딕"/>
+        <a:font script="Hans" typeface="宋体"/>
+        <a:font script="Hant" typeface="新細明體"/>
+        <a:font script="Arab" typeface="Times New Roman"/>
+        <a:font script="Hebr" typeface="Times New Roman"/>
+        <a:font script="Thai" typeface="Angsana New"/>
+        <a:font script="Ethi" typeface="Nyala"/>
+        <a:font script="Beng" typeface="Vrinda"/>
+        <a:font script="Gujr" typeface="Shruti"/>
+        <a:font script="Khmr" typeface="MoolBoran"/>
+        <a:font script="Knda" typeface="Tunga"/>
+        <a:font script="Guru" typeface="Raavi"/>
+        <a:font script="Cans" typeface="Euphemia"/>
+        <a:font script="Cher" typeface="Plantagenet Cherokee"/>
+        <a:font script="Yiii" typeface="Microsoft Yi Baiti"/>
+        <a:font script="Tibt" typeface="Microsoft Himalaya"/>
+        <a:font script="Thaa" typeface="MV Boli"/>
+        <a:font script="Deva" typeface="Mangal"/>
+        <a:font script="Telu" typeface="Gautami"/>
+        <a:font script="Taml" typeface="Latha"/>
+        <a:font script="Syrc" typeface="Estrangelo Edessa"/>
+        <a:font script="Orya" typeface="Kalinga"/>
+        <a:font script="Mlym" typeface="Kartika"/>
+        <a:font script="Laoo" typeface="DokChampa"/>
+        <a:font script="Sinh" typeface="Iskoola Pota"/>
+        <a:font script="Mong" typeface="Mongolian Baiti"/>
+        <a:font script="Viet" typeface="Times New Roman"/>
+        <a:font script="Uigh" typeface="Microsoft Uighur"/>
+        <a:font script="Geor" typeface="Sylfaen"/>
+      </a:majorFont>
+      <a:minorFont>
+        <a:latin typeface="Calibri"/>
+        <a:ea typeface=""/>
+        <a:cs typeface=""/>
+        <a:font script="Jpan" typeface="ＭＳ 明朝"/>
+        <a:font script="Hang" typeface="맑은 고딕"/>
+        <a:font script="Hans" typeface="宋体"/>
+        <a:font script="Hant" typeface="新細明體"/>
+        <a:font script="Arab" typeface="Arial"/>
+        <a:font script="Hebr" typeface="Arial"/>
+        <a:font script="Thai" typeface="Cordia New"/>
+        <a:font script="Ethi" typeface="Nyala"/>
+        <a:font script="Beng" typeface="Vrinda"/>
+        <a:font script="Gujr" typeface="Shruti"/>
+        <a:font script="Khmr" typeface="DaunPenh"/>
+        <a:font script="Knda" typeface="Tunga"/>
+        <a:font script="Guru" typeface="Raavi"/>
+        <a:font script="Cans" typeface="Euphemia"/>
+        <a:font script="Cher" typeface="Plantagenet Cherokee"/>
+        <a:font script="Yiii" typeface="Microsoft Yi Baiti"/>
+        <a:font script="Tibt" typeface="Microsoft Himalaya"/>
+        <a:font script="Thaa" typeface="MV Boli"/>
+        <a:font script="Deva" typeface="Mangal"/>
+        <a:font script="Telu" typeface="Gautami"/>
+        <a:font script="Taml" typeface="Latha"/>
+        <a:font script="Syrc" typeface="Estrangelo Edessa"/>
+        <a:font script="Orya" typeface="Kalinga"/>
+        <a:font script="Mlym" typeface="Kartika"/>
+        <a:font script="Laoo" typeface="DokChampa"/>
+        <a:font script="Sinh" typeface="Iskoola Pota"/>
+        <a:font script="Mong" typeface="Mongolian Baiti"/>
+        <a:font script="Viet" typeface="Arial"/>
+        <a:font script="Uigh" typeface="Microsoft Uighur"/>
+        <a:font script="Geor" typeface="Sylfaen"/>
+      </a:minorFont>
+    </a:fontScheme>
+    <a:fmtScheme name="Nähe">
+      <a:fillStyleLst>
+        <a:solidFill>
+          <a:schemeClr val="phClr"/>
+        </a:solidFill>
+        <a:solidFill>
+          <a:schemeClr val="phClr">
+            <a:tint val="55000"/>
+          </a:schemeClr>
+        </a:solidFill>
+        <a:solidFill>
+          <a:schemeClr val="phClr"/>
+        </a:solidFill>
+      </a:fillStyleLst>
+      <a:lnStyleLst>
+        <a:ln w="12700" cap="flat" cmpd="sng" algn="ctr">
+          <a:solidFill>
+            <a:schemeClr val="phClr">
+              <a:shade val="95000"/>
+              <a:satMod val="105000"/>
+            </a:schemeClr>
+          </a:solidFill>
+          <a:prstDash val="solid"/>
+        </a:ln>
+        <a:ln w="25400" cap="flat" cmpd="sng" algn="ctr">
+          <a:solidFill>
+            <a:schemeClr val="phClr"/>
+          </a:solidFill>
+          <a:prstDash val="solid"/>
+        </a:ln>
+        <a:ln w="38100" cap="flat" cmpd="sng" algn="ctr">
+          <a:solidFill>
+            <a:schemeClr val="phClr"/>
+          </a:solidFill>
+          <a:prstDash val="solid"/>
+        </a:ln>
+      </a:lnStyleLst>
+      <a:effectStyleLst>
+        <a:effectStyle>
+          <a:effectLst/>
+        </a:effectStyle>
+        <a:effectStyle>
+          <a:effectLst>
+            <a:outerShdw blurRad="50800" dist="25400" algn="bl" rotWithShape="0">
+              <a:srgbClr val="000000">
+                <a:alpha val="60000"/>
+              </a:srgbClr>
+            </a:outerShdw>
+          </a:effectLst>
+        </a:effectStyle>
+        <a:effectStyle>
+          <a:effectLst/>
+          <a:scene3d>
+            <a:camera prst="orthographicFront">
+              <a:rot lat="0" lon="0" rev="0"/>
+            </a:camera>
+            <a:lightRig rig="brightRoom" dir="tl">
+              <a:rot lat="0" lon="0" rev="1800000"/>
+            </a:lightRig>
+          </a:scene3d>
+          <a:sp3d contourW="10160" prstMaterial="dkEdge">
+            <a:bevelT w="38100" h="50800" prst="angle"/>
+            <a:contourClr>
+              <a:schemeClr val="phClr">
+                <a:shade val="40000"/>
+                <a:satMod val="150000"/>
+              </a:schemeClr>
+            </a:contourClr>
+          </a:sp3d>
+        </a:effectStyle>
+      </a:effectStyleLst>
+      <a:bgFillStyleLst>
+        <a:solidFill>
+          <a:schemeClr val="phClr"/>
+        </a:solidFill>
+        <a:gradFill rotWithShape="1">
+          <a:gsLst>
+            <a:gs pos="0">
+              <a:schemeClr val="phClr">
+                <a:tint val="90000"/>
+              </a:schemeClr>
+            </a:gs>
+            <a:gs pos="75000">
+              <a:schemeClr val="phClr">
+                <a:shade val="100000"/>
+                <a:satMod val="115000"/>
+              </a:schemeClr>
+            </a:gs>
+            <a:gs pos="100000">
+              <a:schemeClr val="phClr">
+                <a:shade val="70000"/>
+                <a:satMod val="130000"/>
+              </a:schemeClr>
+            </a:gs>
+          </a:gsLst>
+          <a:path path="circle">
+            <a:fillToRect l="20000" t="50000" r="100000" b="50000"/>
+          </a:path>
+        </a:gradFill>
+        <a:blipFill rotWithShape="1">
+          <a:blip xmlns:r="http://schemas.openxmlformats.org/officeDocument/2006/relationships" r:embed="rId1">
+            <a:duotone>
+              <a:schemeClr val="phClr">
+                <a:tint val="97000"/>
+              </a:schemeClr>
+              <a:schemeClr val="phClr">
+                <a:shade val="96000"/>
+              </a:schemeClr>
+            </a:duotone>
+          </a:blip>
+          <a:tile tx="0" ty="0" sx="32000" sy="32000" flip="none" algn="tl"/>
+        </a:blipFill>
+      </a:bgFillStyleLst>
+    </a:fmtScheme>
+  </a:themeElements>
+  <a:objectDefaults/>
+  <a:extraClrSchemeLst/>
+</a:theme>
+</file>
+
+<file path=ppt/theme/theme2.xml><?xml version="1.0" encoding="utf-8"?>
+<a:theme xmlns:a="http://schemas.openxmlformats.org/drawingml/2006/main" name="Larissa">
+  <a:themeElements>
+    <a:clrScheme name="Larissa">
       <a:dk1>
         <a:sysClr val="windowText" lastClr="000000"/>
       </a:dk1>
@@ -4888,39 +7609,39 @@
         <a:sysClr val="window" lastClr="FFFFFF"/>
       </a:lt1>
       <a:dk2>
-        <a:srgbClr val="44546A"/>
+        <a:srgbClr val="1F497D"/>
       </a:dk2>
       <a:lt2>
-        <a:srgbClr val="E7E6E6"/>
+        <a:srgbClr val="EEECE1"/>
       </a:lt2>
       <a:accent1>
-        <a:srgbClr val="5B9BD5"/>
+        <a:srgbClr val="4F81BD"/>
       </a:accent1>
       <a:accent2>
-        <a:srgbClr val="ED7D31"/>
+        <a:srgbClr val="C0504D"/>
       </a:accent2>
       <a:accent3>
-        <a:srgbClr val="A5A5A5"/>
+        <a:srgbClr val="9BBB59"/>
       </a:accent3>
       <a:accent4>
-        <a:srgbClr val="FFC000"/>
+        <a:srgbClr val="8064A2"/>
       </a:accent4>
       <a:accent5>
-        <a:srgbClr val="4472C4"/>
+        <a:srgbClr val="4BACC6"/>
       </a:accent5>
       <a:accent6>
-        <a:srgbClr val="70AD47"/>
+        <a:srgbClr val="F79646"/>
       </a:accent6>
       <a:hlink>
-        <a:srgbClr val="0563C1"/>
+        <a:srgbClr val="0000FF"/>
       </a:hlink>
       <a:folHlink>
-        <a:srgbClr val="954F72"/>
+        <a:srgbClr val="800080"/>
       </a:folHlink>
     </a:clrScheme>
-    <a:fontScheme name="Office">
+    <a:fontScheme name="Larissa">
       <a:majorFont>
-        <a:latin typeface="Calibri Light" panose="020F0302020204030204"/>
+        <a:latin typeface="Calibri"/>
         <a:ea typeface=""/>
         <a:cs typeface=""/>
         <a:font script="Jpan" typeface="ＭＳ Ｐゴシック"/>
@@ -4955,7 +7676,7 @@
         <a:font script="Geor" typeface="Sylfaen"/>
       </a:majorFont>
       <a:minorFont>
-        <a:latin typeface="Calibri" panose="020F0502020204030204"/>
+        <a:latin typeface="Calibri"/>
         <a:ea typeface=""/>
         <a:cs typeface=""/>
         <a:font script="Jpan" typeface="ＭＳ Ｐゴシック"/>
@@ -5109,48 +7830,55 @@
         <a:solidFill>
           <a:schemeClr val="phClr"/>
         </a:solidFill>
-        <a:solidFill>
-          <a:schemeClr val="phClr">
-            <a:tint val="95000"/>
-            <a:satMod val="170000"/>
-          </a:schemeClr>
-        </a:solidFill>
         <a:gradFill rotWithShape="1">
           <a:gsLst>
             <a:gs pos="0">
               <a:schemeClr val="phClr">
-                <a:tint val="93000"/>
-                <a:satMod val="150000"/>
-                <a:shade val="98000"/>
-                <a:lumMod val="102000"/>
+                <a:tint val="40000"/>
+                <a:satMod val="350000"/>
               </a:schemeClr>
             </a:gs>
-            <a:gs pos="50000">
+            <a:gs pos="40000">
               <a:schemeClr val="phClr">
-                <a:tint val="98000"/>
-                <a:satMod val="130000"/>
-                <a:shade val="90000"/>
-                <a:lumMod val="103000"/>
+                <a:tint val="45000"/>
+                <a:shade val="99000"/>
+                <a:satMod val="350000"/>
               </a:schemeClr>
             </a:gs>
             <a:gs pos="100000">
               <a:schemeClr val="phClr">
-                <a:shade val="63000"/>
-                <a:satMod val="120000"/>
+                <a:shade val="20000"/>
+                <a:satMod val="255000"/>
               </a:schemeClr>
             </a:gs>
           </a:gsLst>
-          <a:lin ang="5400000" scaled="0"/>
+          <a:path path="circle">
+            <a:fillToRect l="50000" t="-80000" r="50000" b="180000"/>
+          </a:path>
+        </a:gradFill>
+        <a:gradFill rotWithShape="1">
+          <a:gsLst>
+            <a:gs pos="0">
+              <a:schemeClr val="phClr">
+                <a:tint val="80000"/>
+                <a:satMod val="300000"/>
+              </a:schemeClr>
+            </a:gs>
+            <a:gs pos="100000">
+              <a:schemeClr val="phClr">
+                <a:shade val="30000"/>
+                <a:satMod val="200000"/>
+              </a:schemeClr>
+            </a:gs>
+          </a:gsLst>
+          <a:path path="circle">
+            <a:fillToRect l="50000" t="50000" r="50000" b="50000"/>
+          </a:path>
         </a:gradFill>
       </a:bgFillStyleLst>
     </a:fmtScheme>
   </a:themeElements>
   <a:objectDefaults/>
   <a:extraClrSchemeLst/>
-  <a:extLst>
-    <a:ext uri="{05A4C25C-085E-4340-85A3-A5531E510DB2}">
-      <thm15:themeFamily xmlns="" xmlns:thm15="http://schemas.microsoft.com/office/thememl/2012/main" name="Office Theme" id="{62F939B6-93AF-4DB8-9C6B-D6C7DFDC589F}" vid="{4A3C46E8-61CC-4603-A589-7422A47A8E4A}"/>
-    </a:ext>
-  </a:extLst>
 </a:theme>
 </file>
--- a/Allgemeines/praesentation.pptx
+++ b/Allgemeines/praesentation.pptx
@@ -131,7 +131,7 @@
   </p:defaultTextStyle>
   <p:extLst>
     <p:ext uri="{EFAFB233-063F-42B5-8137-9DF3F51BA10A}">
-      <p15:sldGuideLst xmlns="" xmlns:p15="http://schemas.microsoft.com/office/powerpoint/2012/main"/>
+      <p15:sldGuideLst xmlns:p15="http://schemas.microsoft.com/office/powerpoint/2012/main" xmlns=""/>
     </p:ext>
   </p:extLst>
 </p:presentation>
@@ -219,7 +219,7 @@
           <a:p>
             <a:fld id="{D5FA0779-FDAE-476A-8E08-9AF5FA875098}" type="datetimeFigureOut">
               <a:rPr lang="de-AT" smtClean="0"/>
-              <a:t>08.04.2015</a:t>
+              <a:t>21.04.2015</a:t>
             </a:fld>
             <a:endParaRPr lang="de-AT"/>
           </a:p>
@@ -765,7 +765,7 @@
           <a:p>
             <a:fld id="{77707964-7BC6-4715-8FEF-751851A67DFC}" type="datetimeFigureOut">
               <a:rPr lang="de-AT" smtClean="0"/>
-              <a:t>08.04.2015</a:t>
+              <a:t>21.04.2015</a:t>
             </a:fld>
             <a:endParaRPr lang="de-AT"/>
           </a:p>
@@ -930,7 +930,7 @@
           <a:p>
             <a:fld id="{77707964-7BC6-4715-8FEF-751851A67DFC}" type="datetimeFigureOut">
               <a:rPr lang="de-AT" smtClean="0"/>
-              <a:t>08.04.2015</a:t>
+              <a:t>21.04.2015</a:t>
             </a:fld>
             <a:endParaRPr lang="de-AT"/>
           </a:p>
@@ -1105,7 +1105,7 @@
           <a:p>
             <a:fld id="{77707964-7BC6-4715-8FEF-751851A67DFC}" type="datetimeFigureOut">
               <a:rPr lang="de-AT" smtClean="0"/>
-              <a:t>08.04.2015</a:t>
+              <a:t>21.04.2015</a:t>
             </a:fld>
             <a:endParaRPr lang="de-AT"/>
           </a:p>
@@ -1270,7 +1270,7 @@
           <a:p>
             <a:fld id="{77707964-7BC6-4715-8FEF-751851A67DFC}" type="datetimeFigureOut">
               <a:rPr lang="de-AT" smtClean="0"/>
-              <a:t>08.04.2015</a:t>
+              <a:t>21.04.2015</a:t>
             </a:fld>
             <a:endParaRPr lang="de-AT"/>
           </a:p>
@@ -1511,7 +1511,7 @@
           <a:p>
             <a:fld id="{77707964-7BC6-4715-8FEF-751851A67DFC}" type="datetimeFigureOut">
               <a:rPr lang="de-AT" smtClean="0"/>
-              <a:t>08.04.2015</a:t>
+              <a:t>21.04.2015</a:t>
             </a:fld>
             <a:endParaRPr lang="de-AT"/>
           </a:p>
@@ -1794,7 +1794,7 @@
           <a:p>
             <a:fld id="{77707964-7BC6-4715-8FEF-751851A67DFC}" type="datetimeFigureOut">
               <a:rPr lang="de-AT" smtClean="0"/>
-              <a:t>08.04.2015</a:t>
+              <a:t>21.04.2015</a:t>
             </a:fld>
             <a:endParaRPr lang="de-AT"/>
           </a:p>
@@ -2223,7 +2223,7 @@
           <a:p>
             <a:fld id="{77707964-7BC6-4715-8FEF-751851A67DFC}" type="datetimeFigureOut">
               <a:rPr lang="de-AT" smtClean="0"/>
-              <a:t>08.04.2015</a:t>
+              <a:t>21.04.2015</a:t>
             </a:fld>
             <a:endParaRPr lang="de-AT"/>
           </a:p>
@@ -2336,7 +2336,7 @@
           <a:p>
             <a:fld id="{77707964-7BC6-4715-8FEF-751851A67DFC}" type="datetimeFigureOut">
               <a:rPr lang="de-AT" smtClean="0"/>
-              <a:t>08.04.2015</a:t>
+              <a:t>21.04.2015</a:t>
             </a:fld>
             <a:endParaRPr lang="de-AT"/>
           </a:p>
@@ -2426,7 +2426,7 @@
           <a:p>
             <a:fld id="{77707964-7BC6-4715-8FEF-751851A67DFC}" type="datetimeFigureOut">
               <a:rPr lang="de-AT" smtClean="0"/>
-              <a:t>08.04.2015</a:t>
+              <a:t>21.04.2015</a:t>
             </a:fld>
             <a:endParaRPr lang="de-AT"/>
           </a:p>
@@ -2615,7 +2615,7 @@
           <a:p>
             <a:fld id="{77707964-7BC6-4715-8FEF-751851A67DFC}" type="datetimeFigureOut">
               <a:rPr lang="de-AT" smtClean="0"/>
-              <a:t>08.04.2015</a:t>
+              <a:t>21.04.2015</a:t>
             </a:fld>
             <a:endParaRPr lang="de-AT"/>
           </a:p>
@@ -2933,7 +2933,7 @@
           <a:p>
             <a:fld id="{77707964-7BC6-4715-8FEF-751851A67DFC}" type="datetimeFigureOut">
               <a:rPr lang="de-AT" smtClean="0"/>
-              <a:t>08.04.2015</a:t>
+              <a:t>21.04.2015</a:t>
             </a:fld>
             <a:endParaRPr lang="de-AT"/>
           </a:p>
@@ -3312,7 +3312,7 @@
           <a:p>
             <a:fld id="{77707964-7BC6-4715-8FEF-751851A67DFC}" type="datetimeFigureOut">
               <a:rPr lang="de-AT" smtClean="0"/>
-              <a:t>08.04.2015</a:t>
+              <a:t>21.04.2015</a:t>
             </a:fld>
             <a:endParaRPr lang="de-AT"/>
           </a:p>
@@ -3830,15 +3830,7 @@
           <a:p>
             <a:r>
               <a:rPr lang="de-AT" dirty="0" smtClean="0"/>
-              <a:t>Bildet </a:t>
-            </a:r>
-            <a:r>
-              <a:rPr lang="de-AT" dirty="0" smtClean="0"/>
-              <a:t>die Steuerungseinheit des </a:t>
-            </a:r>
-            <a:r>
-              <a:rPr lang="de-AT" dirty="0" smtClean="0"/>
-              <a:t>Roboters</a:t>
+              <a:t>Bildet die Steuerungseinheit des Roboters</a:t>
             </a:r>
           </a:p>
           <a:p>
@@ -3856,17 +3848,8 @@
           <a:p>
             <a:r>
               <a:rPr lang="de-AT" dirty="0" smtClean="0"/>
-              <a:t>Wandelt </a:t>
-            </a:r>
-            <a:r>
-              <a:rPr lang="de-AT" dirty="0" smtClean="0"/>
-              <a:t>Daten in Steuersignale für Motoren </a:t>
-            </a:r>
-            <a:r>
-              <a:rPr lang="de-AT" dirty="0" smtClean="0"/>
-              <a:t>um</a:t>
-            </a:r>
-            <a:endParaRPr lang="de-AT" dirty="0" smtClean="0"/>
+              <a:t>Wandelt Daten in Steuersignale für Motoren um</a:t>
+            </a:r>
           </a:p>
         </p:txBody>
       </p:sp>
@@ -3975,15 +3958,7 @@
           <a:p>
             <a:r>
               <a:rPr lang="de-AT" dirty="0" smtClean="0"/>
-              <a:t>Leitet Signale </a:t>
-            </a:r>
-            <a:r>
-              <a:rPr lang="de-AT" dirty="0" smtClean="0"/>
-              <a:t>an </a:t>
-            </a:r>
-            <a:r>
-              <a:rPr lang="de-AT" dirty="0" smtClean="0"/>
-              <a:t>Motoren weiter</a:t>
+              <a:t>Leitet Signale an Motoren weiter</a:t>
             </a:r>
           </a:p>
         </p:txBody>
@@ -4039,13 +4014,6 @@
               </a:rPr>
               <a:t>Bluetooth-Modul</a:t>
             </a:r>
-            <a:endParaRPr lang="de-AT" sz="4600" b="1" spc="-100" dirty="0">
-              <a:solidFill>
-                <a:schemeClr val="tx2"/>
-              </a:solidFill>
-              <a:latin typeface="Aharoni" panose="02010803020104030203" pitchFamily="2" charset="-79"/>
-              <a:cs typeface="Aharoni" panose="02010803020104030203" pitchFamily="2" charset="-79"/>
-            </a:endParaRPr>
           </a:p>
         </p:txBody>
       </p:sp>
@@ -4251,15 +4219,7 @@
           <a:p>
             <a:r>
               <a:rPr lang="de-AT" sz="2200" dirty="0"/>
-              <a:t> Nimmt Daten von PC entgegen</a:t>
-            </a:r>
-            <a:r>
-              <a:rPr lang="de-AT" sz="2200" dirty="0"/>
-              <a:t> </a:t>
-            </a:r>
-            <a:r>
-              <a:rPr lang="de-AT" sz="2200" dirty="0"/>
-              <a:t>und gibt sie an </a:t>
+              <a:t> Nimmt Daten von PC entgegen und gibt sie an </a:t>
             </a:r>
             <a:r>
               <a:rPr lang="de-AT" sz="2200" dirty="0" err="1"/>
@@ -4377,7 +4337,6 @@
               <a:rPr lang="de-AT" dirty="0" smtClean="0"/>
               <a:t>Infrarotsensor</a:t>
             </a:r>
-            <a:endParaRPr lang="de-AT" dirty="0" smtClean="0"/>
           </a:p>
           <a:p>
             <a:endParaRPr lang="de-AT" dirty="0" smtClean="0"/>
@@ -4387,7 +4346,6 @@
               <a:rPr lang="de-AT" dirty="0" smtClean="0"/>
               <a:t>Vermeidung von Hindernissen</a:t>
             </a:r>
-            <a:endParaRPr lang="de-AT" dirty="0" smtClean="0"/>
           </a:p>
           <a:p>
             <a:endParaRPr lang="de-AT" dirty="0" smtClean="0"/>
@@ -4506,11 +4464,7 @@
           <a:p>
             <a:r>
               <a:rPr lang="de-AT" dirty="0" smtClean="0"/>
-              <a:t>Alle </a:t>
-            </a:r>
-            <a:r>
-              <a:rPr lang="de-AT" dirty="0" smtClean="0"/>
-              <a:t>Teile zusammengesetzt</a:t>
+              <a:t>Alle Teile zusammengesetzt</a:t>
             </a:r>
           </a:p>
           <a:p>
@@ -4918,11 +4872,7 @@
           <a:p>
             <a:r>
               <a:rPr lang="de-AT" dirty="0" smtClean="0"/>
-              <a:t>Aufbau </a:t>
-            </a:r>
-            <a:r>
-              <a:rPr lang="de-AT" dirty="0" smtClean="0"/>
-              <a:t>von Bluetooth-Verbindung</a:t>
+              <a:t>Aufbau von Bluetooth-Verbindung</a:t>
             </a:r>
             <a:endParaRPr lang="de-AT" dirty="0" smtClean="0">
               <a:sym typeface="Wingdings" panose="05000000000000000000" pitchFamily="2" charset="2"/>
@@ -4960,11 +4910,7 @@
           <a:p>
             <a:r>
               <a:rPr lang="de-AT" dirty="0" smtClean="0"/>
-              <a:t>Code </a:t>
-            </a:r>
-            <a:r>
-              <a:rPr lang="de-AT" dirty="0" smtClean="0"/>
-              <a:t>am </a:t>
+              <a:t>Code am </a:t>
             </a:r>
             <a:r>
               <a:rPr lang="de-AT" dirty="0" err="1" smtClean="0"/>
@@ -4974,7 +4920,6 @@
               <a:rPr lang="de-AT" dirty="0" smtClean="0"/>
               <a:t> verarbeiten</a:t>
             </a:r>
-            <a:endParaRPr lang="de-AT" dirty="0" smtClean="0"/>
           </a:p>
         </p:txBody>
       </p:sp>
@@ -5533,11 +5478,7 @@
           <a:p>
             <a:r>
               <a:rPr lang="de-AT" sz="2800" dirty="0" smtClean="0"/>
-              <a:t>Erstellung </a:t>
-            </a:r>
-            <a:r>
-              <a:rPr lang="de-AT" sz="2800" dirty="0" smtClean="0"/>
-              <a:t>eines ersten Testprogrammes für den </a:t>
+              <a:t>Erstellung eines ersten Testprogrammes für den </a:t>
             </a:r>
             <a:r>
               <a:rPr lang="de-AT" sz="2800" dirty="0" err="1" smtClean="0"/>
@@ -5551,11 +5492,7 @@
           <a:p>
             <a:r>
               <a:rPr lang="de-AT" sz="2800" dirty="0" smtClean="0"/>
-              <a:t>Noch ohne </a:t>
-            </a:r>
-            <a:r>
-              <a:rPr lang="de-AT" sz="2800" dirty="0" smtClean="0"/>
-              <a:t>Roboter</a:t>
+              <a:t>Noch ohne Roboter</a:t>
             </a:r>
           </a:p>
           <a:p>
@@ -5648,11 +5585,7 @@
           <a:p>
             <a:r>
               <a:rPr lang="de-AT" sz="2800" dirty="0" smtClean="0"/>
-              <a:t>Test mit </a:t>
-            </a:r>
-            <a:r>
-              <a:rPr lang="de-AT" sz="2800" dirty="0" smtClean="0"/>
-              <a:t>Hardware</a:t>
+              <a:t>Test mit Hardware</a:t>
             </a:r>
           </a:p>
           <a:p>
@@ -5687,11 +5620,7 @@
             <a:pPr lvl="1"/>
             <a:r>
               <a:rPr lang="de-AT" sz="2800" dirty="0" smtClean="0"/>
-              <a:t>Roboter </a:t>
-            </a:r>
-            <a:r>
-              <a:rPr lang="de-AT" sz="2800" dirty="0" smtClean="0"/>
-              <a:t>links/rechts</a:t>
+              <a:t>Roboter links/rechts</a:t>
             </a:r>
           </a:p>
           <a:p>
@@ -5773,13 +5702,6 @@
           <a:lstStyle/>
           <a:p>
             <a:pPr algn="ctr"/>
-            <a:r>
-              <a:rPr lang="de-AT" sz="8800" b="1" dirty="0" smtClean="0">
-                <a:latin typeface="Aharoni" panose="02010803020104030203" pitchFamily="2" charset="-79"/>
-                <a:cs typeface="Aharoni" panose="02010803020104030203" pitchFamily="2" charset="-79"/>
-              </a:rPr>
-              <a:t>ALLGEMEINES</a:t>
-            </a:r>
             <a:endParaRPr lang="de-AT" b="1" dirty="0">
               <a:latin typeface="Aharoni" panose="02010803020104030203" pitchFamily="2" charset="-79"/>
               <a:cs typeface="Aharoni" panose="02010803020104030203" pitchFamily="2" charset="-79"/>
@@ -5787,6 +5709,45 @@
           </a:p>
         </p:txBody>
       </p:sp>
+      <p:pic>
+        <p:nvPicPr>
+          <p:cNvPr id="1026" name="Picture 2" descr="C:\Users\Mattias\Downloads\20150318_092348.jpg"/>
+          <p:cNvPicPr>
+            <a:picLocks noChangeAspect="1" noChangeArrowheads="1"/>
+          </p:cNvPicPr>
+          <p:nvPr/>
+        </p:nvPicPr>
+        <p:blipFill rotWithShape="1">
+          <a:blip r:embed="rId2" cstate="print">
+            <a:extLst>
+              <a:ext uri="{28A0092B-C50C-407E-A947-70E740481C1C}">
+                <a14:useLocalDpi xmlns:a14="http://schemas.microsoft.com/office/drawing/2010/main" val="0"/>
+              </a:ext>
+            </a:extLst>
+          </a:blip>
+          <a:srcRect r="23885"/>
+          <a:stretch/>
+        </p:blipFill>
+        <p:spPr bwMode="auto">
+          <a:xfrm rot="5400000">
+            <a:off x="2980920" y="359568"/>
+            <a:ext cx="6230160" cy="6138865"/>
+          </a:xfrm>
+          <a:prstGeom prst="rect">
+            <a:avLst/>
+          </a:prstGeom>
+          <a:noFill/>
+          <a:extLst>
+            <a:ext uri="{909E8E84-426E-40DD-AFC4-6F175D3DCCD1}">
+              <a14:hiddenFill xmlns:a14="http://schemas.microsoft.com/office/drawing/2010/main">
+                <a:solidFill>
+                  <a:srgbClr val="FFFFFF"/>
+                </a:solidFill>
+              </a14:hiddenFill>
+            </a:ext>
+          </a:extLst>
+        </p:spPr>
+      </p:pic>
     </p:spTree>
     <p:extLst>
       <p:ext uri="{BB962C8B-B14F-4D97-AF65-F5344CB8AC3E}">
@@ -5886,11 +5847,7 @@
           <a:p>
             <a:r>
               <a:rPr lang="de-AT" sz="2800" dirty="0" smtClean="0"/>
-              <a:t>Testdaten erzeugt von C</a:t>
-            </a:r>
-            <a:r>
-              <a:rPr lang="de-AT" sz="2800" dirty="0" smtClean="0"/>
-              <a:t>#</a:t>
+              <a:t>Testdaten erzeugt von C#</a:t>
             </a:r>
           </a:p>
           <a:p>
@@ -5907,11 +5864,7 @@
             </a:r>
             <a:r>
               <a:rPr lang="de-AT" sz="2800" dirty="0" smtClean="0"/>
-              <a:t> </a:t>
-            </a:r>
-            <a:r>
-              <a:rPr lang="de-AT" sz="2800" dirty="0" smtClean="0"/>
-              <a:t>gesendet</a:t>
+              <a:t> gesendet</a:t>
             </a:r>
           </a:p>
           <a:p>
@@ -5924,11 +5877,7 @@
             </a:r>
             <a:r>
               <a:rPr lang="de-AT" sz="2800" dirty="0" smtClean="0"/>
-              <a:t> verarbeitet </a:t>
-            </a:r>
-            <a:r>
-              <a:rPr lang="de-AT" sz="2800" dirty="0" smtClean="0"/>
-              <a:t>Daten</a:t>
+              <a:t> verarbeitet Daten</a:t>
             </a:r>
           </a:p>
           <a:p>
@@ -6036,11 +5985,7 @@
           <a:p>
             <a:r>
               <a:rPr lang="de-AT" sz="2800" dirty="0" smtClean="0"/>
-              <a:t>„Haupttestlauf</a:t>
-            </a:r>
-            <a:r>
-              <a:rPr lang="de-AT" sz="2800" dirty="0" smtClean="0"/>
-              <a:t>“</a:t>
+              <a:t>„Haupttestlauf“</a:t>
             </a:r>
           </a:p>
           <a:p>
@@ -6081,13 +6026,8 @@
             </a:r>
             <a:r>
               <a:rPr lang="de-AT" sz="2800" dirty="0" smtClean="0"/>
-              <a:t> verarbeitet die empfangenen </a:t>
-            </a:r>
-            <a:r>
-              <a:rPr lang="de-AT" sz="2800" dirty="0" smtClean="0"/>
-              <a:t>Daten</a:t>
-            </a:r>
-            <a:endParaRPr lang="de-AT" sz="2800" dirty="0" smtClean="0"/>
+              <a:t> verarbeitet die empfangenen Daten</a:t>
+            </a:r>
           </a:p>
         </p:txBody>
       </p:sp>
